--- a/docs/tables_demo.pptx
+++ b/docs/tables_demo.pptx
@@ -6,6 +6,8 @@
   </p:sldMasterIdLst>
   <p:sldIdLst>
     <p:sldId id="256" r:id="rId2"/>
+    <p:sldId id="257" r:id="rId3"/>
+    <p:sldId id="258" r:id="rId4"/>
   </p:sldIdLst>
   <p:sldSz cx="12192000" cy="6858000"/>
   <p:notesSz cx="6858000" cy="9144000"/>
@@ -104,6 +106,11 @@
       </a:defRPr>
     </a:lvl9pPr>
   </p:defaultTextStyle>
+  <p:extLst>
+    <p:ext uri="{EFAFB233-063F-42B5-8137-9DF3F51BA10A}">
+      <p15:sldGuideLst xmlns:p15="http://schemas.microsoft.com/office/powerpoint/2012/main"/>
+    </p:ext>
+  </p:extLst>
 </p:presentation>
 </file>
 
@@ -3336,14 +3343,14 @@
           <p:nvPr>
             <p:extLst>
               <p:ext uri="{D42A27DB-BD31-4B8C-83A1-F6EECF244321}">
-                <p14:modId xmlns:p14="http://schemas.microsoft.com/office/powerpoint/2010/main" val="3424892523"/>
+                <p14:modId xmlns:p14="http://schemas.microsoft.com/office/powerpoint/2010/main" val="891484865"/>
               </p:ext>
             </p:extLst>
           </p:nvPr>
         </p:nvGraphicFramePr>
         <p:xfrm>
-          <a:off x="321533" y="258182"/>
-          <a:ext cx="3131672" cy="1904108"/>
+          <a:off x="181832" y="131183"/>
+          <a:ext cx="3075718" cy="2243717"/>
         </p:xfrm>
         <a:graphic>
           <a:graphicData uri="http://schemas.openxmlformats.org/drawingml/2006/table">
@@ -3352,14 +3359,14 @@
                 <a:tableStyleId>{5C22544A-7EE6-4342-B048-85BDC9FD1C3A}</a:tableStyleId>
               </a:tblPr>
               <a:tblGrid>
-                <a:gridCol w="1565836">
+                <a:gridCol w="1537859">
                   <a:extLst>
                     <a:ext uri="{9D8B030D-6E8A-4147-A177-3AD203B41FA5}">
                       <a16:colId xmlns:a16="http://schemas.microsoft.com/office/drawing/2014/main" val="624646341"/>
                     </a:ext>
                   </a:extLst>
                 </a:gridCol>
-                <a:gridCol w="1565836">
+                <a:gridCol w="1537859">
                   <a:extLst>
                     <a:ext uri="{9D8B030D-6E8A-4147-A177-3AD203B41FA5}">
                       <a16:colId xmlns:a16="http://schemas.microsoft.com/office/drawing/2014/main" val="975009246"/>
@@ -3367,7 +3374,7 @@
                   </a:extLst>
                 </a:gridCol>
               </a:tblGrid>
-              <a:tr h="476027">
+              <a:tr h="379631">
                 <a:tc>
                   <a:txBody>
                     <a:bodyPr/>
@@ -3401,7 +3408,7 @@
                   </a:ext>
                 </a:extLst>
               </a:tr>
-              <a:tr h="476027">
+              <a:tr h="621362">
                 <a:tc>
                   <a:txBody>
                     <a:bodyPr/>
@@ -3434,7 +3441,7 @@
                   </a:ext>
                 </a:extLst>
               </a:tr>
-              <a:tr h="476027">
+              <a:tr h="621362">
                 <a:tc>
                   <a:txBody>
                     <a:bodyPr/>
@@ -3467,7 +3474,7 @@
                   </a:ext>
                 </a:extLst>
               </a:tr>
-              <a:tr h="476027">
+              <a:tr h="621362">
                 <a:tc>
                   <a:txBody>
                     <a:bodyPr/>
@@ -3519,13 +3526,13 @@
           <p:nvPr>
             <p:extLst>
               <p:ext uri="{D42A27DB-BD31-4B8C-83A1-F6EECF244321}">
-                <p14:modId xmlns:p14="http://schemas.microsoft.com/office/powerpoint/2010/main" val="1657958003"/>
+                <p14:modId xmlns:p14="http://schemas.microsoft.com/office/powerpoint/2010/main" val="4013782081"/>
               </p:ext>
             </p:extLst>
           </p:nvPr>
         </p:nvGraphicFramePr>
         <p:xfrm>
-          <a:off x="5216261" y="355253"/>
+          <a:off x="3570344" y="258210"/>
           <a:ext cx="3303792" cy="2440392"/>
         </p:xfrm>
         <a:graphic>
@@ -3771,13 +3778,13 @@
           <p:nvPr>
             <p:extLst>
               <p:ext uri="{D42A27DB-BD31-4B8C-83A1-F6EECF244321}">
-                <p14:modId xmlns:p14="http://schemas.microsoft.com/office/powerpoint/2010/main" val="77862348"/>
+                <p14:modId xmlns:p14="http://schemas.microsoft.com/office/powerpoint/2010/main" val="4199150480"/>
               </p:ext>
             </p:extLst>
           </p:nvPr>
         </p:nvGraphicFramePr>
         <p:xfrm>
-          <a:off x="732712" y="3073998"/>
+          <a:off x="1195290" y="3426060"/>
           <a:ext cx="5678846" cy="2926080"/>
         </p:xfrm>
         <a:graphic>
@@ -3978,7 +3985,7 @@
                     <a:p>
                       <a:r>
                         <a:rPr lang="en-US" dirty="0" err="1"/>
-                        <a:t>is_vendor</a:t>
+                        <a:t>is_lab</a:t>
                       </a:r>
                       <a:endParaRPr lang="en-US" dirty="0"/>
                     </a:p>
@@ -4080,6 +4087,2294 @@
     <p:extLst>
       <p:ext uri="{BB962C8B-B14F-4D97-AF65-F5344CB8AC3E}">
         <p14:creationId xmlns:p14="http://schemas.microsoft.com/office/powerpoint/2010/main" val="2674089438"/>
+      </p:ext>
+    </p:extLst>
+  </p:cSld>
+  <p:clrMapOvr>
+    <a:masterClrMapping/>
+  </p:clrMapOvr>
+</p:sld>
+</file>
+
+<file path=ppt/slides/slide2.xml><?xml version="1.0" encoding="utf-8"?>
+<p:sld xmlns:a="http://schemas.openxmlformats.org/drawingml/2006/main" xmlns:r="http://schemas.openxmlformats.org/officeDocument/2006/relationships" xmlns:p="http://schemas.openxmlformats.org/presentationml/2006/main">
+  <p:cSld>
+    <p:spTree>
+      <p:nvGrpSpPr>
+        <p:cNvPr id="1" name=""/>
+        <p:cNvGrpSpPr/>
+        <p:nvPr/>
+      </p:nvGrpSpPr>
+      <p:grpSpPr>
+        <a:xfrm>
+          <a:off x="0" y="0"/>
+          <a:ext cx="0" cy="0"/>
+          <a:chOff x="0" y="0"/>
+          <a:chExt cx="0" cy="0"/>
+        </a:xfrm>
+      </p:grpSpPr>
+      <p:graphicFrame>
+        <p:nvGraphicFramePr>
+          <p:cNvPr id="4" name="Table 5">
+            <a:extLst>
+              <a:ext uri="{FF2B5EF4-FFF2-40B4-BE49-F238E27FC236}">
+                <a16:creationId xmlns:a16="http://schemas.microsoft.com/office/drawing/2014/main" id="{A7F5D93E-A2BC-4FAA-9EC9-91E5CA4FC3D4}"/>
+              </a:ext>
+            </a:extLst>
+          </p:cNvPr>
+          <p:cNvGraphicFramePr>
+            <a:graphicFrameLocks noGrp="1"/>
+          </p:cNvGraphicFramePr>
+          <p:nvPr>
+            <p:extLst>
+              <p:ext uri="{D42A27DB-BD31-4B8C-83A1-F6EECF244321}">
+                <p14:modId xmlns:p14="http://schemas.microsoft.com/office/powerpoint/2010/main" val="850397813"/>
+              </p:ext>
+            </p:extLst>
+          </p:nvPr>
+        </p:nvGraphicFramePr>
+        <p:xfrm>
+          <a:off x="277082" y="156583"/>
+          <a:ext cx="3075718" cy="2243717"/>
+        </p:xfrm>
+        <a:graphic>
+          <a:graphicData uri="http://schemas.openxmlformats.org/drawingml/2006/table">
+            <a:tbl>
+              <a:tblPr firstRow="1" bandRow="1">
+                <a:tableStyleId>{5C22544A-7EE6-4342-B048-85BDC9FD1C3A}</a:tableStyleId>
+              </a:tblPr>
+              <a:tblGrid>
+                <a:gridCol w="1537859">
+                  <a:extLst>
+                    <a:ext uri="{9D8B030D-6E8A-4147-A177-3AD203B41FA5}">
+                      <a16:colId xmlns:a16="http://schemas.microsoft.com/office/drawing/2014/main" val="624646341"/>
+                    </a:ext>
+                  </a:extLst>
+                </a:gridCol>
+                <a:gridCol w="1537859">
+                  <a:extLst>
+                    <a:ext uri="{9D8B030D-6E8A-4147-A177-3AD203B41FA5}">
+                      <a16:colId xmlns:a16="http://schemas.microsoft.com/office/drawing/2014/main" val="975009246"/>
+                    </a:ext>
+                  </a:extLst>
+                </a:gridCol>
+              </a:tblGrid>
+              <a:tr h="379631">
+                <a:tc>
+                  <a:txBody>
+                    <a:bodyPr/>
+                    <a:lstStyle/>
+                    <a:p>
+                      <a:r>
+                        <a:rPr lang="en-US" dirty="0" err="1"/>
+                        <a:t>user_login</a:t>
+                      </a:r>
+                      <a:endParaRPr lang="en-US" dirty="0"/>
+                    </a:p>
+                  </a:txBody>
+                  <a:tcPr/>
+                </a:tc>
+                <a:tc>
+                  <a:txBody>
+                    <a:bodyPr/>
+                    <a:lstStyle/>
+                    <a:p>
+                      <a:r>
+                        <a:rPr lang="en-US" dirty="0"/>
+                        <a:t>Datatype</a:t>
+                      </a:r>
+                    </a:p>
+                  </a:txBody>
+                  <a:tcPr/>
+                </a:tc>
+                <a:extLst>
+                  <a:ext uri="{0D108BD9-81ED-4DB2-BD59-A6C34878D82A}">
+                    <a16:rowId xmlns:a16="http://schemas.microsoft.com/office/drawing/2014/main" val="3282780898"/>
+                  </a:ext>
+                </a:extLst>
+              </a:tr>
+              <a:tr h="621362">
+                <a:tc>
+                  <a:txBody>
+                    <a:bodyPr/>
+                    <a:lstStyle/>
+                    <a:p>
+                      <a:r>
+                        <a:rPr lang="en-US" dirty="0"/>
+                        <a:t>ULID</a:t>
+                      </a:r>
+                    </a:p>
+                  </a:txBody>
+                  <a:tcPr/>
+                </a:tc>
+                <a:tc>
+                  <a:txBody>
+                    <a:bodyPr/>
+                    <a:lstStyle/>
+                    <a:p>
+                      <a:r>
+                        <a:rPr lang="en-US" dirty="0"/>
+                        <a:t>int(Primary)</a:t>
+                      </a:r>
+                    </a:p>
+                  </a:txBody>
+                  <a:tcPr/>
+                </a:tc>
+                <a:extLst>
+                  <a:ext uri="{0D108BD9-81ED-4DB2-BD59-A6C34878D82A}">
+                    <a16:rowId xmlns:a16="http://schemas.microsoft.com/office/drawing/2014/main" val="82321383"/>
+                  </a:ext>
+                </a:extLst>
+              </a:tr>
+              <a:tr h="621362">
+                <a:tc>
+                  <a:txBody>
+                    <a:bodyPr/>
+                    <a:lstStyle/>
+                    <a:p>
+                      <a:r>
+                        <a:rPr lang="en-US" dirty="0"/>
+                        <a:t>username</a:t>
+                      </a:r>
+                    </a:p>
+                  </a:txBody>
+                  <a:tcPr/>
+                </a:tc>
+                <a:tc>
+                  <a:txBody>
+                    <a:bodyPr/>
+                    <a:lstStyle/>
+                    <a:p>
+                      <a:r>
+                        <a:rPr lang="en-US" dirty="0"/>
+                        <a:t>varchar(25)</a:t>
+                      </a:r>
+                    </a:p>
+                  </a:txBody>
+                  <a:tcPr/>
+                </a:tc>
+                <a:extLst>
+                  <a:ext uri="{0D108BD9-81ED-4DB2-BD59-A6C34878D82A}">
+                    <a16:rowId xmlns:a16="http://schemas.microsoft.com/office/drawing/2014/main" val="1883136544"/>
+                  </a:ext>
+                </a:extLst>
+              </a:tr>
+              <a:tr h="621362">
+                <a:tc>
+                  <a:txBody>
+                    <a:bodyPr/>
+                    <a:lstStyle/>
+                    <a:p>
+                      <a:r>
+                        <a:rPr lang="en-US" dirty="0"/>
+                        <a:t>password</a:t>
+                      </a:r>
+                    </a:p>
+                  </a:txBody>
+                  <a:tcPr/>
+                </a:tc>
+                <a:tc>
+                  <a:txBody>
+                    <a:bodyPr/>
+                    <a:lstStyle/>
+                    <a:p>
+                      <a:r>
+                        <a:rPr lang="en-US" dirty="0"/>
+                        <a:t>varchar(25)</a:t>
+                      </a:r>
+                    </a:p>
+                  </a:txBody>
+                  <a:tcPr/>
+                </a:tc>
+                <a:extLst>
+                  <a:ext uri="{0D108BD9-81ED-4DB2-BD59-A6C34878D82A}">
+                    <a16:rowId xmlns:a16="http://schemas.microsoft.com/office/drawing/2014/main" val="2327483014"/>
+                  </a:ext>
+                </a:extLst>
+              </a:tr>
+            </a:tbl>
+          </a:graphicData>
+        </a:graphic>
+      </p:graphicFrame>
+      <p:graphicFrame>
+        <p:nvGraphicFramePr>
+          <p:cNvPr id="5" name="Table 5">
+            <a:extLst>
+              <a:ext uri="{FF2B5EF4-FFF2-40B4-BE49-F238E27FC236}">
+                <a16:creationId xmlns:a16="http://schemas.microsoft.com/office/drawing/2014/main" id="{E592DA5D-A526-464E-ACC0-760EB2F1A08F}"/>
+              </a:ext>
+            </a:extLst>
+          </p:cNvPr>
+          <p:cNvGraphicFramePr>
+            <a:graphicFrameLocks noGrp="1"/>
+          </p:cNvGraphicFramePr>
+          <p:nvPr>
+            <p:extLst>
+              <p:ext uri="{D42A27DB-BD31-4B8C-83A1-F6EECF244321}">
+                <p14:modId xmlns:p14="http://schemas.microsoft.com/office/powerpoint/2010/main" val="4243334524"/>
+              </p:ext>
+            </p:extLst>
+          </p:nvPr>
+        </p:nvGraphicFramePr>
+        <p:xfrm>
+          <a:off x="3994150" y="707390"/>
+          <a:ext cx="4514850" cy="1506219"/>
+        </p:xfrm>
+        <a:graphic>
+          <a:graphicData uri="http://schemas.openxmlformats.org/drawingml/2006/table">
+            <a:tbl>
+              <a:tblPr firstRow="1" bandRow="1">
+                <a:tableStyleId>{5C22544A-7EE6-4342-B048-85BDC9FD1C3A}</a:tableStyleId>
+              </a:tblPr>
+              <a:tblGrid>
+                <a:gridCol w="2257425">
+                  <a:extLst>
+                    <a:ext uri="{9D8B030D-6E8A-4147-A177-3AD203B41FA5}">
+                      <a16:colId xmlns:a16="http://schemas.microsoft.com/office/drawing/2014/main" val="1377583130"/>
+                    </a:ext>
+                  </a:extLst>
+                </a:gridCol>
+                <a:gridCol w="2257425">
+                  <a:extLst>
+                    <a:ext uri="{9D8B030D-6E8A-4147-A177-3AD203B41FA5}">
+                      <a16:colId xmlns:a16="http://schemas.microsoft.com/office/drawing/2014/main" val="1588082863"/>
+                    </a:ext>
+                  </a:extLst>
+                </a:gridCol>
+              </a:tblGrid>
+              <a:tr h="502073">
+                <a:tc>
+                  <a:txBody>
+                    <a:bodyPr/>
+                    <a:lstStyle/>
+                    <a:p>
+                      <a:r>
+                        <a:rPr lang="en-US" dirty="0" err="1"/>
+                        <a:t>patient_profile</a:t>
+                      </a:r>
+                      <a:endParaRPr lang="en-US" dirty="0"/>
+                    </a:p>
+                  </a:txBody>
+                  <a:tcPr/>
+                </a:tc>
+                <a:tc>
+                  <a:txBody>
+                    <a:bodyPr/>
+                    <a:lstStyle/>
+                    <a:p>
+                      <a:r>
+                        <a:rPr lang="en-US" dirty="0"/>
+                        <a:t>Datatype</a:t>
+                      </a:r>
+                    </a:p>
+                  </a:txBody>
+                  <a:tcPr/>
+                </a:tc>
+                <a:extLst>
+                  <a:ext uri="{0D108BD9-81ED-4DB2-BD59-A6C34878D82A}">
+                    <a16:rowId xmlns:a16="http://schemas.microsoft.com/office/drawing/2014/main" val="3665414442"/>
+                  </a:ext>
+                </a:extLst>
+              </a:tr>
+              <a:tr h="502073">
+                <a:tc>
+                  <a:txBody>
+                    <a:bodyPr/>
+                    <a:lstStyle/>
+                    <a:p>
+                      <a:r>
+                        <a:rPr lang="en-US" dirty="0"/>
+                        <a:t>PPID</a:t>
+                      </a:r>
+                    </a:p>
+                  </a:txBody>
+                  <a:tcPr/>
+                </a:tc>
+                <a:tc>
+                  <a:txBody>
+                    <a:bodyPr/>
+                    <a:lstStyle/>
+                    <a:p>
+                      <a:r>
+                        <a:rPr lang="en-US" dirty="0"/>
+                        <a:t>int(Primary)</a:t>
+                      </a:r>
+                    </a:p>
+                  </a:txBody>
+                  <a:tcPr/>
+                </a:tc>
+                <a:extLst>
+                  <a:ext uri="{0D108BD9-81ED-4DB2-BD59-A6C34878D82A}">
+                    <a16:rowId xmlns:a16="http://schemas.microsoft.com/office/drawing/2014/main" val="200518"/>
+                  </a:ext>
+                </a:extLst>
+              </a:tr>
+              <a:tr h="502073">
+                <a:tc>
+                  <a:txBody>
+                    <a:bodyPr/>
+                    <a:lstStyle/>
+                    <a:p>
+                      <a:r>
+                        <a:rPr lang="en-US" dirty="0"/>
+                        <a:t>ULID</a:t>
+                      </a:r>
+                    </a:p>
+                  </a:txBody>
+                  <a:tcPr/>
+                </a:tc>
+                <a:tc>
+                  <a:txBody>
+                    <a:bodyPr/>
+                    <a:lstStyle/>
+                    <a:p>
+                      <a:r>
+                        <a:rPr lang="en-US" dirty="0"/>
+                        <a:t>int(Foreign)</a:t>
+                      </a:r>
+                    </a:p>
+                  </a:txBody>
+                  <a:tcPr/>
+                </a:tc>
+                <a:extLst>
+                  <a:ext uri="{0D108BD9-81ED-4DB2-BD59-A6C34878D82A}">
+                    <a16:rowId xmlns:a16="http://schemas.microsoft.com/office/drawing/2014/main" val="1326051876"/>
+                  </a:ext>
+                </a:extLst>
+              </a:tr>
+            </a:tbl>
+          </a:graphicData>
+        </a:graphic>
+      </p:graphicFrame>
+      <p:graphicFrame>
+        <p:nvGraphicFramePr>
+          <p:cNvPr id="6" name="Table 6">
+            <a:extLst>
+              <a:ext uri="{FF2B5EF4-FFF2-40B4-BE49-F238E27FC236}">
+                <a16:creationId xmlns:a16="http://schemas.microsoft.com/office/drawing/2014/main" id="{903430B6-173E-4286-BF71-D343B6BD40B2}"/>
+              </a:ext>
+            </a:extLst>
+          </p:cNvPr>
+          <p:cNvGraphicFramePr>
+            <a:graphicFrameLocks noGrp="1"/>
+          </p:cNvGraphicFramePr>
+          <p:nvPr>
+            <p:extLst>
+              <p:ext uri="{D42A27DB-BD31-4B8C-83A1-F6EECF244321}">
+                <p14:modId xmlns:p14="http://schemas.microsoft.com/office/powerpoint/2010/main" val="3575128726"/>
+              </p:ext>
+            </p:extLst>
+          </p:nvPr>
+        </p:nvGraphicFramePr>
+        <p:xfrm>
+          <a:off x="1327150" y="2932432"/>
+          <a:ext cx="4514850" cy="1097280"/>
+        </p:xfrm>
+        <a:graphic>
+          <a:graphicData uri="http://schemas.openxmlformats.org/drawingml/2006/table">
+            <a:tbl>
+              <a:tblPr firstRow="1" bandRow="1">
+                <a:tableStyleId>{5C22544A-7EE6-4342-B048-85BDC9FD1C3A}</a:tableStyleId>
+              </a:tblPr>
+              <a:tblGrid>
+                <a:gridCol w="2257425">
+                  <a:extLst>
+                    <a:ext uri="{9D8B030D-6E8A-4147-A177-3AD203B41FA5}">
+                      <a16:colId xmlns:a16="http://schemas.microsoft.com/office/drawing/2014/main" val="3335927383"/>
+                    </a:ext>
+                  </a:extLst>
+                </a:gridCol>
+                <a:gridCol w="2257425">
+                  <a:extLst>
+                    <a:ext uri="{9D8B030D-6E8A-4147-A177-3AD203B41FA5}">
+                      <a16:colId xmlns:a16="http://schemas.microsoft.com/office/drawing/2014/main" val="2323929689"/>
+                    </a:ext>
+                  </a:extLst>
+                </a:gridCol>
+              </a:tblGrid>
+              <a:tr h="314960">
+                <a:tc>
+                  <a:txBody>
+                    <a:bodyPr/>
+                    <a:lstStyle/>
+                    <a:p>
+                      <a:r>
+                        <a:rPr lang="en-US" dirty="0" err="1"/>
+                        <a:t>employee_profile</a:t>
+                      </a:r>
+                      <a:endParaRPr lang="en-US" dirty="0"/>
+                    </a:p>
+                  </a:txBody>
+                  <a:tcPr/>
+                </a:tc>
+                <a:tc>
+                  <a:txBody>
+                    <a:bodyPr/>
+                    <a:lstStyle/>
+                    <a:p>
+                      <a:r>
+                        <a:rPr lang="en-US" dirty="0"/>
+                        <a:t>Datatype</a:t>
+                      </a:r>
+                    </a:p>
+                  </a:txBody>
+                  <a:tcPr/>
+                </a:tc>
+                <a:extLst>
+                  <a:ext uri="{0D108BD9-81ED-4DB2-BD59-A6C34878D82A}">
+                    <a16:rowId xmlns:a16="http://schemas.microsoft.com/office/drawing/2014/main" val="3664504374"/>
+                  </a:ext>
+                </a:extLst>
+              </a:tr>
+              <a:tr h="314960">
+                <a:tc>
+                  <a:txBody>
+                    <a:bodyPr/>
+                    <a:lstStyle/>
+                    <a:p>
+                      <a:endParaRPr lang="en-US"/>
+                    </a:p>
+                  </a:txBody>
+                  <a:tcPr/>
+                </a:tc>
+                <a:tc>
+                  <a:txBody>
+                    <a:bodyPr/>
+                    <a:lstStyle/>
+                    <a:p>
+                      <a:endParaRPr lang="en-US"/>
+                    </a:p>
+                  </a:txBody>
+                  <a:tcPr/>
+                </a:tc>
+                <a:extLst>
+                  <a:ext uri="{0D108BD9-81ED-4DB2-BD59-A6C34878D82A}">
+                    <a16:rowId xmlns:a16="http://schemas.microsoft.com/office/drawing/2014/main" val="3491949966"/>
+                  </a:ext>
+                </a:extLst>
+              </a:tr>
+              <a:tr h="314960">
+                <a:tc>
+                  <a:txBody>
+                    <a:bodyPr/>
+                    <a:lstStyle/>
+                    <a:p>
+                      <a:endParaRPr lang="en-US"/>
+                    </a:p>
+                  </a:txBody>
+                  <a:tcPr/>
+                </a:tc>
+                <a:tc>
+                  <a:txBody>
+                    <a:bodyPr/>
+                    <a:lstStyle/>
+                    <a:p>
+                      <a:endParaRPr lang="en-US" dirty="0"/>
+                    </a:p>
+                  </a:txBody>
+                  <a:tcPr/>
+                </a:tc>
+                <a:extLst>
+                  <a:ext uri="{0D108BD9-81ED-4DB2-BD59-A6C34878D82A}">
+                    <a16:rowId xmlns:a16="http://schemas.microsoft.com/office/drawing/2014/main" val="2153004026"/>
+                  </a:ext>
+                </a:extLst>
+              </a:tr>
+            </a:tbl>
+          </a:graphicData>
+        </a:graphic>
+      </p:graphicFrame>
+      <p:graphicFrame>
+        <p:nvGraphicFramePr>
+          <p:cNvPr id="7" name="Table 6">
+            <a:extLst>
+              <a:ext uri="{FF2B5EF4-FFF2-40B4-BE49-F238E27FC236}">
+                <a16:creationId xmlns:a16="http://schemas.microsoft.com/office/drawing/2014/main" id="{72164409-96F0-4D10-A4B2-DE64079047EF}"/>
+              </a:ext>
+            </a:extLst>
+          </p:cNvPr>
+          <p:cNvGraphicFramePr>
+            <a:graphicFrameLocks noGrp="1"/>
+          </p:cNvGraphicFramePr>
+          <p:nvPr>
+            <p:extLst>
+              <p:ext uri="{D42A27DB-BD31-4B8C-83A1-F6EECF244321}">
+                <p14:modId xmlns:p14="http://schemas.microsoft.com/office/powerpoint/2010/main" val="2563871722"/>
+              </p:ext>
+            </p:extLst>
+          </p:nvPr>
+        </p:nvGraphicFramePr>
+        <p:xfrm>
+          <a:off x="6038850" y="2880360"/>
+          <a:ext cx="4514850" cy="1097280"/>
+        </p:xfrm>
+        <a:graphic>
+          <a:graphicData uri="http://schemas.openxmlformats.org/drawingml/2006/table">
+            <a:tbl>
+              <a:tblPr firstRow="1" bandRow="1">
+                <a:tableStyleId>{5C22544A-7EE6-4342-B048-85BDC9FD1C3A}</a:tableStyleId>
+              </a:tblPr>
+              <a:tblGrid>
+                <a:gridCol w="2257425">
+                  <a:extLst>
+                    <a:ext uri="{9D8B030D-6E8A-4147-A177-3AD203B41FA5}">
+                      <a16:colId xmlns:a16="http://schemas.microsoft.com/office/drawing/2014/main" val="3335927383"/>
+                    </a:ext>
+                  </a:extLst>
+                </a:gridCol>
+                <a:gridCol w="2257425">
+                  <a:extLst>
+                    <a:ext uri="{9D8B030D-6E8A-4147-A177-3AD203B41FA5}">
+                      <a16:colId xmlns:a16="http://schemas.microsoft.com/office/drawing/2014/main" val="2323929689"/>
+                    </a:ext>
+                  </a:extLst>
+                </a:gridCol>
+              </a:tblGrid>
+              <a:tr h="314960">
+                <a:tc>
+                  <a:txBody>
+                    <a:bodyPr/>
+                    <a:lstStyle/>
+                    <a:p>
+                      <a:r>
+                        <a:rPr lang="en-US" dirty="0" err="1"/>
+                        <a:t>lab_profile</a:t>
+                      </a:r>
+                      <a:endParaRPr lang="en-US" dirty="0"/>
+                    </a:p>
+                  </a:txBody>
+                  <a:tcPr/>
+                </a:tc>
+                <a:tc>
+                  <a:txBody>
+                    <a:bodyPr/>
+                    <a:lstStyle/>
+                    <a:p>
+                      <a:r>
+                        <a:rPr lang="en-US" dirty="0"/>
+                        <a:t>Datatype</a:t>
+                      </a:r>
+                    </a:p>
+                  </a:txBody>
+                  <a:tcPr/>
+                </a:tc>
+                <a:extLst>
+                  <a:ext uri="{0D108BD9-81ED-4DB2-BD59-A6C34878D82A}">
+                    <a16:rowId xmlns:a16="http://schemas.microsoft.com/office/drawing/2014/main" val="3664504374"/>
+                  </a:ext>
+                </a:extLst>
+              </a:tr>
+              <a:tr h="314960">
+                <a:tc>
+                  <a:txBody>
+                    <a:bodyPr/>
+                    <a:lstStyle/>
+                    <a:p>
+                      <a:endParaRPr lang="en-US"/>
+                    </a:p>
+                  </a:txBody>
+                  <a:tcPr/>
+                </a:tc>
+                <a:tc>
+                  <a:txBody>
+                    <a:bodyPr/>
+                    <a:lstStyle/>
+                    <a:p>
+                      <a:endParaRPr lang="en-US"/>
+                    </a:p>
+                  </a:txBody>
+                  <a:tcPr/>
+                </a:tc>
+                <a:extLst>
+                  <a:ext uri="{0D108BD9-81ED-4DB2-BD59-A6C34878D82A}">
+                    <a16:rowId xmlns:a16="http://schemas.microsoft.com/office/drawing/2014/main" val="3491949966"/>
+                  </a:ext>
+                </a:extLst>
+              </a:tr>
+              <a:tr h="314960">
+                <a:tc>
+                  <a:txBody>
+                    <a:bodyPr/>
+                    <a:lstStyle/>
+                    <a:p>
+                      <a:endParaRPr lang="en-US"/>
+                    </a:p>
+                  </a:txBody>
+                  <a:tcPr/>
+                </a:tc>
+                <a:tc>
+                  <a:txBody>
+                    <a:bodyPr/>
+                    <a:lstStyle/>
+                    <a:p>
+                      <a:endParaRPr lang="en-US" dirty="0"/>
+                    </a:p>
+                  </a:txBody>
+                  <a:tcPr/>
+                </a:tc>
+                <a:extLst>
+                  <a:ext uri="{0D108BD9-81ED-4DB2-BD59-A6C34878D82A}">
+                    <a16:rowId xmlns:a16="http://schemas.microsoft.com/office/drawing/2014/main" val="2153004026"/>
+                  </a:ext>
+                </a:extLst>
+              </a:tr>
+            </a:tbl>
+          </a:graphicData>
+        </a:graphic>
+      </p:graphicFrame>
+      <p:graphicFrame>
+        <p:nvGraphicFramePr>
+          <p:cNvPr id="8" name="Table 6">
+            <a:extLst>
+              <a:ext uri="{FF2B5EF4-FFF2-40B4-BE49-F238E27FC236}">
+                <a16:creationId xmlns:a16="http://schemas.microsoft.com/office/drawing/2014/main" id="{471902AA-28EA-4206-9543-298CE7206422}"/>
+              </a:ext>
+            </a:extLst>
+          </p:cNvPr>
+          <p:cNvGraphicFramePr>
+            <a:graphicFrameLocks noGrp="1"/>
+          </p:cNvGraphicFramePr>
+          <p:nvPr>
+            <p:extLst>
+              <p:ext uri="{D42A27DB-BD31-4B8C-83A1-F6EECF244321}">
+                <p14:modId xmlns:p14="http://schemas.microsoft.com/office/powerpoint/2010/main" val="1875317395"/>
+              </p:ext>
+            </p:extLst>
+          </p:nvPr>
+        </p:nvGraphicFramePr>
+        <p:xfrm>
+          <a:off x="1095375" y="4575817"/>
+          <a:ext cx="4514850" cy="1097280"/>
+        </p:xfrm>
+        <a:graphic>
+          <a:graphicData uri="http://schemas.openxmlformats.org/drawingml/2006/table">
+            <a:tbl>
+              <a:tblPr firstRow="1" bandRow="1">
+                <a:tableStyleId>{5C22544A-7EE6-4342-B048-85BDC9FD1C3A}</a:tableStyleId>
+              </a:tblPr>
+              <a:tblGrid>
+                <a:gridCol w="2257425">
+                  <a:extLst>
+                    <a:ext uri="{9D8B030D-6E8A-4147-A177-3AD203B41FA5}">
+                      <a16:colId xmlns:a16="http://schemas.microsoft.com/office/drawing/2014/main" val="3335927383"/>
+                    </a:ext>
+                  </a:extLst>
+                </a:gridCol>
+                <a:gridCol w="2257425">
+                  <a:extLst>
+                    <a:ext uri="{9D8B030D-6E8A-4147-A177-3AD203B41FA5}">
+                      <a16:colId xmlns:a16="http://schemas.microsoft.com/office/drawing/2014/main" val="2323929689"/>
+                    </a:ext>
+                  </a:extLst>
+                </a:gridCol>
+              </a:tblGrid>
+              <a:tr h="314960">
+                <a:tc>
+                  <a:txBody>
+                    <a:bodyPr/>
+                    <a:lstStyle/>
+                    <a:p>
+                      <a:r>
+                        <a:rPr lang="en-US" dirty="0" err="1"/>
+                        <a:t>doctor_profile</a:t>
+                      </a:r>
+                      <a:endParaRPr lang="en-US" dirty="0"/>
+                    </a:p>
+                  </a:txBody>
+                  <a:tcPr/>
+                </a:tc>
+                <a:tc>
+                  <a:txBody>
+                    <a:bodyPr/>
+                    <a:lstStyle/>
+                    <a:p>
+                      <a:r>
+                        <a:rPr lang="en-US" dirty="0"/>
+                        <a:t>Datatype</a:t>
+                      </a:r>
+                    </a:p>
+                  </a:txBody>
+                  <a:tcPr/>
+                </a:tc>
+                <a:extLst>
+                  <a:ext uri="{0D108BD9-81ED-4DB2-BD59-A6C34878D82A}">
+                    <a16:rowId xmlns:a16="http://schemas.microsoft.com/office/drawing/2014/main" val="3664504374"/>
+                  </a:ext>
+                </a:extLst>
+              </a:tr>
+              <a:tr h="314960">
+                <a:tc>
+                  <a:txBody>
+                    <a:bodyPr/>
+                    <a:lstStyle/>
+                    <a:p>
+                      <a:endParaRPr lang="en-US"/>
+                    </a:p>
+                  </a:txBody>
+                  <a:tcPr/>
+                </a:tc>
+                <a:tc>
+                  <a:txBody>
+                    <a:bodyPr/>
+                    <a:lstStyle/>
+                    <a:p>
+                      <a:endParaRPr lang="en-US"/>
+                    </a:p>
+                  </a:txBody>
+                  <a:tcPr/>
+                </a:tc>
+                <a:extLst>
+                  <a:ext uri="{0D108BD9-81ED-4DB2-BD59-A6C34878D82A}">
+                    <a16:rowId xmlns:a16="http://schemas.microsoft.com/office/drawing/2014/main" val="3491949966"/>
+                  </a:ext>
+                </a:extLst>
+              </a:tr>
+              <a:tr h="314960">
+                <a:tc>
+                  <a:txBody>
+                    <a:bodyPr/>
+                    <a:lstStyle/>
+                    <a:p>
+                      <a:endParaRPr lang="en-US"/>
+                    </a:p>
+                  </a:txBody>
+                  <a:tcPr/>
+                </a:tc>
+                <a:tc>
+                  <a:txBody>
+                    <a:bodyPr/>
+                    <a:lstStyle/>
+                    <a:p>
+                      <a:endParaRPr lang="en-US" dirty="0"/>
+                    </a:p>
+                  </a:txBody>
+                  <a:tcPr/>
+                </a:tc>
+                <a:extLst>
+                  <a:ext uri="{0D108BD9-81ED-4DB2-BD59-A6C34878D82A}">
+                    <a16:rowId xmlns:a16="http://schemas.microsoft.com/office/drawing/2014/main" val="2153004026"/>
+                  </a:ext>
+                </a:extLst>
+              </a:tr>
+            </a:tbl>
+          </a:graphicData>
+        </a:graphic>
+      </p:graphicFrame>
+      <p:graphicFrame>
+        <p:nvGraphicFramePr>
+          <p:cNvPr id="9" name="Table 6">
+            <a:extLst>
+              <a:ext uri="{FF2B5EF4-FFF2-40B4-BE49-F238E27FC236}">
+                <a16:creationId xmlns:a16="http://schemas.microsoft.com/office/drawing/2014/main" id="{25DFABE9-B346-4F25-BEE6-90EFA2E94E13}"/>
+              </a:ext>
+            </a:extLst>
+          </p:cNvPr>
+          <p:cNvGraphicFramePr>
+            <a:graphicFrameLocks noGrp="1"/>
+          </p:cNvGraphicFramePr>
+          <p:nvPr>
+            <p:extLst>
+              <p:ext uri="{D42A27DB-BD31-4B8C-83A1-F6EECF244321}">
+                <p14:modId xmlns:p14="http://schemas.microsoft.com/office/powerpoint/2010/main" val="4247085543"/>
+              </p:ext>
+            </p:extLst>
+          </p:nvPr>
+        </p:nvGraphicFramePr>
+        <p:xfrm>
+          <a:off x="6070600" y="4664714"/>
+          <a:ext cx="4514850" cy="1097280"/>
+        </p:xfrm>
+        <a:graphic>
+          <a:graphicData uri="http://schemas.openxmlformats.org/drawingml/2006/table">
+            <a:tbl>
+              <a:tblPr firstRow="1" bandRow="1">
+                <a:tableStyleId>{5C22544A-7EE6-4342-B048-85BDC9FD1C3A}</a:tableStyleId>
+              </a:tblPr>
+              <a:tblGrid>
+                <a:gridCol w="2257425">
+                  <a:extLst>
+                    <a:ext uri="{9D8B030D-6E8A-4147-A177-3AD203B41FA5}">
+                      <a16:colId xmlns:a16="http://schemas.microsoft.com/office/drawing/2014/main" val="3335927383"/>
+                    </a:ext>
+                  </a:extLst>
+                </a:gridCol>
+                <a:gridCol w="2257425">
+                  <a:extLst>
+                    <a:ext uri="{9D8B030D-6E8A-4147-A177-3AD203B41FA5}">
+                      <a16:colId xmlns:a16="http://schemas.microsoft.com/office/drawing/2014/main" val="2323929689"/>
+                    </a:ext>
+                  </a:extLst>
+                </a:gridCol>
+              </a:tblGrid>
+              <a:tr h="314960">
+                <a:tc>
+                  <a:txBody>
+                    <a:bodyPr/>
+                    <a:lstStyle/>
+                    <a:p>
+                      <a:r>
+                        <a:rPr lang="en-US" dirty="0" err="1"/>
+                        <a:t>admin_profile</a:t>
+                      </a:r>
+                      <a:endParaRPr lang="en-US" dirty="0"/>
+                    </a:p>
+                  </a:txBody>
+                  <a:tcPr/>
+                </a:tc>
+                <a:tc>
+                  <a:txBody>
+                    <a:bodyPr/>
+                    <a:lstStyle/>
+                    <a:p>
+                      <a:r>
+                        <a:rPr lang="en-US" dirty="0"/>
+                        <a:t>Datatype</a:t>
+                      </a:r>
+                    </a:p>
+                  </a:txBody>
+                  <a:tcPr/>
+                </a:tc>
+                <a:extLst>
+                  <a:ext uri="{0D108BD9-81ED-4DB2-BD59-A6C34878D82A}">
+                    <a16:rowId xmlns:a16="http://schemas.microsoft.com/office/drawing/2014/main" val="3664504374"/>
+                  </a:ext>
+                </a:extLst>
+              </a:tr>
+              <a:tr h="314960">
+                <a:tc>
+                  <a:txBody>
+                    <a:bodyPr/>
+                    <a:lstStyle/>
+                    <a:p>
+                      <a:endParaRPr lang="en-US"/>
+                    </a:p>
+                  </a:txBody>
+                  <a:tcPr/>
+                </a:tc>
+                <a:tc>
+                  <a:txBody>
+                    <a:bodyPr/>
+                    <a:lstStyle/>
+                    <a:p>
+                      <a:endParaRPr lang="en-US"/>
+                    </a:p>
+                  </a:txBody>
+                  <a:tcPr/>
+                </a:tc>
+                <a:extLst>
+                  <a:ext uri="{0D108BD9-81ED-4DB2-BD59-A6C34878D82A}">
+                    <a16:rowId xmlns:a16="http://schemas.microsoft.com/office/drawing/2014/main" val="3491949966"/>
+                  </a:ext>
+                </a:extLst>
+              </a:tr>
+              <a:tr h="314960">
+                <a:tc>
+                  <a:txBody>
+                    <a:bodyPr/>
+                    <a:lstStyle/>
+                    <a:p>
+                      <a:endParaRPr lang="en-US"/>
+                    </a:p>
+                  </a:txBody>
+                  <a:tcPr/>
+                </a:tc>
+                <a:tc>
+                  <a:txBody>
+                    <a:bodyPr/>
+                    <a:lstStyle/>
+                    <a:p>
+                      <a:endParaRPr lang="en-US" dirty="0"/>
+                    </a:p>
+                  </a:txBody>
+                  <a:tcPr/>
+                </a:tc>
+                <a:extLst>
+                  <a:ext uri="{0D108BD9-81ED-4DB2-BD59-A6C34878D82A}">
+                    <a16:rowId xmlns:a16="http://schemas.microsoft.com/office/drawing/2014/main" val="2153004026"/>
+                  </a:ext>
+                </a:extLst>
+              </a:tr>
+            </a:tbl>
+          </a:graphicData>
+        </a:graphic>
+      </p:graphicFrame>
+    </p:spTree>
+    <p:extLst>
+      <p:ext uri="{BB962C8B-B14F-4D97-AF65-F5344CB8AC3E}">
+        <p14:creationId xmlns:p14="http://schemas.microsoft.com/office/powerpoint/2010/main" val="2207764544"/>
+      </p:ext>
+    </p:extLst>
+  </p:cSld>
+  <p:clrMapOvr>
+    <a:masterClrMapping/>
+  </p:clrMapOvr>
+</p:sld>
+</file>
+
+<file path=ppt/slides/slide3.xml><?xml version="1.0" encoding="utf-8"?>
+<p:sld xmlns:a="http://schemas.openxmlformats.org/drawingml/2006/main" xmlns:r="http://schemas.openxmlformats.org/officeDocument/2006/relationships" xmlns:p="http://schemas.openxmlformats.org/presentationml/2006/main">
+  <p:cSld>
+    <p:spTree>
+      <p:nvGrpSpPr>
+        <p:cNvPr id="1" name=""/>
+        <p:cNvGrpSpPr/>
+        <p:nvPr/>
+      </p:nvGrpSpPr>
+      <p:grpSpPr>
+        <a:xfrm>
+          <a:off x="0" y="0"/>
+          <a:ext cx="0" cy="0"/>
+          <a:chOff x="0" y="0"/>
+          <a:chExt cx="0" cy="0"/>
+        </a:xfrm>
+      </p:grpSpPr>
+      <p:graphicFrame>
+        <p:nvGraphicFramePr>
+          <p:cNvPr id="4" name="Table 7">
+            <a:extLst>
+              <a:ext uri="{FF2B5EF4-FFF2-40B4-BE49-F238E27FC236}">
+                <a16:creationId xmlns:a16="http://schemas.microsoft.com/office/drawing/2014/main" id="{99381A0B-82C7-4AB2-942D-B4725FC2259E}"/>
+              </a:ext>
+            </a:extLst>
+          </p:cNvPr>
+          <p:cNvGraphicFramePr>
+            <a:graphicFrameLocks noGrp="1"/>
+          </p:cNvGraphicFramePr>
+          <p:nvPr>
+            <p:extLst>
+              <p:ext uri="{D42A27DB-BD31-4B8C-83A1-F6EECF244321}">
+                <p14:modId xmlns:p14="http://schemas.microsoft.com/office/powerpoint/2010/main" val="2892828703"/>
+              </p:ext>
+            </p:extLst>
+          </p:nvPr>
+        </p:nvGraphicFramePr>
+        <p:xfrm>
+          <a:off x="261840" y="2943460"/>
+          <a:ext cx="5002310" cy="2926080"/>
+        </p:xfrm>
+        <a:graphic>
+          <a:graphicData uri="http://schemas.openxmlformats.org/drawingml/2006/table">
+            <a:tbl>
+              <a:tblPr firstRow="1" bandRow="1">
+                <a:tableStyleId>{5C22544A-7EE6-4342-B048-85BDC9FD1C3A}</a:tableStyleId>
+              </a:tblPr>
+              <a:tblGrid>
+                <a:gridCol w="2501155">
+                  <a:extLst>
+                    <a:ext uri="{9D8B030D-6E8A-4147-A177-3AD203B41FA5}">
+                      <a16:colId xmlns:a16="http://schemas.microsoft.com/office/drawing/2014/main" val="3269262259"/>
+                    </a:ext>
+                  </a:extLst>
+                </a:gridCol>
+                <a:gridCol w="2501155">
+                  <a:extLst>
+                    <a:ext uri="{9D8B030D-6E8A-4147-A177-3AD203B41FA5}">
+                      <a16:colId xmlns:a16="http://schemas.microsoft.com/office/drawing/2014/main" val="524848927"/>
+                    </a:ext>
+                  </a:extLst>
+                </a:gridCol>
+              </a:tblGrid>
+              <a:tr h="363905">
+                <a:tc>
+                  <a:txBody>
+                    <a:bodyPr/>
+                    <a:lstStyle/>
+                    <a:p>
+                      <a:r>
+                        <a:rPr lang="en-US" dirty="0" err="1"/>
+                        <a:t>user_permission</a:t>
+                      </a:r>
+                      <a:endParaRPr lang="en-US" dirty="0"/>
+                    </a:p>
+                  </a:txBody>
+                  <a:tcPr/>
+                </a:tc>
+                <a:tc>
+                  <a:txBody>
+                    <a:bodyPr/>
+                    <a:lstStyle/>
+                    <a:p>
+                      <a:r>
+                        <a:rPr lang="en-US" dirty="0"/>
+                        <a:t>Datatype</a:t>
+                      </a:r>
+                    </a:p>
+                  </a:txBody>
+                  <a:tcPr/>
+                </a:tc>
+                <a:extLst>
+                  <a:ext uri="{0D108BD9-81ED-4DB2-BD59-A6C34878D82A}">
+                    <a16:rowId xmlns:a16="http://schemas.microsoft.com/office/drawing/2014/main" val="4051490614"/>
+                  </a:ext>
+                </a:extLst>
+              </a:tr>
+              <a:tr h="363905">
+                <a:tc>
+                  <a:txBody>
+                    <a:bodyPr/>
+                    <a:lstStyle/>
+                    <a:p>
+                      <a:r>
+                        <a:rPr lang="en-US" dirty="0"/>
+                        <a:t>UPEID</a:t>
+                      </a:r>
+                    </a:p>
+                  </a:txBody>
+                  <a:tcPr/>
+                </a:tc>
+                <a:tc>
+                  <a:txBody>
+                    <a:bodyPr/>
+                    <a:lstStyle/>
+                    <a:p>
+                      <a:r>
+                        <a:rPr lang="en-US" dirty="0"/>
+                        <a:t>int(Primary)</a:t>
+                      </a:r>
+                    </a:p>
+                  </a:txBody>
+                  <a:tcPr/>
+                </a:tc>
+                <a:extLst>
+                  <a:ext uri="{0D108BD9-81ED-4DB2-BD59-A6C34878D82A}">
+                    <a16:rowId xmlns:a16="http://schemas.microsoft.com/office/drawing/2014/main" val="3265774538"/>
+                  </a:ext>
+                </a:extLst>
+              </a:tr>
+              <a:tr h="363905">
+                <a:tc>
+                  <a:txBody>
+                    <a:bodyPr/>
+                    <a:lstStyle/>
+                    <a:p>
+                      <a:r>
+                        <a:rPr lang="en-US" dirty="0"/>
+                        <a:t>ULID</a:t>
+                      </a:r>
+                    </a:p>
+                  </a:txBody>
+                  <a:tcPr/>
+                </a:tc>
+                <a:tc>
+                  <a:txBody>
+                    <a:bodyPr/>
+                    <a:lstStyle/>
+                    <a:p>
+                      <a:r>
+                        <a:rPr lang="en-US" dirty="0"/>
+                        <a:t>int(Foreign)</a:t>
+                      </a:r>
+                    </a:p>
+                  </a:txBody>
+                  <a:tcPr/>
+                </a:tc>
+                <a:extLst>
+                  <a:ext uri="{0D108BD9-81ED-4DB2-BD59-A6C34878D82A}">
+                    <a16:rowId xmlns:a16="http://schemas.microsoft.com/office/drawing/2014/main" val="2903585701"/>
+                  </a:ext>
+                </a:extLst>
+              </a:tr>
+              <a:tr h="363905">
+                <a:tc>
+                  <a:txBody>
+                    <a:bodyPr/>
+                    <a:lstStyle/>
+                    <a:p>
+                      <a:r>
+                        <a:rPr lang="en-US" dirty="0" err="1"/>
+                        <a:t>is_admin</a:t>
+                      </a:r>
+                      <a:endParaRPr lang="en-US" dirty="0"/>
+                    </a:p>
+                  </a:txBody>
+                  <a:tcPr/>
+                </a:tc>
+                <a:tc>
+                  <a:txBody>
+                    <a:bodyPr/>
+                    <a:lstStyle/>
+                    <a:p>
+                      <a:r>
+                        <a:rPr lang="en-US" dirty="0"/>
+                        <a:t>int(1)</a:t>
+                      </a:r>
+                    </a:p>
+                  </a:txBody>
+                  <a:tcPr/>
+                </a:tc>
+                <a:extLst>
+                  <a:ext uri="{0D108BD9-81ED-4DB2-BD59-A6C34878D82A}">
+                    <a16:rowId xmlns:a16="http://schemas.microsoft.com/office/drawing/2014/main" val="783140639"/>
+                  </a:ext>
+                </a:extLst>
+              </a:tr>
+              <a:tr h="363905">
+                <a:tc>
+                  <a:txBody>
+                    <a:bodyPr/>
+                    <a:lstStyle/>
+                    <a:p>
+                      <a:r>
+                        <a:rPr lang="en-US" dirty="0" err="1"/>
+                        <a:t>is_doctor</a:t>
+                      </a:r>
+                      <a:endParaRPr lang="en-US" dirty="0"/>
+                    </a:p>
+                  </a:txBody>
+                  <a:tcPr/>
+                </a:tc>
+                <a:tc>
+                  <a:txBody>
+                    <a:bodyPr/>
+                    <a:lstStyle/>
+                    <a:p>
+                      <a:r>
+                        <a:rPr lang="en-US" dirty="0"/>
+                        <a:t>int(1)</a:t>
+                      </a:r>
+                    </a:p>
+                  </a:txBody>
+                  <a:tcPr/>
+                </a:tc>
+                <a:extLst>
+                  <a:ext uri="{0D108BD9-81ED-4DB2-BD59-A6C34878D82A}">
+                    <a16:rowId xmlns:a16="http://schemas.microsoft.com/office/drawing/2014/main" val="3854957838"/>
+                  </a:ext>
+                </a:extLst>
+              </a:tr>
+              <a:tr h="363905">
+                <a:tc>
+                  <a:txBody>
+                    <a:bodyPr/>
+                    <a:lstStyle/>
+                    <a:p>
+                      <a:r>
+                        <a:rPr lang="en-US" dirty="0" err="1"/>
+                        <a:t>is_vendor</a:t>
+                      </a:r>
+                      <a:endParaRPr lang="en-US" dirty="0"/>
+                    </a:p>
+                  </a:txBody>
+                  <a:tcPr/>
+                </a:tc>
+                <a:tc>
+                  <a:txBody>
+                    <a:bodyPr/>
+                    <a:lstStyle/>
+                    <a:p>
+                      <a:r>
+                        <a:rPr lang="en-US" dirty="0"/>
+                        <a:t>int(1)</a:t>
+                      </a:r>
+                    </a:p>
+                  </a:txBody>
+                  <a:tcPr/>
+                </a:tc>
+                <a:extLst>
+                  <a:ext uri="{0D108BD9-81ED-4DB2-BD59-A6C34878D82A}">
+                    <a16:rowId xmlns:a16="http://schemas.microsoft.com/office/drawing/2014/main" val="1004589524"/>
+                  </a:ext>
+                </a:extLst>
+              </a:tr>
+              <a:tr h="363905">
+                <a:tc>
+                  <a:txBody>
+                    <a:bodyPr/>
+                    <a:lstStyle/>
+                    <a:p>
+                      <a:r>
+                        <a:rPr lang="en-US" dirty="0" err="1"/>
+                        <a:t>is_employee</a:t>
+                      </a:r>
+                      <a:endParaRPr lang="en-US" dirty="0"/>
+                    </a:p>
+                  </a:txBody>
+                  <a:tcPr/>
+                </a:tc>
+                <a:tc>
+                  <a:txBody>
+                    <a:bodyPr/>
+                    <a:lstStyle/>
+                    <a:p>
+                      <a:r>
+                        <a:rPr lang="en-US" dirty="0"/>
+                        <a:t>int(1)</a:t>
+                      </a:r>
+                    </a:p>
+                  </a:txBody>
+                  <a:tcPr/>
+                </a:tc>
+                <a:extLst>
+                  <a:ext uri="{0D108BD9-81ED-4DB2-BD59-A6C34878D82A}">
+                    <a16:rowId xmlns:a16="http://schemas.microsoft.com/office/drawing/2014/main" val="109169413"/>
+                  </a:ext>
+                </a:extLst>
+              </a:tr>
+              <a:tr h="363905">
+                <a:tc>
+                  <a:txBody>
+                    <a:bodyPr/>
+                    <a:lstStyle/>
+                    <a:p>
+                      <a:r>
+                        <a:rPr lang="en-US" dirty="0" err="1"/>
+                        <a:t>is_patient</a:t>
+                      </a:r>
+                      <a:endParaRPr lang="en-US" dirty="0"/>
+                    </a:p>
+                  </a:txBody>
+                  <a:tcPr/>
+                </a:tc>
+                <a:tc>
+                  <a:txBody>
+                    <a:bodyPr/>
+                    <a:lstStyle/>
+                    <a:p>
+                      <a:r>
+                        <a:rPr lang="en-US" dirty="0"/>
+                        <a:t>int(1)</a:t>
+                      </a:r>
+                    </a:p>
+                  </a:txBody>
+                  <a:tcPr/>
+                </a:tc>
+                <a:extLst>
+                  <a:ext uri="{0D108BD9-81ED-4DB2-BD59-A6C34878D82A}">
+                    <a16:rowId xmlns:a16="http://schemas.microsoft.com/office/drawing/2014/main" val="2211955209"/>
+                  </a:ext>
+                </a:extLst>
+              </a:tr>
+            </a:tbl>
+          </a:graphicData>
+        </a:graphic>
+      </p:graphicFrame>
+      <p:graphicFrame>
+        <p:nvGraphicFramePr>
+          <p:cNvPr id="5" name="Table 6">
+            <a:extLst>
+              <a:ext uri="{FF2B5EF4-FFF2-40B4-BE49-F238E27FC236}">
+                <a16:creationId xmlns:a16="http://schemas.microsoft.com/office/drawing/2014/main" id="{6CAA39E1-4638-4B3C-9429-9C3908F120DA}"/>
+              </a:ext>
+            </a:extLst>
+          </p:cNvPr>
+          <p:cNvGraphicFramePr>
+            <a:graphicFrameLocks noGrp="1"/>
+          </p:cNvGraphicFramePr>
+          <p:nvPr>
+            <p:extLst>
+              <p:ext uri="{D42A27DB-BD31-4B8C-83A1-F6EECF244321}">
+                <p14:modId xmlns:p14="http://schemas.microsoft.com/office/powerpoint/2010/main" val="3844627887"/>
+              </p:ext>
+            </p:extLst>
+          </p:nvPr>
+        </p:nvGraphicFramePr>
+        <p:xfrm>
+          <a:off x="5930900" y="226064"/>
+          <a:ext cx="4514850" cy="1097280"/>
+        </p:xfrm>
+        <a:graphic>
+          <a:graphicData uri="http://schemas.openxmlformats.org/drawingml/2006/table">
+            <a:tbl>
+              <a:tblPr firstRow="1" bandRow="1">
+                <a:tableStyleId>{5C22544A-7EE6-4342-B048-85BDC9FD1C3A}</a:tableStyleId>
+              </a:tblPr>
+              <a:tblGrid>
+                <a:gridCol w="2257425">
+                  <a:extLst>
+                    <a:ext uri="{9D8B030D-6E8A-4147-A177-3AD203B41FA5}">
+                      <a16:colId xmlns:a16="http://schemas.microsoft.com/office/drawing/2014/main" val="3335927383"/>
+                    </a:ext>
+                  </a:extLst>
+                </a:gridCol>
+                <a:gridCol w="2257425">
+                  <a:extLst>
+                    <a:ext uri="{9D8B030D-6E8A-4147-A177-3AD203B41FA5}">
+                      <a16:colId xmlns:a16="http://schemas.microsoft.com/office/drawing/2014/main" val="2323929689"/>
+                    </a:ext>
+                  </a:extLst>
+                </a:gridCol>
+              </a:tblGrid>
+              <a:tr h="314960">
+                <a:tc>
+                  <a:txBody>
+                    <a:bodyPr/>
+                    <a:lstStyle/>
+                    <a:p>
+                      <a:r>
+                        <a:rPr lang="en-US" dirty="0" err="1"/>
+                        <a:t>admin_profile</a:t>
+                      </a:r>
+                      <a:endParaRPr lang="en-US" dirty="0"/>
+                    </a:p>
+                  </a:txBody>
+                  <a:tcPr/>
+                </a:tc>
+                <a:tc>
+                  <a:txBody>
+                    <a:bodyPr/>
+                    <a:lstStyle/>
+                    <a:p>
+                      <a:r>
+                        <a:rPr lang="en-US" dirty="0"/>
+                        <a:t>Datatype</a:t>
+                      </a:r>
+                    </a:p>
+                  </a:txBody>
+                  <a:tcPr/>
+                </a:tc>
+                <a:extLst>
+                  <a:ext uri="{0D108BD9-81ED-4DB2-BD59-A6C34878D82A}">
+                    <a16:rowId xmlns:a16="http://schemas.microsoft.com/office/drawing/2014/main" val="3664504374"/>
+                  </a:ext>
+                </a:extLst>
+              </a:tr>
+              <a:tr h="314960">
+                <a:tc>
+                  <a:txBody>
+                    <a:bodyPr/>
+                    <a:lstStyle/>
+                    <a:p>
+                      <a:endParaRPr lang="en-US"/>
+                    </a:p>
+                  </a:txBody>
+                  <a:tcPr/>
+                </a:tc>
+                <a:tc>
+                  <a:txBody>
+                    <a:bodyPr/>
+                    <a:lstStyle/>
+                    <a:p>
+                      <a:endParaRPr lang="en-US"/>
+                    </a:p>
+                  </a:txBody>
+                  <a:tcPr/>
+                </a:tc>
+                <a:extLst>
+                  <a:ext uri="{0D108BD9-81ED-4DB2-BD59-A6C34878D82A}">
+                    <a16:rowId xmlns:a16="http://schemas.microsoft.com/office/drawing/2014/main" val="3491949966"/>
+                  </a:ext>
+                </a:extLst>
+              </a:tr>
+              <a:tr h="314960">
+                <a:tc>
+                  <a:txBody>
+                    <a:bodyPr/>
+                    <a:lstStyle/>
+                    <a:p>
+                      <a:pPr marL="0" marR="0" lvl="0" indent="0" algn="l" defTabSz="914400" rtl="0" eaLnBrk="1" fontAlgn="auto" latinLnBrk="0" hangingPunct="1">
+                        <a:lnSpc>
+                          <a:spcPct val="100000"/>
+                        </a:lnSpc>
+                        <a:spcBef>
+                          <a:spcPts val="0"/>
+                        </a:spcBef>
+                        <a:spcAft>
+                          <a:spcPts val="0"/>
+                        </a:spcAft>
+                        <a:buClrTx/>
+                        <a:buSzTx/>
+                        <a:buFontTx/>
+                        <a:buNone/>
+                        <a:tabLst/>
+                        <a:defRPr/>
+                      </a:pPr>
+                      <a:r>
+                        <a:rPr lang="en-US" dirty="0"/>
+                        <a:t>ULID</a:t>
+                      </a:r>
+                    </a:p>
+                  </a:txBody>
+                  <a:tcPr/>
+                </a:tc>
+                <a:tc>
+                  <a:txBody>
+                    <a:bodyPr/>
+                    <a:lstStyle/>
+                    <a:p>
+                      <a:pPr marL="0" marR="0" lvl="0" indent="0" algn="l" defTabSz="914400" rtl="0" eaLnBrk="1" fontAlgn="auto" latinLnBrk="0" hangingPunct="1">
+                        <a:lnSpc>
+                          <a:spcPct val="100000"/>
+                        </a:lnSpc>
+                        <a:spcBef>
+                          <a:spcPts val="0"/>
+                        </a:spcBef>
+                        <a:spcAft>
+                          <a:spcPts val="0"/>
+                        </a:spcAft>
+                        <a:buClrTx/>
+                        <a:buSzTx/>
+                        <a:buFontTx/>
+                        <a:buNone/>
+                        <a:tabLst/>
+                        <a:defRPr/>
+                      </a:pPr>
+                      <a:r>
+                        <a:rPr lang="en-US" dirty="0"/>
+                        <a:t>int(Foreign)</a:t>
+                      </a:r>
+                    </a:p>
+                  </a:txBody>
+                  <a:tcPr/>
+                </a:tc>
+                <a:extLst>
+                  <a:ext uri="{0D108BD9-81ED-4DB2-BD59-A6C34878D82A}">
+                    <a16:rowId xmlns:a16="http://schemas.microsoft.com/office/drawing/2014/main" val="2153004026"/>
+                  </a:ext>
+                </a:extLst>
+              </a:tr>
+            </a:tbl>
+          </a:graphicData>
+        </a:graphic>
+      </p:graphicFrame>
+      <p:graphicFrame>
+        <p:nvGraphicFramePr>
+          <p:cNvPr id="6" name="Table 6">
+            <a:extLst>
+              <a:ext uri="{FF2B5EF4-FFF2-40B4-BE49-F238E27FC236}">
+                <a16:creationId xmlns:a16="http://schemas.microsoft.com/office/drawing/2014/main" id="{3EF18FF3-F121-4385-ACBE-A95063407724}"/>
+              </a:ext>
+            </a:extLst>
+          </p:cNvPr>
+          <p:cNvGraphicFramePr>
+            <a:graphicFrameLocks noGrp="1"/>
+          </p:cNvGraphicFramePr>
+          <p:nvPr>
+            <p:extLst>
+              <p:ext uri="{D42A27DB-BD31-4B8C-83A1-F6EECF244321}">
+                <p14:modId xmlns:p14="http://schemas.microsoft.com/office/powerpoint/2010/main" val="3679766593"/>
+              </p:ext>
+            </p:extLst>
+          </p:nvPr>
+        </p:nvGraphicFramePr>
+        <p:xfrm>
+          <a:off x="5930900" y="1553217"/>
+          <a:ext cx="4514850" cy="1097280"/>
+        </p:xfrm>
+        <a:graphic>
+          <a:graphicData uri="http://schemas.openxmlformats.org/drawingml/2006/table">
+            <a:tbl>
+              <a:tblPr firstRow="1" bandRow="1">
+                <a:tableStyleId>{5C22544A-7EE6-4342-B048-85BDC9FD1C3A}</a:tableStyleId>
+              </a:tblPr>
+              <a:tblGrid>
+                <a:gridCol w="2257425">
+                  <a:extLst>
+                    <a:ext uri="{9D8B030D-6E8A-4147-A177-3AD203B41FA5}">
+                      <a16:colId xmlns:a16="http://schemas.microsoft.com/office/drawing/2014/main" val="3335927383"/>
+                    </a:ext>
+                  </a:extLst>
+                </a:gridCol>
+                <a:gridCol w="2257425">
+                  <a:extLst>
+                    <a:ext uri="{9D8B030D-6E8A-4147-A177-3AD203B41FA5}">
+                      <a16:colId xmlns:a16="http://schemas.microsoft.com/office/drawing/2014/main" val="2323929689"/>
+                    </a:ext>
+                  </a:extLst>
+                </a:gridCol>
+              </a:tblGrid>
+              <a:tr h="314960">
+                <a:tc>
+                  <a:txBody>
+                    <a:bodyPr/>
+                    <a:lstStyle/>
+                    <a:p>
+                      <a:r>
+                        <a:rPr lang="en-US" dirty="0" err="1"/>
+                        <a:t>doctor_profile</a:t>
+                      </a:r>
+                      <a:endParaRPr lang="en-US" dirty="0"/>
+                    </a:p>
+                  </a:txBody>
+                  <a:tcPr/>
+                </a:tc>
+                <a:tc>
+                  <a:txBody>
+                    <a:bodyPr/>
+                    <a:lstStyle/>
+                    <a:p>
+                      <a:r>
+                        <a:rPr lang="en-US" dirty="0"/>
+                        <a:t>Datatype</a:t>
+                      </a:r>
+                    </a:p>
+                  </a:txBody>
+                  <a:tcPr/>
+                </a:tc>
+                <a:extLst>
+                  <a:ext uri="{0D108BD9-81ED-4DB2-BD59-A6C34878D82A}">
+                    <a16:rowId xmlns:a16="http://schemas.microsoft.com/office/drawing/2014/main" val="3664504374"/>
+                  </a:ext>
+                </a:extLst>
+              </a:tr>
+              <a:tr h="314960">
+                <a:tc>
+                  <a:txBody>
+                    <a:bodyPr/>
+                    <a:lstStyle/>
+                    <a:p>
+                      <a:endParaRPr lang="en-US"/>
+                    </a:p>
+                  </a:txBody>
+                  <a:tcPr/>
+                </a:tc>
+                <a:tc>
+                  <a:txBody>
+                    <a:bodyPr/>
+                    <a:lstStyle/>
+                    <a:p>
+                      <a:endParaRPr lang="en-US"/>
+                    </a:p>
+                  </a:txBody>
+                  <a:tcPr/>
+                </a:tc>
+                <a:extLst>
+                  <a:ext uri="{0D108BD9-81ED-4DB2-BD59-A6C34878D82A}">
+                    <a16:rowId xmlns:a16="http://schemas.microsoft.com/office/drawing/2014/main" val="3491949966"/>
+                  </a:ext>
+                </a:extLst>
+              </a:tr>
+              <a:tr h="314960">
+                <a:tc>
+                  <a:txBody>
+                    <a:bodyPr/>
+                    <a:lstStyle/>
+                    <a:p>
+                      <a:pPr marL="0" marR="0" lvl="0" indent="0" algn="l" defTabSz="914400" rtl="0" eaLnBrk="1" fontAlgn="auto" latinLnBrk="0" hangingPunct="1">
+                        <a:lnSpc>
+                          <a:spcPct val="100000"/>
+                        </a:lnSpc>
+                        <a:spcBef>
+                          <a:spcPts val="0"/>
+                        </a:spcBef>
+                        <a:spcAft>
+                          <a:spcPts val="0"/>
+                        </a:spcAft>
+                        <a:buClrTx/>
+                        <a:buSzTx/>
+                        <a:buFontTx/>
+                        <a:buNone/>
+                        <a:tabLst/>
+                        <a:defRPr/>
+                      </a:pPr>
+                      <a:r>
+                        <a:rPr lang="en-US" dirty="0"/>
+                        <a:t>ULID</a:t>
+                      </a:r>
+                    </a:p>
+                  </a:txBody>
+                  <a:tcPr/>
+                </a:tc>
+                <a:tc>
+                  <a:txBody>
+                    <a:bodyPr/>
+                    <a:lstStyle/>
+                    <a:p>
+                      <a:pPr marL="0" marR="0" lvl="0" indent="0" algn="l" defTabSz="914400" rtl="0" eaLnBrk="1" fontAlgn="auto" latinLnBrk="0" hangingPunct="1">
+                        <a:lnSpc>
+                          <a:spcPct val="100000"/>
+                        </a:lnSpc>
+                        <a:spcBef>
+                          <a:spcPts val="0"/>
+                        </a:spcBef>
+                        <a:spcAft>
+                          <a:spcPts val="0"/>
+                        </a:spcAft>
+                        <a:buClrTx/>
+                        <a:buSzTx/>
+                        <a:buFontTx/>
+                        <a:buNone/>
+                        <a:tabLst/>
+                        <a:defRPr/>
+                      </a:pPr>
+                      <a:r>
+                        <a:rPr lang="en-US" dirty="0"/>
+                        <a:t>int(Foreign)</a:t>
+                      </a:r>
+                    </a:p>
+                  </a:txBody>
+                  <a:tcPr/>
+                </a:tc>
+                <a:extLst>
+                  <a:ext uri="{0D108BD9-81ED-4DB2-BD59-A6C34878D82A}">
+                    <a16:rowId xmlns:a16="http://schemas.microsoft.com/office/drawing/2014/main" val="2153004026"/>
+                  </a:ext>
+                </a:extLst>
+              </a:tr>
+            </a:tbl>
+          </a:graphicData>
+        </a:graphic>
+      </p:graphicFrame>
+      <p:graphicFrame>
+        <p:nvGraphicFramePr>
+          <p:cNvPr id="7" name="Table 6">
+            <a:extLst>
+              <a:ext uri="{FF2B5EF4-FFF2-40B4-BE49-F238E27FC236}">
+                <a16:creationId xmlns:a16="http://schemas.microsoft.com/office/drawing/2014/main" id="{17C948A0-06B8-458B-8130-3AC3166ABBC9}"/>
+              </a:ext>
+            </a:extLst>
+          </p:cNvPr>
+          <p:cNvGraphicFramePr>
+            <a:graphicFrameLocks noGrp="1"/>
+          </p:cNvGraphicFramePr>
+          <p:nvPr>
+            <p:extLst>
+              <p:ext uri="{D42A27DB-BD31-4B8C-83A1-F6EECF244321}">
+                <p14:modId xmlns:p14="http://schemas.microsoft.com/office/powerpoint/2010/main" val="2892789240"/>
+              </p:ext>
+            </p:extLst>
+          </p:nvPr>
+        </p:nvGraphicFramePr>
+        <p:xfrm>
+          <a:off x="5930900" y="2880370"/>
+          <a:ext cx="4514850" cy="1097280"/>
+        </p:xfrm>
+        <a:graphic>
+          <a:graphicData uri="http://schemas.openxmlformats.org/drawingml/2006/table">
+            <a:tbl>
+              <a:tblPr firstRow="1" bandRow="1">
+                <a:tableStyleId>{5C22544A-7EE6-4342-B048-85BDC9FD1C3A}</a:tableStyleId>
+              </a:tblPr>
+              <a:tblGrid>
+                <a:gridCol w="2257425">
+                  <a:extLst>
+                    <a:ext uri="{9D8B030D-6E8A-4147-A177-3AD203B41FA5}">
+                      <a16:colId xmlns:a16="http://schemas.microsoft.com/office/drawing/2014/main" val="3335927383"/>
+                    </a:ext>
+                  </a:extLst>
+                </a:gridCol>
+                <a:gridCol w="2257425">
+                  <a:extLst>
+                    <a:ext uri="{9D8B030D-6E8A-4147-A177-3AD203B41FA5}">
+                      <a16:colId xmlns:a16="http://schemas.microsoft.com/office/drawing/2014/main" val="2323929689"/>
+                    </a:ext>
+                  </a:extLst>
+                </a:gridCol>
+              </a:tblGrid>
+              <a:tr h="314960">
+                <a:tc>
+                  <a:txBody>
+                    <a:bodyPr/>
+                    <a:lstStyle/>
+                    <a:p>
+                      <a:r>
+                        <a:rPr lang="en-US" dirty="0" err="1"/>
+                        <a:t>lab_profile</a:t>
+                      </a:r>
+                      <a:endParaRPr lang="en-US" dirty="0"/>
+                    </a:p>
+                  </a:txBody>
+                  <a:tcPr/>
+                </a:tc>
+                <a:tc>
+                  <a:txBody>
+                    <a:bodyPr/>
+                    <a:lstStyle/>
+                    <a:p>
+                      <a:r>
+                        <a:rPr lang="en-US" dirty="0"/>
+                        <a:t>Datatype</a:t>
+                      </a:r>
+                    </a:p>
+                  </a:txBody>
+                  <a:tcPr/>
+                </a:tc>
+                <a:extLst>
+                  <a:ext uri="{0D108BD9-81ED-4DB2-BD59-A6C34878D82A}">
+                    <a16:rowId xmlns:a16="http://schemas.microsoft.com/office/drawing/2014/main" val="3664504374"/>
+                  </a:ext>
+                </a:extLst>
+              </a:tr>
+              <a:tr h="314960">
+                <a:tc>
+                  <a:txBody>
+                    <a:bodyPr/>
+                    <a:lstStyle/>
+                    <a:p>
+                      <a:r>
+                        <a:rPr lang="en-US" dirty="0"/>
+                        <a:t>LPID</a:t>
+                      </a:r>
+                    </a:p>
+                  </a:txBody>
+                  <a:tcPr/>
+                </a:tc>
+                <a:tc>
+                  <a:txBody>
+                    <a:bodyPr/>
+                    <a:lstStyle/>
+                    <a:p>
+                      <a:r>
+                        <a:rPr lang="en-US" dirty="0"/>
+                        <a:t>int(Primary)</a:t>
+                      </a:r>
+                    </a:p>
+                  </a:txBody>
+                  <a:tcPr/>
+                </a:tc>
+                <a:extLst>
+                  <a:ext uri="{0D108BD9-81ED-4DB2-BD59-A6C34878D82A}">
+                    <a16:rowId xmlns:a16="http://schemas.microsoft.com/office/drawing/2014/main" val="3491949966"/>
+                  </a:ext>
+                </a:extLst>
+              </a:tr>
+              <a:tr h="314960">
+                <a:tc>
+                  <a:txBody>
+                    <a:bodyPr/>
+                    <a:lstStyle/>
+                    <a:p>
+                      <a:pPr marL="0" marR="0" lvl="0" indent="0" algn="l" defTabSz="914400" rtl="0" eaLnBrk="1" fontAlgn="auto" latinLnBrk="0" hangingPunct="1">
+                        <a:lnSpc>
+                          <a:spcPct val="100000"/>
+                        </a:lnSpc>
+                        <a:spcBef>
+                          <a:spcPts val="0"/>
+                        </a:spcBef>
+                        <a:spcAft>
+                          <a:spcPts val="0"/>
+                        </a:spcAft>
+                        <a:buClrTx/>
+                        <a:buSzTx/>
+                        <a:buFontTx/>
+                        <a:buNone/>
+                        <a:tabLst/>
+                        <a:defRPr/>
+                      </a:pPr>
+                      <a:r>
+                        <a:rPr lang="en-US" dirty="0"/>
+                        <a:t>ULID</a:t>
+                      </a:r>
+                    </a:p>
+                  </a:txBody>
+                  <a:tcPr/>
+                </a:tc>
+                <a:tc>
+                  <a:txBody>
+                    <a:bodyPr/>
+                    <a:lstStyle/>
+                    <a:p>
+                      <a:pPr marL="0" marR="0" lvl="0" indent="0" algn="l" defTabSz="914400" rtl="0" eaLnBrk="1" fontAlgn="auto" latinLnBrk="0" hangingPunct="1">
+                        <a:lnSpc>
+                          <a:spcPct val="100000"/>
+                        </a:lnSpc>
+                        <a:spcBef>
+                          <a:spcPts val="0"/>
+                        </a:spcBef>
+                        <a:spcAft>
+                          <a:spcPts val="0"/>
+                        </a:spcAft>
+                        <a:buClrTx/>
+                        <a:buSzTx/>
+                        <a:buFontTx/>
+                        <a:buNone/>
+                        <a:tabLst/>
+                        <a:defRPr/>
+                      </a:pPr>
+                      <a:r>
+                        <a:rPr lang="en-US" dirty="0"/>
+                        <a:t>int(Foreign)</a:t>
+                      </a:r>
+                    </a:p>
+                  </a:txBody>
+                  <a:tcPr/>
+                </a:tc>
+                <a:extLst>
+                  <a:ext uri="{0D108BD9-81ED-4DB2-BD59-A6C34878D82A}">
+                    <a16:rowId xmlns:a16="http://schemas.microsoft.com/office/drawing/2014/main" val="2153004026"/>
+                  </a:ext>
+                </a:extLst>
+              </a:tr>
+            </a:tbl>
+          </a:graphicData>
+        </a:graphic>
+      </p:graphicFrame>
+      <p:graphicFrame>
+        <p:nvGraphicFramePr>
+          <p:cNvPr id="8" name="Table 6">
+            <a:extLst>
+              <a:ext uri="{FF2B5EF4-FFF2-40B4-BE49-F238E27FC236}">
+                <a16:creationId xmlns:a16="http://schemas.microsoft.com/office/drawing/2014/main" id="{CCF04872-9364-4AE5-B476-D0843BA3BF98}"/>
+              </a:ext>
+            </a:extLst>
+          </p:cNvPr>
+          <p:cNvGraphicFramePr>
+            <a:graphicFrameLocks noGrp="1"/>
+          </p:cNvGraphicFramePr>
+          <p:nvPr>
+            <p:extLst>
+              <p:ext uri="{D42A27DB-BD31-4B8C-83A1-F6EECF244321}">
+                <p14:modId xmlns:p14="http://schemas.microsoft.com/office/powerpoint/2010/main" val="4121165251"/>
+              </p:ext>
+            </p:extLst>
+          </p:nvPr>
+        </p:nvGraphicFramePr>
+        <p:xfrm>
+          <a:off x="5930900" y="4207504"/>
+          <a:ext cx="4514850" cy="1097280"/>
+        </p:xfrm>
+        <a:graphic>
+          <a:graphicData uri="http://schemas.openxmlformats.org/drawingml/2006/table">
+            <a:tbl>
+              <a:tblPr firstRow="1" bandRow="1">
+                <a:tableStyleId>{5C22544A-7EE6-4342-B048-85BDC9FD1C3A}</a:tableStyleId>
+              </a:tblPr>
+              <a:tblGrid>
+                <a:gridCol w="2257425">
+                  <a:extLst>
+                    <a:ext uri="{9D8B030D-6E8A-4147-A177-3AD203B41FA5}">
+                      <a16:colId xmlns:a16="http://schemas.microsoft.com/office/drawing/2014/main" val="3335927383"/>
+                    </a:ext>
+                  </a:extLst>
+                </a:gridCol>
+                <a:gridCol w="2257425">
+                  <a:extLst>
+                    <a:ext uri="{9D8B030D-6E8A-4147-A177-3AD203B41FA5}">
+                      <a16:colId xmlns:a16="http://schemas.microsoft.com/office/drawing/2014/main" val="2323929689"/>
+                    </a:ext>
+                  </a:extLst>
+                </a:gridCol>
+              </a:tblGrid>
+              <a:tr h="314960">
+                <a:tc>
+                  <a:txBody>
+                    <a:bodyPr/>
+                    <a:lstStyle/>
+                    <a:p>
+                      <a:r>
+                        <a:rPr lang="en-US" dirty="0" err="1"/>
+                        <a:t>employee_profile</a:t>
+                      </a:r>
+                      <a:endParaRPr lang="en-US" dirty="0"/>
+                    </a:p>
+                  </a:txBody>
+                  <a:tcPr/>
+                </a:tc>
+                <a:tc>
+                  <a:txBody>
+                    <a:bodyPr/>
+                    <a:lstStyle/>
+                    <a:p>
+                      <a:r>
+                        <a:rPr lang="en-US" dirty="0"/>
+                        <a:t>Datatype</a:t>
+                      </a:r>
+                    </a:p>
+                  </a:txBody>
+                  <a:tcPr/>
+                </a:tc>
+                <a:extLst>
+                  <a:ext uri="{0D108BD9-81ED-4DB2-BD59-A6C34878D82A}">
+                    <a16:rowId xmlns:a16="http://schemas.microsoft.com/office/drawing/2014/main" val="3664504374"/>
+                  </a:ext>
+                </a:extLst>
+              </a:tr>
+              <a:tr h="314960">
+                <a:tc>
+                  <a:txBody>
+                    <a:bodyPr/>
+                    <a:lstStyle/>
+                    <a:p>
+                      <a:r>
+                        <a:rPr lang="en-US" dirty="0"/>
+                        <a:t>EPID</a:t>
+                      </a:r>
+                    </a:p>
+                  </a:txBody>
+                  <a:tcPr/>
+                </a:tc>
+                <a:tc>
+                  <a:txBody>
+                    <a:bodyPr/>
+                    <a:lstStyle/>
+                    <a:p>
+                      <a:r>
+                        <a:rPr lang="en-US" dirty="0"/>
+                        <a:t>int(Primary)</a:t>
+                      </a:r>
+                    </a:p>
+                  </a:txBody>
+                  <a:tcPr/>
+                </a:tc>
+                <a:extLst>
+                  <a:ext uri="{0D108BD9-81ED-4DB2-BD59-A6C34878D82A}">
+                    <a16:rowId xmlns:a16="http://schemas.microsoft.com/office/drawing/2014/main" val="3491949966"/>
+                  </a:ext>
+                </a:extLst>
+              </a:tr>
+              <a:tr h="314960">
+                <a:tc>
+                  <a:txBody>
+                    <a:bodyPr/>
+                    <a:lstStyle/>
+                    <a:p>
+                      <a:r>
+                        <a:rPr lang="en-US" dirty="0"/>
+                        <a:t>ULID</a:t>
+                      </a:r>
+                    </a:p>
+                  </a:txBody>
+                  <a:tcPr/>
+                </a:tc>
+                <a:tc>
+                  <a:txBody>
+                    <a:bodyPr/>
+                    <a:lstStyle/>
+                    <a:p>
+                      <a:r>
+                        <a:rPr lang="en-US" dirty="0"/>
+                        <a:t>int(Foreign)</a:t>
+                      </a:r>
+                    </a:p>
+                  </a:txBody>
+                  <a:tcPr/>
+                </a:tc>
+                <a:extLst>
+                  <a:ext uri="{0D108BD9-81ED-4DB2-BD59-A6C34878D82A}">
+                    <a16:rowId xmlns:a16="http://schemas.microsoft.com/office/drawing/2014/main" val="2153004026"/>
+                  </a:ext>
+                </a:extLst>
+              </a:tr>
+            </a:tbl>
+          </a:graphicData>
+        </a:graphic>
+      </p:graphicFrame>
+      <p:graphicFrame>
+        <p:nvGraphicFramePr>
+          <p:cNvPr id="9" name="Table 5">
+            <a:extLst>
+              <a:ext uri="{FF2B5EF4-FFF2-40B4-BE49-F238E27FC236}">
+                <a16:creationId xmlns:a16="http://schemas.microsoft.com/office/drawing/2014/main" id="{69BFE2D6-C326-41EA-808C-421BBD1DA751}"/>
+              </a:ext>
+            </a:extLst>
+          </p:cNvPr>
+          <p:cNvGraphicFramePr>
+            <a:graphicFrameLocks noGrp="1"/>
+          </p:cNvGraphicFramePr>
+          <p:nvPr>
+            <p:extLst>
+              <p:ext uri="{D42A27DB-BD31-4B8C-83A1-F6EECF244321}">
+                <p14:modId xmlns:p14="http://schemas.microsoft.com/office/powerpoint/2010/main" val="1548784349"/>
+              </p:ext>
+            </p:extLst>
+          </p:nvPr>
+        </p:nvGraphicFramePr>
+        <p:xfrm>
+          <a:off x="5930900" y="5534639"/>
+          <a:ext cx="4514850" cy="1097280"/>
+        </p:xfrm>
+        <a:graphic>
+          <a:graphicData uri="http://schemas.openxmlformats.org/drawingml/2006/table">
+            <a:tbl>
+              <a:tblPr firstRow="1" bandRow="1">
+                <a:tableStyleId>{5C22544A-7EE6-4342-B048-85BDC9FD1C3A}</a:tableStyleId>
+              </a:tblPr>
+              <a:tblGrid>
+                <a:gridCol w="2257425">
+                  <a:extLst>
+                    <a:ext uri="{9D8B030D-6E8A-4147-A177-3AD203B41FA5}">
+                      <a16:colId xmlns:a16="http://schemas.microsoft.com/office/drawing/2014/main" val="1377583130"/>
+                    </a:ext>
+                  </a:extLst>
+                </a:gridCol>
+                <a:gridCol w="2257425">
+                  <a:extLst>
+                    <a:ext uri="{9D8B030D-6E8A-4147-A177-3AD203B41FA5}">
+                      <a16:colId xmlns:a16="http://schemas.microsoft.com/office/drawing/2014/main" val="1588082863"/>
+                    </a:ext>
+                  </a:extLst>
+                </a:gridCol>
+              </a:tblGrid>
+              <a:tr h="345871">
+                <a:tc>
+                  <a:txBody>
+                    <a:bodyPr/>
+                    <a:lstStyle/>
+                    <a:p>
+                      <a:r>
+                        <a:rPr lang="en-US" dirty="0" err="1"/>
+                        <a:t>patient_profile</a:t>
+                      </a:r>
+                      <a:endParaRPr lang="en-US" dirty="0"/>
+                    </a:p>
+                  </a:txBody>
+                  <a:tcPr/>
+                </a:tc>
+                <a:tc>
+                  <a:txBody>
+                    <a:bodyPr/>
+                    <a:lstStyle/>
+                    <a:p>
+                      <a:r>
+                        <a:rPr lang="en-US" dirty="0"/>
+                        <a:t>Datatype</a:t>
+                      </a:r>
+                    </a:p>
+                  </a:txBody>
+                  <a:tcPr/>
+                </a:tc>
+                <a:extLst>
+                  <a:ext uri="{0D108BD9-81ED-4DB2-BD59-A6C34878D82A}">
+                    <a16:rowId xmlns:a16="http://schemas.microsoft.com/office/drawing/2014/main" val="3665414442"/>
+                  </a:ext>
+                </a:extLst>
+              </a:tr>
+              <a:tr h="345871">
+                <a:tc>
+                  <a:txBody>
+                    <a:bodyPr/>
+                    <a:lstStyle/>
+                    <a:p>
+                      <a:r>
+                        <a:rPr lang="en-US" dirty="0"/>
+                        <a:t>PPID</a:t>
+                      </a:r>
+                    </a:p>
+                  </a:txBody>
+                  <a:tcPr/>
+                </a:tc>
+                <a:tc>
+                  <a:txBody>
+                    <a:bodyPr/>
+                    <a:lstStyle/>
+                    <a:p>
+                      <a:r>
+                        <a:rPr lang="en-US" dirty="0"/>
+                        <a:t>int(Primary)</a:t>
+                      </a:r>
+                    </a:p>
+                  </a:txBody>
+                  <a:tcPr/>
+                </a:tc>
+                <a:extLst>
+                  <a:ext uri="{0D108BD9-81ED-4DB2-BD59-A6C34878D82A}">
+                    <a16:rowId xmlns:a16="http://schemas.microsoft.com/office/drawing/2014/main" val="200518"/>
+                  </a:ext>
+                </a:extLst>
+              </a:tr>
+              <a:tr h="345871">
+                <a:tc>
+                  <a:txBody>
+                    <a:bodyPr/>
+                    <a:lstStyle/>
+                    <a:p>
+                      <a:r>
+                        <a:rPr lang="en-US" dirty="0"/>
+                        <a:t>ULID</a:t>
+                      </a:r>
+                    </a:p>
+                  </a:txBody>
+                  <a:tcPr/>
+                </a:tc>
+                <a:tc>
+                  <a:txBody>
+                    <a:bodyPr/>
+                    <a:lstStyle/>
+                    <a:p>
+                      <a:r>
+                        <a:rPr lang="en-US" dirty="0"/>
+                        <a:t>int(Foreign)</a:t>
+                      </a:r>
+                    </a:p>
+                  </a:txBody>
+                  <a:tcPr/>
+                </a:tc>
+                <a:extLst>
+                  <a:ext uri="{0D108BD9-81ED-4DB2-BD59-A6C34878D82A}">
+                    <a16:rowId xmlns:a16="http://schemas.microsoft.com/office/drawing/2014/main" val="1326051876"/>
+                  </a:ext>
+                </a:extLst>
+              </a:tr>
+            </a:tbl>
+          </a:graphicData>
+        </a:graphic>
+      </p:graphicFrame>
+      <p:graphicFrame>
+        <p:nvGraphicFramePr>
+          <p:cNvPr id="10" name="Table 5">
+            <a:extLst>
+              <a:ext uri="{FF2B5EF4-FFF2-40B4-BE49-F238E27FC236}">
+                <a16:creationId xmlns:a16="http://schemas.microsoft.com/office/drawing/2014/main" id="{DB8AFA59-E763-4A14-95B9-DD6C010F6D7D}"/>
+              </a:ext>
+            </a:extLst>
+          </p:cNvPr>
+          <p:cNvGraphicFramePr>
+            <a:graphicFrameLocks noGrp="1"/>
+          </p:cNvGraphicFramePr>
+          <p:nvPr>
+            <p:extLst>
+              <p:ext uri="{D42A27DB-BD31-4B8C-83A1-F6EECF244321}">
+                <p14:modId xmlns:p14="http://schemas.microsoft.com/office/powerpoint/2010/main" val="4192257221"/>
+              </p:ext>
+            </p:extLst>
+          </p:nvPr>
+        </p:nvGraphicFramePr>
+        <p:xfrm>
+          <a:off x="277082" y="156583"/>
+          <a:ext cx="3075718" cy="2243717"/>
+        </p:xfrm>
+        <a:graphic>
+          <a:graphicData uri="http://schemas.openxmlformats.org/drawingml/2006/table">
+            <a:tbl>
+              <a:tblPr firstRow="1" bandRow="1">
+                <a:tableStyleId>{5C22544A-7EE6-4342-B048-85BDC9FD1C3A}</a:tableStyleId>
+              </a:tblPr>
+              <a:tblGrid>
+                <a:gridCol w="1537859">
+                  <a:extLst>
+                    <a:ext uri="{9D8B030D-6E8A-4147-A177-3AD203B41FA5}">
+                      <a16:colId xmlns:a16="http://schemas.microsoft.com/office/drawing/2014/main" val="624646341"/>
+                    </a:ext>
+                  </a:extLst>
+                </a:gridCol>
+                <a:gridCol w="1537859">
+                  <a:extLst>
+                    <a:ext uri="{9D8B030D-6E8A-4147-A177-3AD203B41FA5}">
+                      <a16:colId xmlns:a16="http://schemas.microsoft.com/office/drawing/2014/main" val="975009246"/>
+                    </a:ext>
+                  </a:extLst>
+                </a:gridCol>
+              </a:tblGrid>
+              <a:tr h="379631">
+                <a:tc>
+                  <a:txBody>
+                    <a:bodyPr/>
+                    <a:lstStyle/>
+                    <a:p>
+                      <a:r>
+                        <a:rPr lang="en-US" dirty="0" err="1"/>
+                        <a:t>user_login</a:t>
+                      </a:r>
+                      <a:endParaRPr lang="en-US" dirty="0"/>
+                    </a:p>
+                  </a:txBody>
+                  <a:tcPr/>
+                </a:tc>
+                <a:tc>
+                  <a:txBody>
+                    <a:bodyPr/>
+                    <a:lstStyle/>
+                    <a:p>
+                      <a:r>
+                        <a:rPr lang="en-US" dirty="0"/>
+                        <a:t>Datatype</a:t>
+                      </a:r>
+                    </a:p>
+                  </a:txBody>
+                  <a:tcPr/>
+                </a:tc>
+                <a:extLst>
+                  <a:ext uri="{0D108BD9-81ED-4DB2-BD59-A6C34878D82A}">
+                    <a16:rowId xmlns:a16="http://schemas.microsoft.com/office/drawing/2014/main" val="3282780898"/>
+                  </a:ext>
+                </a:extLst>
+              </a:tr>
+              <a:tr h="621362">
+                <a:tc>
+                  <a:txBody>
+                    <a:bodyPr/>
+                    <a:lstStyle/>
+                    <a:p>
+                      <a:r>
+                        <a:rPr lang="en-US" dirty="0"/>
+                        <a:t>ULID</a:t>
+                      </a:r>
+                    </a:p>
+                  </a:txBody>
+                  <a:tcPr/>
+                </a:tc>
+                <a:tc>
+                  <a:txBody>
+                    <a:bodyPr/>
+                    <a:lstStyle/>
+                    <a:p>
+                      <a:r>
+                        <a:rPr lang="en-US" dirty="0"/>
+                        <a:t>int(Primary)</a:t>
+                      </a:r>
+                    </a:p>
+                  </a:txBody>
+                  <a:tcPr/>
+                </a:tc>
+                <a:extLst>
+                  <a:ext uri="{0D108BD9-81ED-4DB2-BD59-A6C34878D82A}">
+                    <a16:rowId xmlns:a16="http://schemas.microsoft.com/office/drawing/2014/main" val="82321383"/>
+                  </a:ext>
+                </a:extLst>
+              </a:tr>
+              <a:tr h="621362">
+                <a:tc>
+                  <a:txBody>
+                    <a:bodyPr/>
+                    <a:lstStyle/>
+                    <a:p>
+                      <a:r>
+                        <a:rPr lang="en-US" dirty="0"/>
+                        <a:t>username</a:t>
+                      </a:r>
+                    </a:p>
+                  </a:txBody>
+                  <a:tcPr/>
+                </a:tc>
+                <a:tc>
+                  <a:txBody>
+                    <a:bodyPr/>
+                    <a:lstStyle/>
+                    <a:p>
+                      <a:r>
+                        <a:rPr lang="en-US" dirty="0"/>
+                        <a:t>varchar(25)</a:t>
+                      </a:r>
+                    </a:p>
+                  </a:txBody>
+                  <a:tcPr/>
+                </a:tc>
+                <a:extLst>
+                  <a:ext uri="{0D108BD9-81ED-4DB2-BD59-A6C34878D82A}">
+                    <a16:rowId xmlns:a16="http://schemas.microsoft.com/office/drawing/2014/main" val="1883136544"/>
+                  </a:ext>
+                </a:extLst>
+              </a:tr>
+              <a:tr h="621362">
+                <a:tc>
+                  <a:txBody>
+                    <a:bodyPr/>
+                    <a:lstStyle/>
+                    <a:p>
+                      <a:r>
+                        <a:rPr lang="en-US" dirty="0"/>
+                        <a:t>password</a:t>
+                      </a:r>
+                    </a:p>
+                  </a:txBody>
+                  <a:tcPr/>
+                </a:tc>
+                <a:tc>
+                  <a:txBody>
+                    <a:bodyPr/>
+                    <a:lstStyle/>
+                    <a:p>
+                      <a:r>
+                        <a:rPr lang="en-US" dirty="0"/>
+                        <a:t>varchar(25)</a:t>
+                      </a:r>
+                    </a:p>
+                  </a:txBody>
+                  <a:tcPr/>
+                </a:tc>
+                <a:extLst>
+                  <a:ext uri="{0D108BD9-81ED-4DB2-BD59-A6C34878D82A}">
+                    <a16:rowId xmlns:a16="http://schemas.microsoft.com/office/drawing/2014/main" val="2327483014"/>
+                  </a:ext>
+                </a:extLst>
+              </a:tr>
+            </a:tbl>
+          </a:graphicData>
+        </a:graphic>
+      </p:graphicFrame>
+    </p:spTree>
+    <p:extLst>
+      <p:ext uri="{BB962C8B-B14F-4D97-AF65-F5344CB8AC3E}">
+        <p14:creationId xmlns:p14="http://schemas.microsoft.com/office/powerpoint/2010/main" val="2705931009"/>
       </p:ext>
     </p:extLst>
   </p:cSld>

--- a/docs/tables_demo.pptx
+++ b/docs/tables_demo.pptx
@@ -6,8 +6,7 @@
   </p:sldMasterIdLst>
   <p:sldIdLst>
     <p:sldId id="256" r:id="rId2"/>
-    <p:sldId id="257" r:id="rId3"/>
-    <p:sldId id="258" r:id="rId4"/>
+    <p:sldId id="258" r:id="rId3"/>
   </p:sldIdLst>
   <p:sldSz cx="12192000" cy="6858000"/>
   <p:notesSz cx="6858000" cy="9144000"/>
@@ -261,7 +260,7 @@
           <a:p>
             <a:fld id="{CBD02765-7D28-47A0-A8BE-DFE17171ECAA}" type="datetimeFigureOut">
               <a:rPr lang="en-US" smtClean="0"/>
-              <a:t>9/16/2021</a:t>
+              <a:t>9/19/2021</a:t>
             </a:fld>
             <a:endParaRPr lang="en-US"/>
           </a:p>
@@ -459,7 +458,7 @@
           <a:p>
             <a:fld id="{CBD02765-7D28-47A0-A8BE-DFE17171ECAA}" type="datetimeFigureOut">
               <a:rPr lang="en-US" smtClean="0"/>
-              <a:t>9/16/2021</a:t>
+              <a:t>9/19/2021</a:t>
             </a:fld>
             <a:endParaRPr lang="en-US"/>
           </a:p>
@@ -667,7 +666,7 @@
           <a:p>
             <a:fld id="{CBD02765-7D28-47A0-A8BE-DFE17171ECAA}" type="datetimeFigureOut">
               <a:rPr lang="en-US" smtClean="0"/>
-              <a:t>9/16/2021</a:t>
+              <a:t>9/19/2021</a:t>
             </a:fld>
             <a:endParaRPr lang="en-US"/>
           </a:p>
@@ -865,7 +864,7 @@
           <a:p>
             <a:fld id="{CBD02765-7D28-47A0-A8BE-DFE17171ECAA}" type="datetimeFigureOut">
               <a:rPr lang="en-US" smtClean="0"/>
-              <a:t>9/16/2021</a:t>
+              <a:t>9/19/2021</a:t>
             </a:fld>
             <a:endParaRPr lang="en-US"/>
           </a:p>
@@ -1140,7 +1139,7 @@
           <a:p>
             <a:fld id="{CBD02765-7D28-47A0-A8BE-DFE17171ECAA}" type="datetimeFigureOut">
               <a:rPr lang="en-US" smtClean="0"/>
-              <a:t>9/16/2021</a:t>
+              <a:t>9/19/2021</a:t>
             </a:fld>
             <a:endParaRPr lang="en-US"/>
           </a:p>
@@ -1405,7 +1404,7 @@
           <a:p>
             <a:fld id="{CBD02765-7D28-47A0-A8BE-DFE17171ECAA}" type="datetimeFigureOut">
               <a:rPr lang="en-US" smtClean="0"/>
-              <a:t>9/16/2021</a:t>
+              <a:t>9/19/2021</a:t>
             </a:fld>
             <a:endParaRPr lang="en-US"/>
           </a:p>
@@ -1817,7 +1816,7 @@
           <a:p>
             <a:fld id="{CBD02765-7D28-47A0-A8BE-DFE17171ECAA}" type="datetimeFigureOut">
               <a:rPr lang="en-US" smtClean="0"/>
-              <a:t>9/16/2021</a:t>
+              <a:t>9/19/2021</a:t>
             </a:fld>
             <a:endParaRPr lang="en-US"/>
           </a:p>
@@ -1958,7 +1957,7 @@
           <a:p>
             <a:fld id="{CBD02765-7D28-47A0-A8BE-DFE17171ECAA}" type="datetimeFigureOut">
               <a:rPr lang="en-US" smtClean="0"/>
-              <a:t>9/16/2021</a:t>
+              <a:t>9/19/2021</a:t>
             </a:fld>
             <a:endParaRPr lang="en-US"/>
           </a:p>
@@ -2071,7 +2070,7 @@
           <a:p>
             <a:fld id="{CBD02765-7D28-47A0-A8BE-DFE17171ECAA}" type="datetimeFigureOut">
               <a:rPr lang="en-US" smtClean="0"/>
-              <a:t>9/16/2021</a:t>
+              <a:t>9/19/2021</a:t>
             </a:fld>
             <a:endParaRPr lang="en-US"/>
           </a:p>
@@ -2382,7 +2381,7 @@
           <a:p>
             <a:fld id="{CBD02765-7D28-47A0-A8BE-DFE17171ECAA}" type="datetimeFigureOut">
               <a:rPr lang="en-US" smtClean="0"/>
-              <a:t>9/16/2021</a:t>
+              <a:t>9/19/2021</a:t>
             </a:fld>
             <a:endParaRPr lang="en-US"/>
           </a:p>
@@ -2670,7 +2669,7 @@
           <a:p>
             <a:fld id="{CBD02765-7D28-47A0-A8BE-DFE17171ECAA}" type="datetimeFigureOut">
               <a:rPr lang="en-US" smtClean="0"/>
-              <a:t>9/16/2021</a:t>
+              <a:t>9/19/2021</a:t>
             </a:fld>
             <a:endParaRPr lang="en-US"/>
           </a:p>
@@ -2911,7 +2910,7 @@
           <a:p>
             <a:fld id="{CBD02765-7D28-47A0-A8BE-DFE17171ECAA}" type="datetimeFigureOut">
               <a:rPr lang="en-US" smtClean="0"/>
-              <a:t>9/16/2021</a:t>
+              <a:t>9/19/2021</a:t>
             </a:fld>
             <a:endParaRPr lang="en-US"/>
           </a:p>
@@ -4115,921 +4114,6 @@
       </p:grpSpPr>
       <p:graphicFrame>
         <p:nvGraphicFramePr>
-          <p:cNvPr id="4" name="Table 5">
-            <a:extLst>
-              <a:ext uri="{FF2B5EF4-FFF2-40B4-BE49-F238E27FC236}">
-                <a16:creationId xmlns:a16="http://schemas.microsoft.com/office/drawing/2014/main" id="{A7F5D93E-A2BC-4FAA-9EC9-91E5CA4FC3D4}"/>
-              </a:ext>
-            </a:extLst>
-          </p:cNvPr>
-          <p:cNvGraphicFramePr>
-            <a:graphicFrameLocks noGrp="1"/>
-          </p:cNvGraphicFramePr>
-          <p:nvPr>
-            <p:extLst>
-              <p:ext uri="{D42A27DB-BD31-4B8C-83A1-F6EECF244321}">
-                <p14:modId xmlns:p14="http://schemas.microsoft.com/office/powerpoint/2010/main" val="850397813"/>
-              </p:ext>
-            </p:extLst>
-          </p:nvPr>
-        </p:nvGraphicFramePr>
-        <p:xfrm>
-          <a:off x="277082" y="156583"/>
-          <a:ext cx="3075718" cy="2243717"/>
-        </p:xfrm>
-        <a:graphic>
-          <a:graphicData uri="http://schemas.openxmlformats.org/drawingml/2006/table">
-            <a:tbl>
-              <a:tblPr firstRow="1" bandRow="1">
-                <a:tableStyleId>{5C22544A-7EE6-4342-B048-85BDC9FD1C3A}</a:tableStyleId>
-              </a:tblPr>
-              <a:tblGrid>
-                <a:gridCol w="1537859">
-                  <a:extLst>
-                    <a:ext uri="{9D8B030D-6E8A-4147-A177-3AD203B41FA5}">
-                      <a16:colId xmlns:a16="http://schemas.microsoft.com/office/drawing/2014/main" val="624646341"/>
-                    </a:ext>
-                  </a:extLst>
-                </a:gridCol>
-                <a:gridCol w="1537859">
-                  <a:extLst>
-                    <a:ext uri="{9D8B030D-6E8A-4147-A177-3AD203B41FA5}">
-                      <a16:colId xmlns:a16="http://schemas.microsoft.com/office/drawing/2014/main" val="975009246"/>
-                    </a:ext>
-                  </a:extLst>
-                </a:gridCol>
-              </a:tblGrid>
-              <a:tr h="379631">
-                <a:tc>
-                  <a:txBody>
-                    <a:bodyPr/>
-                    <a:lstStyle/>
-                    <a:p>
-                      <a:r>
-                        <a:rPr lang="en-US" dirty="0" err="1"/>
-                        <a:t>user_login</a:t>
-                      </a:r>
-                      <a:endParaRPr lang="en-US" dirty="0"/>
-                    </a:p>
-                  </a:txBody>
-                  <a:tcPr/>
-                </a:tc>
-                <a:tc>
-                  <a:txBody>
-                    <a:bodyPr/>
-                    <a:lstStyle/>
-                    <a:p>
-                      <a:r>
-                        <a:rPr lang="en-US" dirty="0"/>
-                        <a:t>Datatype</a:t>
-                      </a:r>
-                    </a:p>
-                  </a:txBody>
-                  <a:tcPr/>
-                </a:tc>
-                <a:extLst>
-                  <a:ext uri="{0D108BD9-81ED-4DB2-BD59-A6C34878D82A}">
-                    <a16:rowId xmlns:a16="http://schemas.microsoft.com/office/drawing/2014/main" val="3282780898"/>
-                  </a:ext>
-                </a:extLst>
-              </a:tr>
-              <a:tr h="621362">
-                <a:tc>
-                  <a:txBody>
-                    <a:bodyPr/>
-                    <a:lstStyle/>
-                    <a:p>
-                      <a:r>
-                        <a:rPr lang="en-US" dirty="0"/>
-                        <a:t>ULID</a:t>
-                      </a:r>
-                    </a:p>
-                  </a:txBody>
-                  <a:tcPr/>
-                </a:tc>
-                <a:tc>
-                  <a:txBody>
-                    <a:bodyPr/>
-                    <a:lstStyle/>
-                    <a:p>
-                      <a:r>
-                        <a:rPr lang="en-US" dirty="0"/>
-                        <a:t>int(Primary)</a:t>
-                      </a:r>
-                    </a:p>
-                  </a:txBody>
-                  <a:tcPr/>
-                </a:tc>
-                <a:extLst>
-                  <a:ext uri="{0D108BD9-81ED-4DB2-BD59-A6C34878D82A}">
-                    <a16:rowId xmlns:a16="http://schemas.microsoft.com/office/drawing/2014/main" val="82321383"/>
-                  </a:ext>
-                </a:extLst>
-              </a:tr>
-              <a:tr h="621362">
-                <a:tc>
-                  <a:txBody>
-                    <a:bodyPr/>
-                    <a:lstStyle/>
-                    <a:p>
-                      <a:r>
-                        <a:rPr lang="en-US" dirty="0"/>
-                        <a:t>username</a:t>
-                      </a:r>
-                    </a:p>
-                  </a:txBody>
-                  <a:tcPr/>
-                </a:tc>
-                <a:tc>
-                  <a:txBody>
-                    <a:bodyPr/>
-                    <a:lstStyle/>
-                    <a:p>
-                      <a:r>
-                        <a:rPr lang="en-US" dirty="0"/>
-                        <a:t>varchar(25)</a:t>
-                      </a:r>
-                    </a:p>
-                  </a:txBody>
-                  <a:tcPr/>
-                </a:tc>
-                <a:extLst>
-                  <a:ext uri="{0D108BD9-81ED-4DB2-BD59-A6C34878D82A}">
-                    <a16:rowId xmlns:a16="http://schemas.microsoft.com/office/drawing/2014/main" val="1883136544"/>
-                  </a:ext>
-                </a:extLst>
-              </a:tr>
-              <a:tr h="621362">
-                <a:tc>
-                  <a:txBody>
-                    <a:bodyPr/>
-                    <a:lstStyle/>
-                    <a:p>
-                      <a:r>
-                        <a:rPr lang="en-US" dirty="0"/>
-                        <a:t>password</a:t>
-                      </a:r>
-                    </a:p>
-                  </a:txBody>
-                  <a:tcPr/>
-                </a:tc>
-                <a:tc>
-                  <a:txBody>
-                    <a:bodyPr/>
-                    <a:lstStyle/>
-                    <a:p>
-                      <a:r>
-                        <a:rPr lang="en-US" dirty="0"/>
-                        <a:t>varchar(25)</a:t>
-                      </a:r>
-                    </a:p>
-                  </a:txBody>
-                  <a:tcPr/>
-                </a:tc>
-                <a:extLst>
-                  <a:ext uri="{0D108BD9-81ED-4DB2-BD59-A6C34878D82A}">
-                    <a16:rowId xmlns:a16="http://schemas.microsoft.com/office/drawing/2014/main" val="2327483014"/>
-                  </a:ext>
-                </a:extLst>
-              </a:tr>
-            </a:tbl>
-          </a:graphicData>
-        </a:graphic>
-      </p:graphicFrame>
-      <p:graphicFrame>
-        <p:nvGraphicFramePr>
-          <p:cNvPr id="5" name="Table 5">
-            <a:extLst>
-              <a:ext uri="{FF2B5EF4-FFF2-40B4-BE49-F238E27FC236}">
-                <a16:creationId xmlns:a16="http://schemas.microsoft.com/office/drawing/2014/main" id="{E592DA5D-A526-464E-ACC0-760EB2F1A08F}"/>
-              </a:ext>
-            </a:extLst>
-          </p:cNvPr>
-          <p:cNvGraphicFramePr>
-            <a:graphicFrameLocks noGrp="1"/>
-          </p:cNvGraphicFramePr>
-          <p:nvPr>
-            <p:extLst>
-              <p:ext uri="{D42A27DB-BD31-4B8C-83A1-F6EECF244321}">
-                <p14:modId xmlns:p14="http://schemas.microsoft.com/office/powerpoint/2010/main" val="4243334524"/>
-              </p:ext>
-            </p:extLst>
-          </p:nvPr>
-        </p:nvGraphicFramePr>
-        <p:xfrm>
-          <a:off x="3994150" y="707390"/>
-          <a:ext cx="4514850" cy="1506219"/>
-        </p:xfrm>
-        <a:graphic>
-          <a:graphicData uri="http://schemas.openxmlformats.org/drawingml/2006/table">
-            <a:tbl>
-              <a:tblPr firstRow="1" bandRow="1">
-                <a:tableStyleId>{5C22544A-7EE6-4342-B048-85BDC9FD1C3A}</a:tableStyleId>
-              </a:tblPr>
-              <a:tblGrid>
-                <a:gridCol w="2257425">
-                  <a:extLst>
-                    <a:ext uri="{9D8B030D-6E8A-4147-A177-3AD203B41FA5}">
-                      <a16:colId xmlns:a16="http://schemas.microsoft.com/office/drawing/2014/main" val="1377583130"/>
-                    </a:ext>
-                  </a:extLst>
-                </a:gridCol>
-                <a:gridCol w="2257425">
-                  <a:extLst>
-                    <a:ext uri="{9D8B030D-6E8A-4147-A177-3AD203B41FA5}">
-                      <a16:colId xmlns:a16="http://schemas.microsoft.com/office/drawing/2014/main" val="1588082863"/>
-                    </a:ext>
-                  </a:extLst>
-                </a:gridCol>
-              </a:tblGrid>
-              <a:tr h="502073">
-                <a:tc>
-                  <a:txBody>
-                    <a:bodyPr/>
-                    <a:lstStyle/>
-                    <a:p>
-                      <a:r>
-                        <a:rPr lang="en-US" dirty="0" err="1"/>
-                        <a:t>patient_profile</a:t>
-                      </a:r>
-                      <a:endParaRPr lang="en-US" dirty="0"/>
-                    </a:p>
-                  </a:txBody>
-                  <a:tcPr/>
-                </a:tc>
-                <a:tc>
-                  <a:txBody>
-                    <a:bodyPr/>
-                    <a:lstStyle/>
-                    <a:p>
-                      <a:r>
-                        <a:rPr lang="en-US" dirty="0"/>
-                        <a:t>Datatype</a:t>
-                      </a:r>
-                    </a:p>
-                  </a:txBody>
-                  <a:tcPr/>
-                </a:tc>
-                <a:extLst>
-                  <a:ext uri="{0D108BD9-81ED-4DB2-BD59-A6C34878D82A}">
-                    <a16:rowId xmlns:a16="http://schemas.microsoft.com/office/drawing/2014/main" val="3665414442"/>
-                  </a:ext>
-                </a:extLst>
-              </a:tr>
-              <a:tr h="502073">
-                <a:tc>
-                  <a:txBody>
-                    <a:bodyPr/>
-                    <a:lstStyle/>
-                    <a:p>
-                      <a:r>
-                        <a:rPr lang="en-US" dirty="0"/>
-                        <a:t>PPID</a:t>
-                      </a:r>
-                    </a:p>
-                  </a:txBody>
-                  <a:tcPr/>
-                </a:tc>
-                <a:tc>
-                  <a:txBody>
-                    <a:bodyPr/>
-                    <a:lstStyle/>
-                    <a:p>
-                      <a:r>
-                        <a:rPr lang="en-US" dirty="0"/>
-                        <a:t>int(Primary)</a:t>
-                      </a:r>
-                    </a:p>
-                  </a:txBody>
-                  <a:tcPr/>
-                </a:tc>
-                <a:extLst>
-                  <a:ext uri="{0D108BD9-81ED-4DB2-BD59-A6C34878D82A}">
-                    <a16:rowId xmlns:a16="http://schemas.microsoft.com/office/drawing/2014/main" val="200518"/>
-                  </a:ext>
-                </a:extLst>
-              </a:tr>
-              <a:tr h="502073">
-                <a:tc>
-                  <a:txBody>
-                    <a:bodyPr/>
-                    <a:lstStyle/>
-                    <a:p>
-                      <a:r>
-                        <a:rPr lang="en-US" dirty="0"/>
-                        <a:t>ULID</a:t>
-                      </a:r>
-                    </a:p>
-                  </a:txBody>
-                  <a:tcPr/>
-                </a:tc>
-                <a:tc>
-                  <a:txBody>
-                    <a:bodyPr/>
-                    <a:lstStyle/>
-                    <a:p>
-                      <a:r>
-                        <a:rPr lang="en-US" dirty="0"/>
-                        <a:t>int(Foreign)</a:t>
-                      </a:r>
-                    </a:p>
-                  </a:txBody>
-                  <a:tcPr/>
-                </a:tc>
-                <a:extLst>
-                  <a:ext uri="{0D108BD9-81ED-4DB2-BD59-A6C34878D82A}">
-                    <a16:rowId xmlns:a16="http://schemas.microsoft.com/office/drawing/2014/main" val="1326051876"/>
-                  </a:ext>
-                </a:extLst>
-              </a:tr>
-            </a:tbl>
-          </a:graphicData>
-        </a:graphic>
-      </p:graphicFrame>
-      <p:graphicFrame>
-        <p:nvGraphicFramePr>
-          <p:cNvPr id="6" name="Table 6">
-            <a:extLst>
-              <a:ext uri="{FF2B5EF4-FFF2-40B4-BE49-F238E27FC236}">
-                <a16:creationId xmlns:a16="http://schemas.microsoft.com/office/drawing/2014/main" id="{903430B6-173E-4286-BF71-D343B6BD40B2}"/>
-              </a:ext>
-            </a:extLst>
-          </p:cNvPr>
-          <p:cNvGraphicFramePr>
-            <a:graphicFrameLocks noGrp="1"/>
-          </p:cNvGraphicFramePr>
-          <p:nvPr>
-            <p:extLst>
-              <p:ext uri="{D42A27DB-BD31-4B8C-83A1-F6EECF244321}">
-                <p14:modId xmlns:p14="http://schemas.microsoft.com/office/powerpoint/2010/main" val="3575128726"/>
-              </p:ext>
-            </p:extLst>
-          </p:nvPr>
-        </p:nvGraphicFramePr>
-        <p:xfrm>
-          <a:off x="1327150" y="2932432"/>
-          <a:ext cx="4514850" cy="1097280"/>
-        </p:xfrm>
-        <a:graphic>
-          <a:graphicData uri="http://schemas.openxmlformats.org/drawingml/2006/table">
-            <a:tbl>
-              <a:tblPr firstRow="1" bandRow="1">
-                <a:tableStyleId>{5C22544A-7EE6-4342-B048-85BDC9FD1C3A}</a:tableStyleId>
-              </a:tblPr>
-              <a:tblGrid>
-                <a:gridCol w="2257425">
-                  <a:extLst>
-                    <a:ext uri="{9D8B030D-6E8A-4147-A177-3AD203B41FA5}">
-                      <a16:colId xmlns:a16="http://schemas.microsoft.com/office/drawing/2014/main" val="3335927383"/>
-                    </a:ext>
-                  </a:extLst>
-                </a:gridCol>
-                <a:gridCol w="2257425">
-                  <a:extLst>
-                    <a:ext uri="{9D8B030D-6E8A-4147-A177-3AD203B41FA5}">
-                      <a16:colId xmlns:a16="http://schemas.microsoft.com/office/drawing/2014/main" val="2323929689"/>
-                    </a:ext>
-                  </a:extLst>
-                </a:gridCol>
-              </a:tblGrid>
-              <a:tr h="314960">
-                <a:tc>
-                  <a:txBody>
-                    <a:bodyPr/>
-                    <a:lstStyle/>
-                    <a:p>
-                      <a:r>
-                        <a:rPr lang="en-US" dirty="0" err="1"/>
-                        <a:t>employee_profile</a:t>
-                      </a:r>
-                      <a:endParaRPr lang="en-US" dirty="0"/>
-                    </a:p>
-                  </a:txBody>
-                  <a:tcPr/>
-                </a:tc>
-                <a:tc>
-                  <a:txBody>
-                    <a:bodyPr/>
-                    <a:lstStyle/>
-                    <a:p>
-                      <a:r>
-                        <a:rPr lang="en-US" dirty="0"/>
-                        <a:t>Datatype</a:t>
-                      </a:r>
-                    </a:p>
-                  </a:txBody>
-                  <a:tcPr/>
-                </a:tc>
-                <a:extLst>
-                  <a:ext uri="{0D108BD9-81ED-4DB2-BD59-A6C34878D82A}">
-                    <a16:rowId xmlns:a16="http://schemas.microsoft.com/office/drawing/2014/main" val="3664504374"/>
-                  </a:ext>
-                </a:extLst>
-              </a:tr>
-              <a:tr h="314960">
-                <a:tc>
-                  <a:txBody>
-                    <a:bodyPr/>
-                    <a:lstStyle/>
-                    <a:p>
-                      <a:endParaRPr lang="en-US"/>
-                    </a:p>
-                  </a:txBody>
-                  <a:tcPr/>
-                </a:tc>
-                <a:tc>
-                  <a:txBody>
-                    <a:bodyPr/>
-                    <a:lstStyle/>
-                    <a:p>
-                      <a:endParaRPr lang="en-US"/>
-                    </a:p>
-                  </a:txBody>
-                  <a:tcPr/>
-                </a:tc>
-                <a:extLst>
-                  <a:ext uri="{0D108BD9-81ED-4DB2-BD59-A6C34878D82A}">
-                    <a16:rowId xmlns:a16="http://schemas.microsoft.com/office/drawing/2014/main" val="3491949966"/>
-                  </a:ext>
-                </a:extLst>
-              </a:tr>
-              <a:tr h="314960">
-                <a:tc>
-                  <a:txBody>
-                    <a:bodyPr/>
-                    <a:lstStyle/>
-                    <a:p>
-                      <a:endParaRPr lang="en-US"/>
-                    </a:p>
-                  </a:txBody>
-                  <a:tcPr/>
-                </a:tc>
-                <a:tc>
-                  <a:txBody>
-                    <a:bodyPr/>
-                    <a:lstStyle/>
-                    <a:p>
-                      <a:endParaRPr lang="en-US" dirty="0"/>
-                    </a:p>
-                  </a:txBody>
-                  <a:tcPr/>
-                </a:tc>
-                <a:extLst>
-                  <a:ext uri="{0D108BD9-81ED-4DB2-BD59-A6C34878D82A}">
-                    <a16:rowId xmlns:a16="http://schemas.microsoft.com/office/drawing/2014/main" val="2153004026"/>
-                  </a:ext>
-                </a:extLst>
-              </a:tr>
-            </a:tbl>
-          </a:graphicData>
-        </a:graphic>
-      </p:graphicFrame>
-      <p:graphicFrame>
-        <p:nvGraphicFramePr>
-          <p:cNvPr id="7" name="Table 6">
-            <a:extLst>
-              <a:ext uri="{FF2B5EF4-FFF2-40B4-BE49-F238E27FC236}">
-                <a16:creationId xmlns:a16="http://schemas.microsoft.com/office/drawing/2014/main" id="{72164409-96F0-4D10-A4B2-DE64079047EF}"/>
-              </a:ext>
-            </a:extLst>
-          </p:cNvPr>
-          <p:cNvGraphicFramePr>
-            <a:graphicFrameLocks noGrp="1"/>
-          </p:cNvGraphicFramePr>
-          <p:nvPr>
-            <p:extLst>
-              <p:ext uri="{D42A27DB-BD31-4B8C-83A1-F6EECF244321}">
-                <p14:modId xmlns:p14="http://schemas.microsoft.com/office/powerpoint/2010/main" val="2563871722"/>
-              </p:ext>
-            </p:extLst>
-          </p:nvPr>
-        </p:nvGraphicFramePr>
-        <p:xfrm>
-          <a:off x="6038850" y="2880360"/>
-          <a:ext cx="4514850" cy="1097280"/>
-        </p:xfrm>
-        <a:graphic>
-          <a:graphicData uri="http://schemas.openxmlformats.org/drawingml/2006/table">
-            <a:tbl>
-              <a:tblPr firstRow="1" bandRow="1">
-                <a:tableStyleId>{5C22544A-7EE6-4342-B048-85BDC9FD1C3A}</a:tableStyleId>
-              </a:tblPr>
-              <a:tblGrid>
-                <a:gridCol w="2257425">
-                  <a:extLst>
-                    <a:ext uri="{9D8B030D-6E8A-4147-A177-3AD203B41FA5}">
-                      <a16:colId xmlns:a16="http://schemas.microsoft.com/office/drawing/2014/main" val="3335927383"/>
-                    </a:ext>
-                  </a:extLst>
-                </a:gridCol>
-                <a:gridCol w="2257425">
-                  <a:extLst>
-                    <a:ext uri="{9D8B030D-6E8A-4147-A177-3AD203B41FA5}">
-                      <a16:colId xmlns:a16="http://schemas.microsoft.com/office/drawing/2014/main" val="2323929689"/>
-                    </a:ext>
-                  </a:extLst>
-                </a:gridCol>
-              </a:tblGrid>
-              <a:tr h="314960">
-                <a:tc>
-                  <a:txBody>
-                    <a:bodyPr/>
-                    <a:lstStyle/>
-                    <a:p>
-                      <a:r>
-                        <a:rPr lang="en-US" dirty="0" err="1"/>
-                        <a:t>lab_profile</a:t>
-                      </a:r>
-                      <a:endParaRPr lang="en-US" dirty="0"/>
-                    </a:p>
-                  </a:txBody>
-                  <a:tcPr/>
-                </a:tc>
-                <a:tc>
-                  <a:txBody>
-                    <a:bodyPr/>
-                    <a:lstStyle/>
-                    <a:p>
-                      <a:r>
-                        <a:rPr lang="en-US" dirty="0"/>
-                        <a:t>Datatype</a:t>
-                      </a:r>
-                    </a:p>
-                  </a:txBody>
-                  <a:tcPr/>
-                </a:tc>
-                <a:extLst>
-                  <a:ext uri="{0D108BD9-81ED-4DB2-BD59-A6C34878D82A}">
-                    <a16:rowId xmlns:a16="http://schemas.microsoft.com/office/drawing/2014/main" val="3664504374"/>
-                  </a:ext>
-                </a:extLst>
-              </a:tr>
-              <a:tr h="314960">
-                <a:tc>
-                  <a:txBody>
-                    <a:bodyPr/>
-                    <a:lstStyle/>
-                    <a:p>
-                      <a:endParaRPr lang="en-US"/>
-                    </a:p>
-                  </a:txBody>
-                  <a:tcPr/>
-                </a:tc>
-                <a:tc>
-                  <a:txBody>
-                    <a:bodyPr/>
-                    <a:lstStyle/>
-                    <a:p>
-                      <a:endParaRPr lang="en-US"/>
-                    </a:p>
-                  </a:txBody>
-                  <a:tcPr/>
-                </a:tc>
-                <a:extLst>
-                  <a:ext uri="{0D108BD9-81ED-4DB2-BD59-A6C34878D82A}">
-                    <a16:rowId xmlns:a16="http://schemas.microsoft.com/office/drawing/2014/main" val="3491949966"/>
-                  </a:ext>
-                </a:extLst>
-              </a:tr>
-              <a:tr h="314960">
-                <a:tc>
-                  <a:txBody>
-                    <a:bodyPr/>
-                    <a:lstStyle/>
-                    <a:p>
-                      <a:endParaRPr lang="en-US"/>
-                    </a:p>
-                  </a:txBody>
-                  <a:tcPr/>
-                </a:tc>
-                <a:tc>
-                  <a:txBody>
-                    <a:bodyPr/>
-                    <a:lstStyle/>
-                    <a:p>
-                      <a:endParaRPr lang="en-US" dirty="0"/>
-                    </a:p>
-                  </a:txBody>
-                  <a:tcPr/>
-                </a:tc>
-                <a:extLst>
-                  <a:ext uri="{0D108BD9-81ED-4DB2-BD59-A6C34878D82A}">
-                    <a16:rowId xmlns:a16="http://schemas.microsoft.com/office/drawing/2014/main" val="2153004026"/>
-                  </a:ext>
-                </a:extLst>
-              </a:tr>
-            </a:tbl>
-          </a:graphicData>
-        </a:graphic>
-      </p:graphicFrame>
-      <p:graphicFrame>
-        <p:nvGraphicFramePr>
-          <p:cNvPr id="8" name="Table 6">
-            <a:extLst>
-              <a:ext uri="{FF2B5EF4-FFF2-40B4-BE49-F238E27FC236}">
-                <a16:creationId xmlns:a16="http://schemas.microsoft.com/office/drawing/2014/main" id="{471902AA-28EA-4206-9543-298CE7206422}"/>
-              </a:ext>
-            </a:extLst>
-          </p:cNvPr>
-          <p:cNvGraphicFramePr>
-            <a:graphicFrameLocks noGrp="1"/>
-          </p:cNvGraphicFramePr>
-          <p:nvPr>
-            <p:extLst>
-              <p:ext uri="{D42A27DB-BD31-4B8C-83A1-F6EECF244321}">
-                <p14:modId xmlns:p14="http://schemas.microsoft.com/office/powerpoint/2010/main" val="1875317395"/>
-              </p:ext>
-            </p:extLst>
-          </p:nvPr>
-        </p:nvGraphicFramePr>
-        <p:xfrm>
-          <a:off x="1095375" y="4575817"/>
-          <a:ext cx="4514850" cy="1097280"/>
-        </p:xfrm>
-        <a:graphic>
-          <a:graphicData uri="http://schemas.openxmlformats.org/drawingml/2006/table">
-            <a:tbl>
-              <a:tblPr firstRow="1" bandRow="1">
-                <a:tableStyleId>{5C22544A-7EE6-4342-B048-85BDC9FD1C3A}</a:tableStyleId>
-              </a:tblPr>
-              <a:tblGrid>
-                <a:gridCol w="2257425">
-                  <a:extLst>
-                    <a:ext uri="{9D8B030D-6E8A-4147-A177-3AD203B41FA5}">
-                      <a16:colId xmlns:a16="http://schemas.microsoft.com/office/drawing/2014/main" val="3335927383"/>
-                    </a:ext>
-                  </a:extLst>
-                </a:gridCol>
-                <a:gridCol w="2257425">
-                  <a:extLst>
-                    <a:ext uri="{9D8B030D-6E8A-4147-A177-3AD203B41FA5}">
-                      <a16:colId xmlns:a16="http://schemas.microsoft.com/office/drawing/2014/main" val="2323929689"/>
-                    </a:ext>
-                  </a:extLst>
-                </a:gridCol>
-              </a:tblGrid>
-              <a:tr h="314960">
-                <a:tc>
-                  <a:txBody>
-                    <a:bodyPr/>
-                    <a:lstStyle/>
-                    <a:p>
-                      <a:r>
-                        <a:rPr lang="en-US" dirty="0" err="1"/>
-                        <a:t>doctor_profile</a:t>
-                      </a:r>
-                      <a:endParaRPr lang="en-US" dirty="0"/>
-                    </a:p>
-                  </a:txBody>
-                  <a:tcPr/>
-                </a:tc>
-                <a:tc>
-                  <a:txBody>
-                    <a:bodyPr/>
-                    <a:lstStyle/>
-                    <a:p>
-                      <a:r>
-                        <a:rPr lang="en-US" dirty="0"/>
-                        <a:t>Datatype</a:t>
-                      </a:r>
-                    </a:p>
-                  </a:txBody>
-                  <a:tcPr/>
-                </a:tc>
-                <a:extLst>
-                  <a:ext uri="{0D108BD9-81ED-4DB2-BD59-A6C34878D82A}">
-                    <a16:rowId xmlns:a16="http://schemas.microsoft.com/office/drawing/2014/main" val="3664504374"/>
-                  </a:ext>
-                </a:extLst>
-              </a:tr>
-              <a:tr h="314960">
-                <a:tc>
-                  <a:txBody>
-                    <a:bodyPr/>
-                    <a:lstStyle/>
-                    <a:p>
-                      <a:endParaRPr lang="en-US"/>
-                    </a:p>
-                  </a:txBody>
-                  <a:tcPr/>
-                </a:tc>
-                <a:tc>
-                  <a:txBody>
-                    <a:bodyPr/>
-                    <a:lstStyle/>
-                    <a:p>
-                      <a:endParaRPr lang="en-US"/>
-                    </a:p>
-                  </a:txBody>
-                  <a:tcPr/>
-                </a:tc>
-                <a:extLst>
-                  <a:ext uri="{0D108BD9-81ED-4DB2-BD59-A6C34878D82A}">
-                    <a16:rowId xmlns:a16="http://schemas.microsoft.com/office/drawing/2014/main" val="3491949966"/>
-                  </a:ext>
-                </a:extLst>
-              </a:tr>
-              <a:tr h="314960">
-                <a:tc>
-                  <a:txBody>
-                    <a:bodyPr/>
-                    <a:lstStyle/>
-                    <a:p>
-                      <a:endParaRPr lang="en-US"/>
-                    </a:p>
-                  </a:txBody>
-                  <a:tcPr/>
-                </a:tc>
-                <a:tc>
-                  <a:txBody>
-                    <a:bodyPr/>
-                    <a:lstStyle/>
-                    <a:p>
-                      <a:endParaRPr lang="en-US" dirty="0"/>
-                    </a:p>
-                  </a:txBody>
-                  <a:tcPr/>
-                </a:tc>
-                <a:extLst>
-                  <a:ext uri="{0D108BD9-81ED-4DB2-BD59-A6C34878D82A}">
-                    <a16:rowId xmlns:a16="http://schemas.microsoft.com/office/drawing/2014/main" val="2153004026"/>
-                  </a:ext>
-                </a:extLst>
-              </a:tr>
-            </a:tbl>
-          </a:graphicData>
-        </a:graphic>
-      </p:graphicFrame>
-      <p:graphicFrame>
-        <p:nvGraphicFramePr>
-          <p:cNvPr id="9" name="Table 6">
-            <a:extLst>
-              <a:ext uri="{FF2B5EF4-FFF2-40B4-BE49-F238E27FC236}">
-                <a16:creationId xmlns:a16="http://schemas.microsoft.com/office/drawing/2014/main" id="{25DFABE9-B346-4F25-BEE6-90EFA2E94E13}"/>
-              </a:ext>
-            </a:extLst>
-          </p:cNvPr>
-          <p:cNvGraphicFramePr>
-            <a:graphicFrameLocks noGrp="1"/>
-          </p:cNvGraphicFramePr>
-          <p:nvPr>
-            <p:extLst>
-              <p:ext uri="{D42A27DB-BD31-4B8C-83A1-F6EECF244321}">
-                <p14:modId xmlns:p14="http://schemas.microsoft.com/office/powerpoint/2010/main" val="4247085543"/>
-              </p:ext>
-            </p:extLst>
-          </p:nvPr>
-        </p:nvGraphicFramePr>
-        <p:xfrm>
-          <a:off x="6070600" y="4664714"/>
-          <a:ext cx="4514850" cy="1097280"/>
-        </p:xfrm>
-        <a:graphic>
-          <a:graphicData uri="http://schemas.openxmlformats.org/drawingml/2006/table">
-            <a:tbl>
-              <a:tblPr firstRow="1" bandRow="1">
-                <a:tableStyleId>{5C22544A-7EE6-4342-B048-85BDC9FD1C3A}</a:tableStyleId>
-              </a:tblPr>
-              <a:tblGrid>
-                <a:gridCol w="2257425">
-                  <a:extLst>
-                    <a:ext uri="{9D8B030D-6E8A-4147-A177-3AD203B41FA5}">
-                      <a16:colId xmlns:a16="http://schemas.microsoft.com/office/drawing/2014/main" val="3335927383"/>
-                    </a:ext>
-                  </a:extLst>
-                </a:gridCol>
-                <a:gridCol w="2257425">
-                  <a:extLst>
-                    <a:ext uri="{9D8B030D-6E8A-4147-A177-3AD203B41FA5}">
-                      <a16:colId xmlns:a16="http://schemas.microsoft.com/office/drawing/2014/main" val="2323929689"/>
-                    </a:ext>
-                  </a:extLst>
-                </a:gridCol>
-              </a:tblGrid>
-              <a:tr h="314960">
-                <a:tc>
-                  <a:txBody>
-                    <a:bodyPr/>
-                    <a:lstStyle/>
-                    <a:p>
-                      <a:r>
-                        <a:rPr lang="en-US" dirty="0" err="1"/>
-                        <a:t>admin_profile</a:t>
-                      </a:r>
-                      <a:endParaRPr lang="en-US" dirty="0"/>
-                    </a:p>
-                  </a:txBody>
-                  <a:tcPr/>
-                </a:tc>
-                <a:tc>
-                  <a:txBody>
-                    <a:bodyPr/>
-                    <a:lstStyle/>
-                    <a:p>
-                      <a:r>
-                        <a:rPr lang="en-US" dirty="0"/>
-                        <a:t>Datatype</a:t>
-                      </a:r>
-                    </a:p>
-                  </a:txBody>
-                  <a:tcPr/>
-                </a:tc>
-                <a:extLst>
-                  <a:ext uri="{0D108BD9-81ED-4DB2-BD59-A6C34878D82A}">
-                    <a16:rowId xmlns:a16="http://schemas.microsoft.com/office/drawing/2014/main" val="3664504374"/>
-                  </a:ext>
-                </a:extLst>
-              </a:tr>
-              <a:tr h="314960">
-                <a:tc>
-                  <a:txBody>
-                    <a:bodyPr/>
-                    <a:lstStyle/>
-                    <a:p>
-                      <a:endParaRPr lang="en-US"/>
-                    </a:p>
-                  </a:txBody>
-                  <a:tcPr/>
-                </a:tc>
-                <a:tc>
-                  <a:txBody>
-                    <a:bodyPr/>
-                    <a:lstStyle/>
-                    <a:p>
-                      <a:endParaRPr lang="en-US"/>
-                    </a:p>
-                  </a:txBody>
-                  <a:tcPr/>
-                </a:tc>
-                <a:extLst>
-                  <a:ext uri="{0D108BD9-81ED-4DB2-BD59-A6C34878D82A}">
-                    <a16:rowId xmlns:a16="http://schemas.microsoft.com/office/drawing/2014/main" val="3491949966"/>
-                  </a:ext>
-                </a:extLst>
-              </a:tr>
-              <a:tr h="314960">
-                <a:tc>
-                  <a:txBody>
-                    <a:bodyPr/>
-                    <a:lstStyle/>
-                    <a:p>
-                      <a:endParaRPr lang="en-US"/>
-                    </a:p>
-                  </a:txBody>
-                  <a:tcPr/>
-                </a:tc>
-                <a:tc>
-                  <a:txBody>
-                    <a:bodyPr/>
-                    <a:lstStyle/>
-                    <a:p>
-                      <a:endParaRPr lang="en-US" dirty="0"/>
-                    </a:p>
-                  </a:txBody>
-                  <a:tcPr/>
-                </a:tc>
-                <a:extLst>
-                  <a:ext uri="{0D108BD9-81ED-4DB2-BD59-A6C34878D82A}">
-                    <a16:rowId xmlns:a16="http://schemas.microsoft.com/office/drawing/2014/main" val="2153004026"/>
-                  </a:ext>
-                </a:extLst>
-              </a:tr>
-            </a:tbl>
-          </a:graphicData>
-        </a:graphic>
-      </p:graphicFrame>
-    </p:spTree>
-    <p:extLst>
-      <p:ext uri="{BB962C8B-B14F-4D97-AF65-F5344CB8AC3E}">
-        <p14:creationId xmlns:p14="http://schemas.microsoft.com/office/powerpoint/2010/main" val="2207764544"/>
-      </p:ext>
-    </p:extLst>
-  </p:cSld>
-  <p:clrMapOvr>
-    <a:masterClrMapping/>
-  </p:clrMapOvr>
-</p:sld>
-</file>
-
-<file path=ppt/slides/slide3.xml><?xml version="1.0" encoding="utf-8"?>
-<p:sld xmlns:a="http://schemas.openxmlformats.org/drawingml/2006/main" xmlns:r="http://schemas.openxmlformats.org/officeDocument/2006/relationships" xmlns:p="http://schemas.openxmlformats.org/presentationml/2006/main">
-  <p:cSld>
-    <p:spTree>
-      <p:nvGrpSpPr>
-        <p:cNvPr id="1" name=""/>
-        <p:cNvGrpSpPr/>
-        <p:nvPr/>
-      </p:nvGrpSpPr>
-      <p:grpSpPr>
-        <a:xfrm>
-          <a:off x="0" y="0"/>
-          <a:ext cx="0" cy="0"/>
-          <a:chOff x="0" y="0"/>
-          <a:chExt cx="0" cy="0"/>
-        </a:xfrm>
-      </p:grpSpPr>
-      <p:graphicFrame>
-        <p:nvGraphicFramePr>
           <p:cNvPr id="4" name="Table 7">
             <a:extLst>
               <a:ext uri="{FF2B5EF4-FFF2-40B4-BE49-F238E27FC236}">
@@ -5363,7 +4447,7 @@
           <p:nvPr>
             <p:extLst>
               <p:ext uri="{D42A27DB-BD31-4B8C-83A1-F6EECF244321}">
-                <p14:modId xmlns:p14="http://schemas.microsoft.com/office/powerpoint/2010/main" val="3844627887"/>
+                <p14:modId xmlns:p14="http://schemas.microsoft.com/office/powerpoint/2010/main" val="1460033728"/>
               </p:ext>
             </p:extLst>
           </p:nvPr>
@@ -5434,17 +4518,23 @@
                     <a:bodyPr/>
                     <a:lstStyle/>
                     <a:p>
-                      <a:endParaRPr lang="en-US"/>
-                    </a:p>
-                  </a:txBody>
-                  <a:tcPr/>
-                </a:tc>
-                <a:tc>
-                  <a:txBody>
-                    <a:bodyPr/>
-                    <a:lstStyle/>
-                    <a:p>
-                      <a:endParaRPr lang="en-US"/>
+                      <a:r>
+                        <a:rPr lang="en-US" dirty="0"/>
+                        <a:t>APID</a:t>
+                      </a:r>
+                    </a:p>
+                  </a:txBody>
+                  <a:tcPr/>
+                </a:tc>
+                <a:tc>
+                  <a:txBody>
+                    <a:bodyPr/>
+                    <a:lstStyle/>
+                    <a:p>
+                      <a:r>
+                        <a:rPr lang="en-US" dirty="0"/>
+                        <a:t>int(Primary)</a:t>
+                      </a:r>
                     </a:p>
                   </a:txBody>
                   <a:tcPr/>
@@ -5541,7 +4631,7 @@
           <p:nvPr>
             <p:extLst>
               <p:ext uri="{D42A27DB-BD31-4B8C-83A1-F6EECF244321}">
-                <p14:modId xmlns:p14="http://schemas.microsoft.com/office/powerpoint/2010/main" val="3679766593"/>
+                <p14:modId xmlns:p14="http://schemas.microsoft.com/office/powerpoint/2010/main" val="3196896520"/>
               </p:ext>
             </p:extLst>
           </p:nvPr>
@@ -5612,17 +4702,23 @@
                     <a:bodyPr/>
                     <a:lstStyle/>
                     <a:p>
-                      <a:endParaRPr lang="en-US"/>
-                    </a:p>
-                  </a:txBody>
-                  <a:tcPr/>
-                </a:tc>
-                <a:tc>
-                  <a:txBody>
-                    <a:bodyPr/>
-                    <a:lstStyle/>
-                    <a:p>
-                      <a:endParaRPr lang="en-US"/>
+                      <a:r>
+                        <a:rPr lang="en-US" dirty="0"/>
+                        <a:t>DPID</a:t>
+                      </a:r>
+                    </a:p>
+                  </a:txBody>
+                  <a:tcPr/>
+                </a:tc>
+                <a:tc>
+                  <a:txBody>
+                    <a:bodyPr/>
+                    <a:lstStyle/>
+                    <a:p>
+                      <a:r>
+                        <a:rPr lang="en-US" dirty="0"/>
+                        <a:t>int(Primary)</a:t>
+                      </a:r>
                     </a:p>
                   </a:txBody>
                   <a:tcPr/>

--- a/docs/tables_demo.pptx
+++ b/docs/tables_demo.pptx
@@ -5,8 +5,8 @@
     <p:sldMasterId id="2147483648" r:id="rId1"/>
   </p:sldMasterIdLst>
   <p:sldIdLst>
-    <p:sldId id="256" r:id="rId2"/>
-    <p:sldId id="258" r:id="rId3"/>
+    <p:sldId id="258" r:id="rId2"/>
+    <p:sldId id="256" r:id="rId3"/>
   </p:sldIdLst>
   <p:sldSz cx="12192000" cy="6858000"/>
   <p:notesSz cx="6858000" cy="9144000"/>
@@ -260,7 +260,7 @@
           <a:p>
             <a:fld id="{CBD02765-7D28-47A0-A8BE-DFE17171ECAA}" type="datetimeFigureOut">
               <a:rPr lang="en-US" smtClean="0"/>
-              <a:t>9/19/2021</a:t>
+              <a:t>9/28/2021</a:t>
             </a:fld>
             <a:endParaRPr lang="en-US"/>
           </a:p>
@@ -458,7 +458,7 @@
           <a:p>
             <a:fld id="{CBD02765-7D28-47A0-A8BE-DFE17171ECAA}" type="datetimeFigureOut">
               <a:rPr lang="en-US" smtClean="0"/>
-              <a:t>9/19/2021</a:t>
+              <a:t>9/28/2021</a:t>
             </a:fld>
             <a:endParaRPr lang="en-US"/>
           </a:p>
@@ -666,7 +666,7 @@
           <a:p>
             <a:fld id="{CBD02765-7D28-47A0-A8BE-DFE17171ECAA}" type="datetimeFigureOut">
               <a:rPr lang="en-US" smtClean="0"/>
-              <a:t>9/19/2021</a:t>
+              <a:t>9/28/2021</a:t>
             </a:fld>
             <a:endParaRPr lang="en-US"/>
           </a:p>
@@ -864,7 +864,7 @@
           <a:p>
             <a:fld id="{CBD02765-7D28-47A0-A8BE-DFE17171ECAA}" type="datetimeFigureOut">
               <a:rPr lang="en-US" smtClean="0"/>
-              <a:t>9/19/2021</a:t>
+              <a:t>9/28/2021</a:t>
             </a:fld>
             <a:endParaRPr lang="en-US"/>
           </a:p>
@@ -1139,7 +1139,7 @@
           <a:p>
             <a:fld id="{CBD02765-7D28-47A0-A8BE-DFE17171ECAA}" type="datetimeFigureOut">
               <a:rPr lang="en-US" smtClean="0"/>
-              <a:t>9/19/2021</a:t>
+              <a:t>9/28/2021</a:t>
             </a:fld>
             <a:endParaRPr lang="en-US"/>
           </a:p>
@@ -1404,7 +1404,7 @@
           <a:p>
             <a:fld id="{CBD02765-7D28-47A0-A8BE-DFE17171ECAA}" type="datetimeFigureOut">
               <a:rPr lang="en-US" smtClean="0"/>
-              <a:t>9/19/2021</a:t>
+              <a:t>9/28/2021</a:t>
             </a:fld>
             <a:endParaRPr lang="en-US"/>
           </a:p>
@@ -1816,7 +1816,7 @@
           <a:p>
             <a:fld id="{CBD02765-7D28-47A0-A8BE-DFE17171ECAA}" type="datetimeFigureOut">
               <a:rPr lang="en-US" smtClean="0"/>
-              <a:t>9/19/2021</a:t>
+              <a:t>9/28/2021</a:t>
             </a:fld>
             <a:endParaRPr lang="en-US"/>
           </a:p>
@@ -1957,7 +1957,7 @@
           <a:p>
             <a:fld id="{CBD02765-7D28-47A0-A8BE-DFE17171ECAA}" type="datetimeFigureOut">
               <a:rPr lang="en-US" smtClean="0"/>
-              <a:t>9/19/2021</a:t>
+              <a:t>9/28/2021</a:t>
             </a:fld>
             <a:endParaRPr lang="en-US"/>
           </a:p>
@@ -2070,7 +2070,7 @@
           <a:p>
             <a:fld id="{CBD02765-7D28-47A0-A8BE-DFE17171ECAA}" type="datetimeFigureOut">
               <a:rPr lang="en-US" smtClean="0"/>
-              <a:t>9/19/2021</a:t>
+              <a:t>9/28/2021</a:t>
             </a:fld>
             <a:endParaRPr lang="en-US"/>
           </a:p>
@@ -2381,7 +2381,7 @@
           <a:p>
             <a:fld id="{CBD02765-7D28-47A0-A8BE-DFE17171ECAA}" type="datetimeFigureOut">
               <a:rPr lang="en-US" smtClean="0"/>
-              <a:t>9/19/2021</a:t>
+              <a:t>9/28/2021</a:t>
             </a:fld>
             <a:endParaRPr lang="en-US"/>
           </a:p>
@@ -2669,7 +2669,7 @@
           <a:p>
             <a:fld id="{CBD02765-7D28-47A0-A8BE-DFE17171ECAA}" type="datetimeFigureOut">
               <a:rPr lang="en-US" smtClean="0"/>
-              <a:t>9/19/2021</a:t>
+              <a:t>9/28/2021</a:t>
             </a:fld>
             <a:endParaRPr lang="en-US"/>
           </a:p>
@@ -2910,7 +2910,7 @@
           <a:p>
             <a:fld id="{CBD02765-7D28-47A0-A8BE-DFE17171ECAA}" type="datetimeFigureOut">
               <a:rPr lang="en-US" smtClean="0"/>
-              <a:t>9/19/2021</a:t>
+              <a:t>9/28/2021</a:t>
             </a:fld>
             <a:endParaRPr lang="en-US"/>
           </a:p>
@@ -3329,10 +3329,10 @@
       </p:grpSpPr>
       <p:graphicFrame>
         <p:nvGraphicFramePr>
-          <p:cNvPr id="5" name="Table 5">
-            <a:extLst>
-              <a:ext uri="{FF2B5EF4-FFF2-40B4-BE49-F238E27FC236}">
-                <a16:creationId xmlns:a16="http://schemas.microsoft.com/office/drawing/2014/main" id="{69983094-636F-4BF8-A382-2E2AB43BC3B2}"/>
+          <p:cNvPr id="4" name="Table 7">
+            <a:extLst>
+              <a:ext uri="{FF2B5EF4-FFF2-40B4-BE49-F238E27FC236}">
+                <a16:creationId xmlns:a16="http://schemas.microsoft.com/office/drawing/2014/main" id="{99381A0B-82C7-4AB2-942D-B4725FC2259E}"/>
               </a:ext>
             </a:extLst>
           </p:cNvPr>
@@ -3342,7 +3342,1392 @@
           <p:nvPr>
             <p:extLst>
               <p:ext uri="{D42A27DB-BD31-4B8C-83A1-F6EECF244321}">
-                <p14:modId xmlns:p14="http://schemas.microsoft.com/office/powerpoint/2010/main" val="891484865"/>
+                <p14:modId xmlns:p14="http://schemas.microsoft.com/office/powerpoint/2010/main" val="2277127634"/>
+              </p:ext>
+            </p:extLst>
+          </p:nvPr>
+        </p:nvGraphicFramePr>
+        <p:xfrm>
+          <a:off x="261840" y="2943460"/>
+          <a:ext cx="5002310" cy="2926080"/>
+        </p:xfrm>
+        <a:graphic>
+          <a:graphicData uri="http://schemas.openxmlformats.org/drawingml/2006/table">
+            <a:tbl>
+              <a:tblPr firstRow="1" bandRow="1">
+                <a:tableStyleId>{5C22544A-7EE6-4342-B048-85BDC9FD1C3A}</a:tableStyleId>
+              </a:tblPr>
+              <a:tblGrid>
+                <a:gridCol w="2501155">
+                  <a:extLst>
+                    <a:ext uri="{9D8B030D-6E8A-4147-A177-3AD203B41FA5}">
+                      <a16:colId xmlns:a16="http://schemas.microsoft.com/office/drawing/2014/main" val="3269262259"/>
+                    </a:ext>
+                  </a:extLst>
+                </a:gridCol>
+                <a:gridCol w="2501155">
+                  <a:extLst>
+                    <a:ext uri="{9D8B030D-6E8A-4147-A177-3AD203B41FA5}">
+                      <a16:colId xmlns:a16="http://schemas.microsoft.com/office/drawing/2014/main" val="524848927"/>
+                    </a:ext>
+                  </a:extLst>
+                </a:gridCol>
+              </a:tblGrid>
+              <a:tr h="363905">
+                <a:tc>
+                  <a:txBody>
+                    <a:bodyPr/>
+                    <a:lstStyle/>
+                    <a:p>
+                      <a:r>
+                        <a:rPr lang="en-US" dirty="0" err="1"/>
+                        <a:t>user_permission</a:t>
+                      </a:r>
+                      <a:endParaRPr lang="en-US" dirty="0"/>
+                    </a:p>
+                  </a:txBody>
+                  <a:tcPr/>
+                </a:tc>
+                <a:tc>
+                  <a:txBody>
+                    <a:bodyPr/>
+                    <a:lstStyle/>
+                    <a:p>
+                      <a:r>
+                        <a:rPr lang="en-US" dirty="0"/>
+                        <a:t>Datatype</a:t>
+                      </a:r>
+                    </a:p>
+                  </a:txBody>
+                  <a:tcPr/>
+                </a:tc>
+                <a:extLst>
+                  <a:ext uri="{0D108BD9-81ED-4DB2-BD59-A6C34878D82A}">
+                    <a16:rowId xmlns:a16="http://schemas.microsoft.com/office/drawing/2014/main" val="4051490614"/>
+                  </a:ext>
+                </a:extLst>
+              </a:tr>
+              <a:tr h="363905">
+                <a:tc>
+                  <a:txBody>
+                    <a:bodyPr/>
+                    <a:lstStyle/>
+                    <a:p>
+                      <a:r>
+                        <a:rPr lang="en-US" dirty="0"/>
+                        <a:t>UPEID</a:t>
+                      </a:r>
+                    </a:p>
+                  </a:txBody>
+                  <a:tcPr/>
+                </a:tc>
+                <a:tc>
+                  <a:txBody>
+                    <a:bodyPr/>
+                    <a:lstStyle/>
+                    <a:p>
+                      <a:r>
+                        <a:rPr lang="en-US" dirty="0"/>
+                        <a:t>int(Primary)</a:t>
+                      </a:r>
+                    </a:p>
+                  </a:txBody>
+                  <a:tcPr/>
+                </a:tc>
+                <a:extLst>
+                  <a:ext uri="{0D108BD9-81ED-4DB2-BD59-A6C34878D82A}">
+                    <a16:rowId xmlns:a16="http://schemas.microsoft.com/office/drawing/2014/main" val="3265774538"/>
+                  </a:ext>
+                </a:extLst>
+              </a:tr>
+              <a:tr h="363905">
+                <a:tc>
+                  <a:txBody>
+                    <a:bodyPr/>
+                    <a:lstStyle/>
+                    <a:p>
+                      <a:r>
+                        <a:rPr lang="en-US" dirty="0"/>
+                        <a:t>ULID</a:t>
+                      </a:r>
+                    </a:p>
+                  </a:txBody>
+                  <a:tcPr/>
+                </a:tc>
+                <a:tc>
+                  <a:txBody>
+                    <a:bodyPr/>
+                    <a:lstStyle/>
+                    <a:p>
+                      <a:r>
+                        <a:rPr lang="en-US" dirty="0"/>
+                        <a:t>int(Foreign)</a:t>
+                      </a:r>
+                    </a:p>
+                  </a:txBody>
+                  <a:tcPr/>
+                </a:tc>
+                <a:extLst>
+                  <a:ext uri="{0D108BD9-81ED-4DB2-BD59-A6C34878D82A}">
+                    <a16:rowId xmlns:a16="http://schemas.microsoft.com/office/drawing/2014/main" val="2903585701"/>
+                  </a:ext>
+                </a:extLst>
+              </a:tr>
+              <a:tr h="363905">
+                <a:tc>
+                  <a:txBody>
+                    <a:bodyPr/>
+                    <a:lstStyle/>
+                    <a:p>
+                      <a:r>
+                        <a:rPr lang="en-US" dirty="0" err="1"/>
+                        <a:t>is_admin</a:t>
+                      </a:r>
+                      <a:endParaRPr lang="en-US" dirty="0"/>
+                    </a:p>
+                  </a:txBody>
+                  <a:tcPr/>
+                </a:tc>
+                <a:tc>
+                  <a:txBody>
+                    <a:bodyPr/>
+                    <a:lstStyle/>
+                    <a:p>
+                      <a:r>
+                        <a:rPr lang="en-US" dirty="0"/>
+                        <a:t>int(1)</a:t>
+                      </a:r>
+                    </a:p>
+                  </a:txBody>
+                  <a:tcPr/>
+                </a:tc>
+                <a:extLst>
+                  <a:ext uri="{0D108BD9-81ED-4DB2-BD59-A6C34878D82A}">
+                    <a16:rowId xmlns:a16="http://schemas.microsoft.com/office/drawing/2014/main" val="783140639"/>
+                  </a:ext>
+                </a:extLst>
+              </a:tr>
+              <a:tr h="363905">
+                <a:tc>
+                  <a:txBody>
+                    <a:bodyPr/>
+                    <a:lstStyle/>
+                    <a:p>
+                      <a:r>
+                        <a:rPr lang="en-US" dirty="0" err="1"/>
+                        <a:t>is_doctor</a:t>
+                      </a:r>
+                      <a:endParaRPr lang="en-US" dirty="0"/>
+                    </a:p>
+                  </a:txBody>
+                  <a:tcPr/>
+                </a:tc>
+                <a:tc>
+                  <a:txBody>
+                    <a:bodyPr/>
+                    <a:lstStyle/>
+                    <a:p>
+                      <a:r>
+                        <a:rPr lang="en-US" dirty="0"/>
+                        <a:t>int(1)</a:t>
+                      </a:r>
+                    </a:p>
+                  </a:txBody>
+                  <a:tcPr/>
+                </a:tc>
+                <a:extLst>
+                  <a:ext uri="{0D108BD9-81ED-4DB2-BD59-A6C34878D82A}">
+                    <a16:rowId xmlns:a16="http://schemas.microsoft.com/office/drawing/2014/main" val="3854957838"/>
+                  </a:ext>
+                </a:extLst>
+              </a:tr>
+              <a:tr h="363905">
+                <a:tc>
+                  <a:txBody>
+                    <a:bodyPr/>
+                    <a:lstStyle/>
+                    <a:p>
+                      <a:r>
+                        <a:rPr lang="en-US" dirty="0" err="1"/>
+                        <a:t>is_vendor</a:t>
+                      </a:r>
+                      <a:endParaRPr lang="en-US" dirty="0"/>
+                    </a:p>
+                  </a:txBody>
+                  <a:tcPr/>
+                </a:tc>
+                <a:tc>
+                  <a:txBody>
+                    <a:bodyPr/>
+                    <a:lstStyle/>
+                    <a:p>
+                      <a:r>
+                        <a:rPr lang="en-US" dirty="0"/>
+                        <a:t>int(1)</a:t>
+                      </a:r>
+                    </a:p>
+                  </a:txBody>
+                  <a:tcPr/>
+                </a:tc>
+                <a:extLst>
+                  <a:ext uri="{0D108BD9-81ED-4DB2-BD59-A6C34878D82A}">
+                    <a16:rowId xmlns:a16="http://schemas.microsoft.com/office/drawing/2014/main" val="1004589524"/>
+                  </a:ext>
+                </a:extLst>
+              </a:tr>
+              <a:tr h="363905">
+                <a:tc>
+                  <a:txBody>
+                    <a:bodyPr/>
+                    <a:lstStyle/>
+                    <a:p>
+                      <a:r>
+                        <a:rPr lang="en-US" dirty="0" err="1"/>
+                        <a:t>is_employee</a:t>
+                      </a:r>
+                      <a:endParaRPr lang="en-US" dirty="0"/>
+                    </a:p>
+                  </a:txBody>
+                  <a:tcPr/>
+                </a:tc>
+                <a:tc>
+                  <a:txBody>
+                    <a:bodyPr/>
+                    <a:lstStyle/>
+                    <a:p>
+                      <a:r>
+                        <a:rPr lang="en-US" dirty="0"/>
+                        <a:t>int(1)</a:t>
+                      </a:r>
+                    </a:p>
+                  </a:txBody>
+                  <a:tcPr/>
+                </a:tc>
+                <a:extLst>
+                  <a:ext uri="{0D108BD9-81ED-4DB2-BD59-A6C34878D82A}">
+                    <a16:rowId xmlns:a16="http://schemas.microsoft.com/office/drawing/2014/main" val="109169413"/>
+                  </a:ext>
+                </a:extLst>
+              </a:tr>
+              <a:tr h="363905">
+                <a:tc>
+                  <a:txBody>
+                    <a:bodyPr/>
+                    <a:lstStyle/>
+                    <a:p>
+                      <a:r>
+                        <a:rPr lang="en-US" dirty="0" err="1"/>
+                        <a:t>is_patient</a:t>
+                      </a:r>
+                      <a:endParaRPr lang="en-US" dirty="0"/>
+                    </a:p>
+                  </a:txBody>
+                  <a:tcPr/>
+                </a:tc>
+                <a:tc>
+                  <a:txBody>
+                    <a:bodyPr/>
+                    <a:lstStyle/>
+                    <a:p>
+                      <a:r>
+                        <a:rPr lang="en-US" dirty="0"/>
+                        <a:t>int(1)</a:t>
+                      </a:r>
+                    </a:p>
+                  </a:txBody>
+                  <a:tcPr/>
+                </a:tc>
+                <a:extLst>
+                  <a:ext uri="{0D108BD9-81ED-4DB2-BD59-A6C34878D82A}">
+                    <a16:rowId xmlns:a16="http://schemas.microsoft.com/office/drawing/2014/main" val="2211955209"/>
+                  </a:ext>
+                </a:extLst>
+              </a:tr>
+            </a:tbl>
+          </a:graphicData>
+        </a:graphic>
+      </p:graphicFrame>
+      <p:graphicFrame>
+        <p:nvGraphicFramePr>
+          <p:cNvPr id="5" name="Table 6">
+            <a:extLst>
+              <a:ext uri="{FF2B5EF4-FFF2-40B4-BE49-F238E27FC236}">
+                <a16:creationId xmlns:a16="http://schemas.microsoft.com/office/drawing/2014/main" id="{6CAA39E1-4638-4B3C-9429-9C3908F120DA}"/>
+              </a:ext>
+            </a:extLst>
+          </p:cNvPr>
+          <p:cNvGraphicFramePr>
+            <a:graphicFrameLocks noGrp="1"/>
+          </p:cNvGraphicFramePr>
+          <p:nvPr>
+            <p:extLst>
+              <p:ext uri="{D42A27DB-BD31-4B8C-83A1-F6EECF244321}">
+                <p14:modId xmlns:p14="http://schemas.microsoft.com/office/powerpoint/2010/main" val="1460033728"/>
+              </p:ext>
+            </p:extLst>
+          </p:nvPr>
+        </p:nvGraphicFramePr>
+        <p:xfrm>
+          <a:off x="5930900" y="226064"/>
+          <a:ext cx="4514850" cy="1097280"/>
+        </p:xfrm>
+        <a:graphic>
+          <a:graphicData uri="http://schemas.openxmlformats.org/drawingml/2006/table">
+            <a:tbl>
+              <a:tblPr firstRow="1" bandRow="1">
+                <a:tableStyleId>{5C22544A-7EE6-4342-B048-85BDC9FD1C3A}</a:tableStyleId>
+              </a:tblPr>
+              <a:tblGrid>
+                <a:gridCol w="2257425">
+                  <a:extLst>
+                    <a:ext uri="{9D8B030D-6E8A-4147-A177-3AD203B41FA5}">
+                      <a16:colId xmlns:a16="http://schemas.microsoft.com/office/drawing/2014/main" val="3335927383"/>
+                    </a:ext>
+                  </a:extLst>
+                </a:gridCol>
+                <a:gridCol w="2257425">
+                  <a:extLst>
+                    <a:ext uri="{9D8B030D-6E8A-4147-A177-3AD203B41FA5}">
+                      <a16:colId xmlns:a16="http://schemas.microsoft.com/office/drawing/2014/main" val="2323929689"/>
+                    </a:ext>
+                  </a:extLst>
+                </a:gridCol>
+              </a:tblGrid>
+              <a:tr h="314960">
+                <a:tc>
+                  <a:txBody>
+                    <a:bodyPr/>
+                    <a:lstStyle/>
+                    <a:p>
+                      <a:r>
+                        <a:rPr lang="en-US" dirty="0" err="1"/>
+                        <a:t>admin_profile</a:t>
+                      </a:r>
+                      <a:endParaRPr lang="en-US" dirty="0"/>
+                    </a:p>
+                  </a:txBody>
+                  <a:tcPr/>
+                </a:tc>
+                <a:tc>
+                  <a:txBody>
+                    <a:bodyPr/>
+                    <a:lstStyle/>
+                    <a:p>
+                      <a:r>
+                        <a:rPr lang="en-US" dirty="0"/>
+                        <a:t>Datatype</a:t>
+                      </a:r>
+                    </a:p>
+                  </a:txBody>
+                  <a:tcPr/>
+                </a:tc>
+                <a:extLst>
+                  <a:ext uri="{0D108BD9-81ED-4DB2-BD59-A6C34878D82A}">
+                    <a16:rowId xmlns:a16="http://schemas.microsoft.com/office/drawing/2014/main" val="3664504374"/>
+                  </a:ext>
+                </a:extLst>
+              </a:tr>
+              <a:tr h="314960">
+                <a:tc>
+                  <a:txBody>
+                    <a:bodyPr/>
+                    <a:lstStyle/>
+                    <a:p>
+                      <a:r>
+                        <a:rPr lang="en-US" dirty="0"/>
+                        <a:t>APID</a:t>
+                      </a:r>
+                    </a:p>
+                  </a:txBody>
+                  <a:tcPr/>
+                </a:tc>
+                <a:tc>
+                  <a:txBody>
+                    <a:bodyPr/>
+                    <a:lstStyle/>
+                    <a:p>
+                      <a:r>
+                        <a:rPr lang="en-US" dirty="0"/>
+                        <a:t>int(Primary)</a:t>
+                      </a:r>
+                    </a:p>
+                  </a:txBody>
+                  <a:tcPr/>
+                </a:tc>
+                <a:extLst>
+                  <a:ext uri="{0D108BD9-81ED-4DB2-BD59-A6C34878D82A}">
+                    <a16:rowId xmlns:a16="http://schemas.microsoft.com/office/drawing/2014/main" val="3491949966"/>
+                  </a:ext>
+                </a:extLst>
+              </a:tr>
+              <a:tr h="314960">
+                <a:tc>
+                  <a:txBody>
+                    <a:bodyPr/>
+                    <a:lstStyle/>
+                    <a:p>
+                      <a:pPr marL="0" marR="0" lvl="0" indent="0" algn="l" defTabSz="914400" rtl="0" eaLnBrk="1" fontAlgn="auto" latinLnBrk="0" hangingPunct="1">
+                        <a:lnSpc>
+                          <a:spcPct val="100000"/>
+                        </a:lnSpc>
+                        <a:spcBef>
+                          <a:spcPts val="0"/>
+                        </a:spcBef>
+                        <a:spcAft>
+                          <a:spcPts val="0"/>
+                        </a:spcAft>
+                        <a:buClrTx/>
+                        <a:buSzTx/>
+                        <a:buFontTx/>
+                        <a:buNone/>
+                        <a:tabLst/>
+                        <a:defRPr/>
+                      </a:pPr>
+                      <a:r>
+                        <a:rPr lang="en-US" dirty="0"/>
+                        <a:t>ULID</a:t>
+                      </a:r>
+                    </a:p>
+                  </a:txBody>
+                  <a:tcPr/>
+                </a:tc>
+                <a:tc>
+                  <a:txBody>
+                    <a:bodyPr/>
+                    <a:lstStyle/>
+                    <a:p>
+                      <a:pPr marL="0" marR="0" lvl="0" indent="0" algn="l" defTabSz="914400" rtl="0" eaLnBrk="1" fontAlgn="auto" latinLnBrk="0" hangingPunct="1">
+                        <a:lnSpc>
+                          <a:spcPct val="100000"/>
+                        </a:lnSpc>
+                        <a:spcBef>
+                          <a:spcPts val="0"/>
+                        </a:spcBef>
+                        <a:spcAft>
+                          <a:spcPts val="0"/>
+                        </a:spcAft>
+                        <a:buClrTx/>
+                        <a:buSzTx/>
+                        <a:buFontTx/>
+                        <a:buNone/>
+                        <a:tabLst/>
+                        <a:defRPr/>
+                      </a:pPr>
+                      <a:r>
+                        <a:rPr lang="en-US" dirty="0"/>
+                        <a:t>int(Foreign)</a:t>
+                      </a:r>
+                    </a:p>
+                  </a:txBody>
+                  <a:tcPr/>
+                </a:tc>
+                <a:extLst>
+                  <a:ext uri="{0D108BD9-81ED-4DB2-BD59-A6C34878D82A}">
+                    <a16:rowId xmlns:a16="http://schemas.microsoft.com/office/drawing/2014/main" val="2153004026"/>
+                  </a:ext>
+                </a:extLst>
+              </a:tr>
+            </a:tbl>
+          </a:graphicData>
+        </a:graphic>
+      </p:graphicFrame>
+      <p:graphicFrame>
+        <p:nvGraphicFramePr>
+          <p:cNvPr id="6" name="Table 6">
+            <a:extLst>
+              <a:ext uri="{FF2B5EF4-FFF2-40B4-BE49-F238E27FC236}">
+                <a16:creationId xmlns:a16="http://schemas.microsoft.com/office/drawing/2014/main" id="{3EF18FF3-F121-4385-ACBE-A95063407724}"/>
+              </a:ext>
+            </a:extLst>
+          </p:cNvPr>
+          <p:cNvGraphicFramePr>
+            <a:graphicFrameLocks noGrp="1"/>
+          </p:cNvGraphicFramePr>
+          <p:nvPr>
+            <p:extLst>
+              <p:ext uri="{D42A27DB-BD31-4B8C-83A1-F6EECF244321}">
+                <p14:modId xmlns:p14="http://schemas.microsoft.com/office/powerpoint/2010/main" val="3196896520"/>
+              </p:ext>
+            </p:extLst>
+          </p:nvPr>
+        </p:nvGraphicFramePr>
+        <p:xfrm>
+          <a:off x="5930900" y="1553217"/>
+          <a:ext cx="4514850" cy="1097280"/>
+        </p:xfrm>
+        <a:graphic>
+          <a:graphicData uri="http://schemas.openxmlformats.org/drawingml/2006/table">
+            <a:tbl>
+              <a:tblPr firstRow="1" bandRow="1">
+                <a:tableStyleId>{5C22544A-7EE6-4342-B048-85BDC9FD1C3A}</a:tableStyleId>
+              </a:tblPr>
+              <a:tblGrid>
+                <a:gridCol w="2257425">
+                  <a:extLst>
+                    <a:ext uri="{9D8B030D-6E8A-4147-A177-3AD203B41FA5}">
+                      <a16:colId xmlns:a16="http://schemas.microsoft.com/office/drawing/2014/main" val="3335927383"/>
+                    </a:ext>
+                  </a:extLst>
+                </a:gridCol>
+                <a:gridCol w="2257425">
+                  <a:extLst>
+                    <a:ext uri="{9D8B030D-6E8A-4147-A177-3AD203B41FA5}">
+                      <a16:colId xmlns:a16="http://schemas.microsoft.com/office/drawing/2014/main" val="2323929689"/>
+                    </a:ext>
+                  </a:extLst>
+                </a:gridCol>
+              </a:tblGrid>
+              <a:tr h="314960">
+                <a:tc>
+                  <a:txBody>
+                    <a:bodyPr/>
+                    <a:lstStyle/>
+                    <a:p>
+                      <a:r>
+                        <a:rPr lang="en-US" dirty="0" err="1"/>
+                        <a:t>doctor_profile</a:t>
+                      </a:r>
+                      <a:endParaRPr lang="en-US" dirty="0"/>
+                    </a:p>
+                  </a:txBody>
+                  <a:tcPr/>
+                </a:tc>
+                <a:tc>
+                  <a:txBody>
+                    <a:bodyPr/>
+                    <a:lstStyle/>
+                    <a:p>
+                      <a:r>
+                        <a:rPr lang="en-US" dirty="0"/>
+                        <a:t>Datatype</a:t>
+                      </a:r>
+                    </a:p>
+                  </a:txBody>
+                  <a:tcPr/>
+                </a:tc>
+                <a:extLst>
+                  <a:ext uri="{0D108BD9-81ED-4DB2-BD59-A6C34878D82A}">
+                    <a16:rowId xmlns:a16="http://schemas.microsoft.com/office/drawing/2014/main" val="3664504374"/>
+                  </a:ext>
+                </a:extLst>
+              </a:tr>
+              <a:tr h="314960">
+                <a:tc>
+                  <a:txBody>
+                    <a:bodyPr/>
+                    <a:lstStyle/>
+                    <a:p>
+                      <a:r>
+                        <a:rPr lang="en-US" dirty="0"/>
+                        <a:t>DPID</a:t>
+                      </a:r>
+                    </a:p>
+                  </a:txBody>
+                  <a:tcPr/>
+                </a:tc>
+                <a:tc>
+                  <a:txBody>
+                    <a:bodyPr/>
+                    <a:lstStyle/>
+                    <a:p>
+                      <a:r>
+                        <a:rPr lang="en-US" dirty="0"/>
+                        <a:t>int(Primary)</a:t>
+                      </a:r>
+                    </a:p>
+                  </a:txBody>
+                  <a:tcPr/>
+                </a:tc>
+                <a:extLst>
+                  <a:ext uri="{0D108BD9-81ED-4DB2-BD59-A6C34878D82A}">
+                    <a16:rowId xmlns:a16="http://schemas.microsoft.com/office/drawing/2014/main" val="3491949966"/>
+                  </a:ext>
+                </a:extLst>
+              </a:tr>
+              <a:tr h="314960">
+                <a:tc>
+                  <a:txBody>
+                    <a:bodyPr/>
+                    <a:lstStyle/>
+                    <a:p>
+                      <a:pPr marL="0" marR="0" lvl="0" indent="0" algn="l" defTabSz="914400" rtl="0" eaLnBrk="1" fontAlgn="auto" latinLnBrk="0" hangingPunct="1">
+                        <a:lnSpc>
+                          <a:spcPct val="100000"/>
+                        </a:lnSpc>
+                        <a:spcBef>
+                          <a:spcPts val="0"/>
+                        </a:spcBef>
+                        <a:spcAft>
+                          <a:spcPts val="0"/>
+                        </a:spcAft>
+                        <a:buClrTx/>
+                        <a:buSzTx/>
+                        <a:buFontTx/>
+                        <a:buNone/>
+                        <a:tabLst/>
+                        <a:defRPr/>
+                      </a:pPr>
+                      <a:r>
+                        <a:rPr lang="en-US" dirty="0"/>
+                        <a:t>ULID</a:t>
+                      </a:r>
+                    </a:p>
+                  </a:txBody>
+                  <a:tcPr/>
+                </a:tc>
+                <a:tc>
+                  <a:txBody>
+                    <a:bodyPr/>
+                    <a:lstStyle/>
+                    <a:p>
+                      <a:pPr marL="0" marR="0" lvl="0" indent="0" algn="l" defTabSz="914400" rtl="0" eaLnBrk="1" fontAlgn="auto" latinLnBrk="0" hangingPunct="1">
+                        <a:lnSpc>
+                          <a:spcPct val="100000"/>
+                        </a:lnSpc>
+                        <a:spcBef>
+                          <a:spcPts val="0"/>
+                        </a:spcBef>
+                        <a:spcAft>
+                          <a:spcPts val="0"/>
+                        </a:spcAft>
+                        <a:buClrTx/>
+                        <a:buSzTx/>
+                        <a:buFontTx/>
+                        <a:buNone/>
+                        <a:tabLst/>
+                        <a:defRPr/>
+                      </a:pPr>
+                      <a:r>
+                        <a:rPr lang="en-US" dirty="0"/>
+                        <a:t>int(Foreign)</a:t>
+                      </a:r>
+                    </a:p>
+                  </a:txBody>
+                  <a:tcPr/>
+                </a:tc>
+                <a:extLst>
+                  <a:ext uri="{0D108BD9-81ED-4DB2-BD59-A6C34878D82A}">
+                    <a16:rowId xmlns:a16="http://schemas.microsoft.com/office/drawing/2014/main" val="2153004026"/>
+                  </a:ext>
+                </a:extLst>
+              </a:tr>
+            </a:tbl>
+          </a:graphicData>
+        </a:graphic>
+      </p:graphicFrame>
+      <p:graphicFrame>
+        <p:nvGraphicFramePr>
+          <p:cNvPr id="7" name="Table 6">
+            <a:extLst>
+              <a:ext uri="{FF2B5EF4-FFF2-40B4-BE49-F238E27FC236}">
+                <a16:creationId xmlns:a16="http://schemas.microsoft.com/office/drawing/2014/main" id="{17C948A0-06B8-458B-8130-3AC3166ABBC9}"/>
+              </a:ext>
+            </a:extLst>
+          </p:cNvPr>
+          <p:cNvGraphicFramePr>
+            <a:graphicFrameLocks noGrp="1"/>
+          </p:cNvGraphicFramePr>
+          <p:nvPr>
+            <p:extLst>
+              <p:ext uri="{D42A27DB-BD31-4B8C-83A1-F6EECF244321}">
+                <p14:modId xmlns:p14="http://schemas.microsoft.com/office/powerpoint/2010/main" val="2892789240"/>
+              </p:ext>
+            </p:extLst>
+          </p:nvPr>
+        </p:nvGraphicFramePr>
+        <p:xfrm>
+          <a:off x="5930900" y="2880370"/>
+          <a:ext cx="4514850" cy="1097280"/>
+        </p:xfrm>
+        <a:graphic>
+          <a:graphicData uri="http://schemas.openxmlformats.org/drawingml/2006/table">
+            <a:tbl>
+              <a:tblPr firstRow="1" bandRow="1">
+                <a:tableStyleId>{5C22544A-7EE6-4342-B048-85BDC9FD1C3A}</a:tableStyleId>
+              </a:tblPr>
+              <a:tblGrid>
+                <a:gridCol w="2257425">
+                  <a:extLst>
+                    <a:ext uri="{9D8B030D-6E8A-4147-A177-3AD203B41FA5}">
+                      <a16:colId xmlns:a16="http://schemas.microsoft.com/office/drawing/2014/main" val="3335927383"/>
+                    </a:ext>
+                  </a:extLst>
+                </a:gridCol>
+                <a:gridCol w="2257425">
+                  <a:extLst>
+                    <a:ext uri="{9D8B030D-6E8A-4147-A177-3AD203B41FA5}">
+                      <a16:colId xmlns:a16="http://schemas.microsoft.com/office/drawing/2014/main" val="2323929689"/>
+                    </a:ext>
+                  </a:extLst>
+                </a:gridCol>
+              </a:tblGrid>
+              <a:tr h="314960">
+                <a:tc>
+                  <a:txBody>
+                    <a:bodyPr/>
+                    <a:lstStyle/>
+                    <a:p>
+                      <a:r>
+                        <a:rPr lang="en-US" dirty="0" err="1"/>
+                        <a:t>lab_profile</a:t>
+                      </a:r>
+                      <a:endParaRPr lang="en-US" dirty="0"/>
+                    </a:p>
+                  </a:txBody>
+                  <a:tcPr/>
+                </a:tc>
+                <a:tc>
+                  <a:txBody>
+                    <a:bodyPr/>
+                    <a:lstStyle/>
+                    <a:p>
+                      <a:r>
+                        <a:rPr lang="en-US" dirty="0"/>
+                        <a:t>Datatype</a:t>
+                      </a:r>
+                    </a:p>
+                  </a:txBody>
+                  <a:tcPr/>
+                </a:tc>
+                <a:extLst>
+                  <a:ext uri="{0D108BD9-81ED-4DB2-BD59-A6C34878D82A}">
+                    <a16:rowId xmlns:a16="http://schemas.microsoft.com/office/drawing/2014/main" val="3664504374"/>
+                  </a:ext>
+                </a:extLst>
+              </a:tr>
+              <a:tr h="314960">
+                <a:tc>
+                  <a:txBody>
+                    <a:bodyPr/>
+                    <a:lstStyle/>
+                    <a:p>
+                      <a:r>
+                        <a:rPr lang="en-US" dirty="0"/>
+                        <a:t>LPID</a:t>
+                      </a:r>
+                    </a:p>
+                  </a:txBody>
+                  <a:tcPr/>
+                </a:tc>
+                <a:tc>
+                  <a:txBody>
+                    <a:bodyPr/>
+                    <a:lstStyle/>
+                    <a:p>
+                      <a:r>
+                        <a:rPr lang="en-US" dirty="0"/>
+                        <a:t>int(Primary)</a:t>
+                      </a:r>
+                    </a:p>
+                  </a:txBody>
+                  <a:tcPr/>
+                </a:tc>
+                <a:extLst>
+                  <a:ext uri="{0D108BD9-81ED-4DB2-BD59-A6C34878D82A}">
+                    <a16:rowId xmlns:a16="http://schemas.microsoft.com/office/drawing/2014/main" val="3491949966"/>
+                  </a:ext>
+                </a:extLst>
+              </a:tr>
+              <a:tr h="314960">
+                <a:tc>
+                  <a:txBody>
+                    <a:bodyPr/>
+                    <a:lstStyle/>
+                    <a:p>
+                      <a:pPr marL="0" marR="0" lvl="0" indent="0" algn="l" defTabSz="914400" rtl="0" eaLnBrk="1" fontAlgn="auto" latinLnBrk="0" hangingPunct="1">
+                        <a:lnSpc>
+                          <a:spcPct val="100000"/>
+                        </a:lnSpc>
+                        <a:spcBef>
+                          <a:spcPts val="0"/>
+                        </a:spcBef>
+                        <a:spcAft>
+                          <a:spcPts val="0"/>
+                        </a:spcAft>
+                        <a:buClrTx/>
+                        <a:buSzTx/>
+                        <a:buFontTx/>
+                        <a:buNone/>
+                        <a:tabLst/>
+                        <a:defRPr/>
+                      </a:pPr>
+                      <a:r>
+                        <a:rPr lang="en-US" dirty="0"/>
+                        <a:t>ULID</a:t>
+                      </a:r>
+                    </a:p>
+                  </a:txBody>
+                  <a:tcPr/>
+                </a:tc>
+                <a:tc>
+                  <a:txBody>
+                    <a:bodyPr/>
+                    <a:lstStyle/>
+                    <a:p>
+                      <a:pPr marL="0" marR="0" lvl="0" indent="0" algn="l" defTabSz="914400" rtl="0" eaLnBrk="1" fontAlgn="auto" latinLnBrk="0" hangingPunct="1">
+                        <a:lnSpc>
+                          <a:spcPct val="100000"/>
+                        </a:lnSpc>
+                        <a:spcBef>
+                          <a:spcPts val="0"/>
+                        </a:spcBef>
+                        <a:spcAft>
+                          <a:spcPts val="0"/>
+                        </a:spcAft>
+                        <a:buClrTx/>
+                        <a:buSzTx/>
+                        <a:buFontTx/>
+                        <a:buNone/>
+                        <a:tabLst/>
+                        <a:defRPr/>
+                      </a:pPr>
+                      <a:r>
+                        <a:rPr lang="en-US" dirty="0"/>
+                        <a:t>int(Foreign)</a:t>
+                      </a:r>
+                    </a:p>
+                  </a:txBody>
+                  <a:tcPr/>
+                </a:tc>
+                <a:extLst>
+                  <a:ext uri="{0D108BD9-81ED-4DB2-BD59-A6C34878D82A}">
+                    <a16:rowId xmlns:a16="http://schemas.microsoft.com/office/drawing/2014/main" val="2153004026"/>
+                  </a:ext>
+                </a:extLst>
+              </a:tr>
+            </a:tbl>
+          </a:graphicData>
+        </a:graphic>
+      </p:graphicFrame>
+      <p:graphicFrame>
+        <p:nvGraphicFramePr>
+          <p:cNvPr id="8" name="Table 6">
+            <a:extLst>
+              <a:ext uri="{FF2B5EF4-FFF2-40B4-BE49-F238E27FC236}">
+                <a16:creationId xmlns:a16="http://schemas.microsoft.com/office/drawing/2014/main" id="{CCF04872-9364-4AE5-B476-D0843BA3BF98}"/>
+              </a:ext>
+            </a:extLst>
+          </p:cNvPr>
+          <p:cNvGraphicFramePr>
+            <a:graphicFrameLocks noGrp="1"/>
+          </p:cNvGraphicFramePr>
+          <p:nvPr>
+            <p:extLst>
+              <p:ext uri="{D42A27DB-BD31-4B8C-83A1-F6EECF244321}">
+                <p14:modId xmlns:p14="http://schemas.microsoft.com/office/powerpoint/2010/main" val="4121165251"/>
+              </p:ext>
+            </p:extLst>
+          </p:nvPr>
+        </p:nvGraphicFramePr>
+        <p:xfrm>
+          <a:off x="5930900" y="4207504"/>
+          <a:ext cx="4514850" cy="1097280"/>
+        </p:xfrm>
+        <a:graphic>
+          <a:graphicData uri="http://schemas.openxmlformats.org/drawingml/2006/table">
+            <a:tbl>
+              <a:tblPr firstRow="1" bandRow="1">
+                <a:tableStyleId>{5C22544A-7EE6-4342-B048-85BDC9FD1C3A}</a:tableStyleId>
+              </a:tblPr>
+              <a:tblGrid>
+                <a:gridCol w="2257425">
+                  <a:extLst>
+                    <a:ext uri="{9D8B030D-6E8A-4147-A177-3AD203B41FA5}">
+                      <a16:colId xmlns:a16="http://schemas.microsoft.com/office/drawing/2014/main" val="3335927383"/>
+                    </a:ext>
+                  </a:extLst>
+                </a:gridCol>
+                <a:gridCol w="2257425">
+                  <a:extLst>
+                    <a:ext uri="{9D8B030D-6E8A-4147-A177-3AD203B41FA5}">
+                      <a16:colId xmlns:a16="http://schemas.microsoft.com/office/drawing/2014/main" val="2323929689"/>
+                    </a:ext>
+                  </a:extLst>
+                </a:gridCol>
+              </a:tblGrid>
+              <a:tr h="314960">
+                <a:tc>
+                  <a:txBody>
+                    <a:bodyPr/>
+                    <a:lstStyle/>
+                    <a:p>
+                      <a:r>
+                        <a:rPr lang="en-US" dirty="0" err="1"/>
+                        <a:t>employee_profile</a:t>
+                      </a:r>
+                      <a:endParaRPr lang="en-US" dirty="0"/>
+                    </a:p>
+                  </a:txBody>
+                  <a:tcPr/>
+                </a:tc>
+                <a:tc>
+                  <a:txBody>
+                    <a:bodyPr/>
+                    <a:lstStyle/>
+                    <a:p>
+                      <a:r>
+                        <a:rPr lang="en-US" dirty="0"/>
+                        <a:t>Datatype</a:t>
+                      </a:r>
+                    </a:p>
+                  </a:txBody>
+                  <a:tcPr/>
+                </a:tc>
+                <a:extLst>
+                  <a:ext uri="{0D108BD9-81ED-4DB2-BD59-A6C34878D82A}">
+                    <a16:rowId xmlns:a16="http://schemas.microsoft.com/office/drawing/2014/main" val="3664504374"/>
+                  </a:ext>
+                </a:extLst>
+              </a:tr>
+              <a:tr h="314960">
+                <a:tc>
+                  <a:txBody>
+                    <a:bodyPr/>
+                    <a:lstStyle/>
+                    <a:p>
+                      <a:r>
+                        <a:rPr lang="en-US" dirty="0"/>
+                        <a:t>EPID</a:t>
+                      </a:r>
+                    </a:p>
+                  </a:txBody>
+                  <a:tcPr/>
+                </a:tc>
+                <a:tc>
+                  <a:txBody>
+                    <a:bodyPr/>
+                    <a:lstStyle/>
+                    <a:p>
+                      <a:r>
+                        <a:rPr lang="en-US" dirty="0"/>
+                        <a:t>int(Primary)</a:t>
+                      </a:r>
+                    </a:p>
+                  </a:txBody>
+                  <a:tcPr/>
+                </a:tc>
+                <a:extLst>
+                  <a:ext uri="{0D108BD9-81ED-4DB2-BD59-A6C34878D82A}">
+                    <a16:rowId xmlns:a16="http://schemas.microsoft.com/office/drawing/2014/main" val="3491949966"/>
+                  </a:ext>
+                </a:extLst>
+              </a:tr>
+              <a:tr h="314960">
+                <a:tc>
+                  <a:txBody>
+                    <a:bodyPr/>
+                    <a:lstStyle/>
+                    <a:p>
+                      <a:r>
+                        <a:rPr lang="en-US" dirty="0"/>
+                        <a:t>ULID</a:t>
+                      </a:r>
+                    </a:p>
+                  </a:txBody>
+                  <a:tcPr/>
+                </a:tc>
+                <a:tc>
+                  <a:txBody>
+                    <a:bodyPr/>
+                    <a:lstStyle/>
+                    <a:p>
+                      <a:r>
+                        <a:rPr lang="en-US" dirty="0"/>
+                        <a:t>int(Foreign)</a:t>
+                      </a:r>
+                    </a:p>
+                  </a:txBody>
+                  <a:tcPr/>
+                </a:tc>
+                <a:extLst>
+                  <a:ext uri="{0D108BD9-81ED-4DB2-BD59-A6C34878D82A}">
+                    <a16:rowId xmlns:a16="http://schemas.microsoft.com/office/drawing/2014/main" val="2153004026"/>
+                  </a:ext>
+                </a:extLst>
+              </a:tr>
+            </a:tbl>
+          </a:graphicData>
+        </a:graphic>
+      </p:graphicFrame>
+      <p:graphicFrame>
+        <p:nvGraphicFramePr>
+          <p:cNvPr id="9" name="Table 5">
+            <a:extLst>
+              <a:ext uri="{FF2B5EF4-FFF2-40B4-BE49-F238E27FC236}">
+                <a16:creationId xmlns:a16="http://schemas.microsoft.com/office/drawing/2014/main" id="{69BFE2D6-C326-41EA-808C-421BBD1DA751}"/>
+              </a:ext>
+            </a:extLst>
+          </p:cNvPr>
+          <p:cNvGraphicFramePr>
+            <a:graphicFrameLocks noGrp="1"/>
+          </p:cNvGraphicFramePr>
+          <p:nvPr>
+            <p:extLst>
+              <p:ext uri="{D42A27DB-BD31-4B8C-83A1-F6EECF244321}">
+                <p14:modId xmlns:p14="http://schemas.microsoft.com/office/powerpoint/2010/main" val="1548784349"/>
+              </p:ext>
+            </p:extLst>
+          </p:nvPr>
+        </p:nvGraphicFramePr>
+        <p:xfrm>
+          <a:off x="5930900" y="5534639"/>
+          <a:ext cx="4514850" cy="1097280"/>
+        </p:xfrm>
+        <a:graphic>
+          <a:graphicData uri="http://schemas.openxmlformats.org/drawingml/2006/table">
+            <a:tbl>
+              <a:tblPr firstRow="1" bandRow="1">
+                <a:tableStyleId>{5C22544A-7EE6-4342-B048-85BDC9FD1C3A}</a:tableStyleId>
+              </a:tblPr>
+              <a:tblGrid>
+                <a:gridCol w="2257425">
+                  <a:extLst>
+                    <a:ext uri="{9D8B030D-6E8A-4147-A177-3AD203B41FA5}">
+                      <a16:colId xmlns:a16="http://schemas.microsoft.com/office/drawing/2014/main" val="1377583130"/>
+                    </a:ext>
+                  </a:extLst>
+                </a:gridCol>
+                <a:gridCol w="2257425">
+                  <a:extLst>
+                    <a:ext uri="{9D8B030D-6E8A-4147-A177-3AD203B41FA5}">
+                      <a16:colId xmlns:a16="http://schemas.microsoft.com/office/drawing/2014/main" val="1588082863"/>
+                    </a:ext>
+                  </a:extLst>
+                </a:gridCol>
+              </a:tblGrid>
+              <a:tr h="345871">
+                <a:tc>
+                  <a:txBody>
+                    <a:bodyPr/>
+                    <a:lstStyle/>
+                    <a:p>
+                      <a:r>
+                        <a:rPr lang="en-US" dirty="0" err="1"/>
+                        <a:t>patient_profile</a:t>
+                      </a:r>
+                      <a:endParaRPr lang="en-US" dirty="0"/>
+                    </a:p>
+                  </a:txBody>
+                  <a:tcPr/>
+                </a:tc>
+                <a:tc>
+                  <a:txBody>
+                    <a:bodyPr/>
+                    <a:lstStyle/>
+                    <a:p>
+                      <a:r>
+                        <a:rPr lang="en-US" dirty="0"/>
+                        <a:t>Datatype</a:t>
+                      </a:r>
+                    </a:p>
+                  </a:txBody>
+                  <a:tcPr/>
+                </a:tc>
+                <a:extLst>
+                  <a:ext uri="{0D108BD9-81ED-4DB2-BD59-A6C34878D82A}">
+                    <a16:rowId xmlns:a16="http://schemas.microsoft.com/office/drawing/2014/main" val="3665414442"/>
+                  </a:ext>
+                </a:extLst>
+              </a:tr>
+              <a:tr h="345871">
+                <a:tc>
+                  <a:txBody>
+                    <a:bodyPr/>
+                    <a:lstStyle/>
+                    <a:p>
+                      <a:r>
+                        <a:rPr lang="en-US" dirty="0"/>
+                        <a:t>PPID</a:t>
+                      </a:r>
+                    </a:p>
+                  </a:txBody>
+                  <a:tcPr/>
+                </a:tc>
+                <a:tc>
+                  <a:txBody>
+                    <a:bodyPr/>
+                    <a:lstStyle/>
+                    <a:p>
+                      <a:r>
+                        <a:rPr lang="en-US" dirty="0"/>
+                        <a:t>int(Primary)</a:t>
+                      </a:r>
+                    </a:p>
+                  </a:txBody>
+                  <a:tcPr/>
+                </a:tc>
+                <a:extLst>
+                  <a:ext uri="{0D108BD9-81ED-4DB2-BD59-A6C34878D82A}">
+                    <a16:rowId xmlns:a16="http://schemas.microsoft.com/office/drawing/2014/main" val="200518"/>
+                  </a:ext>
+                </a:extLst>
+              </a:tr>
+              <a:tr h="345871">
+                <a:tc>
+                  <a:txBody>
+                    <a:bodyPr/>
+                    <a:lstStyle/>
+                    <a:p>
+                      <a:r>
+                        <a:rPr lang="en-US" dirty="0"/>
+                        <a:t>ULID</a:t>
+                      </a:r>
+                    </a:p>
+                  </a:txBody>
+                  <a:tcPr/>
+                </a:tc>
+                <a:tc>
+                  <a:txBody>
+                    <a:bodyPr/>
+                    <a:lstStyle/>
+                    <a:p>
+                      <a:r>
+                        <a:rPr lang="en-US" dirty="0"/>
+                        <a:t>int(Foreign)</a:t>
+                      </a:r>
+                    </a:p>
+                  </a:txBody>
+                  <a:tcPr/>
+                </a:tc>
+                <a:extLst>
+                  <a:ext uri="{0D108BD9-81ED-4DB2-BD59-A6C34878D82A}">
+                    <a16:rowId xmlns:a16="http://schemas.microsoft.com/office/drawing/2014/main" val="1326051876"/>
+                  </a:ext>
+                </a:extLst>
+              </a:tr>
+            </a:tbl>
+          </a:graphicData>
+        </a:graphic>
+      </p:graphicFrame>
+      <p:graphicFrame>
+        <p:nvGraphicFramePr>
+          <p:cNvPr id="10" name="Table 5">
+            <a:extLst>
+              <a:ext uri="{FF2B5EF4-FFF2-40B4-BE49-F238E27FC236}">
+                <a16:creationId xmlns:a16="http://schemas.microsoft.com/office/drawing/2014/main" id="{DB8AFA59-E763-4A14-95B9-DD6C010F6D7D}"/>
+              </a:ext>
+            </a:extLst>
+          </p:cNvPr>
+          <p:cNvGraphicFramePr>
+            <a:graphicFrameLocks noGrp="1"/>
+          </p:cNvGraphicFramePr>
+          <p:nvPr>
+            <p:extLst>
+              <p:ext uri="{D42A27DB-BD31-4B8C-83A1-F6EECF244321}">
+                <p14:modId xmlns:p14="http://schemas.microsoft.com/office/powerpoint/2010/main" val="4192257221"/>
+              </p:ext>
+            </p:extLst>
+          </p:nvPr>
+        </p:nvGraphicFramePr>
+        <p:xfrm>
+          <a:off x="277082" y="156583"/>
+          <a:ext cx="3075718" cy="2243717"/>
+        </p:xfrm>
+        <a:graphic>
+          <a:graphicData uri="http://schemas.openxmlformats.org/drawingml/2006/table">
+            <a:tbl>
+              <a:tblPr firstRow="1" bandRow="1">
+                <a:tableStyleId>{5C22544A-7EE6-4342-B048-85BDC9FD1C3A}</a:tableStyleId>
+              </a:tblPr>
+              <a:tblGrid>
+                <a:gridCol w="1537859">
+                  <a:extLst>
+                    <a:ext uri="{9D8B030D-6E8A-4147-A177-3AD203B41FA5}">
+                      <a16:colId xmlns:a16="http://schemas.microsoft.com/office/drawing/2014/main" val="624646341"/>
+                    </a:ext>
+                  </a:extLst>
+                </a:gridCol>
+                <a:gridCol w="1537859">
+                  <a:extLst>
+                    <a:ext uri="{9D8B030D-6E8A-4147-A177-3AD203B41FA5}">
+                      <a16:colId xmlns:a16="http://schemas.microsoft.com/office/drawing/2014/main" val="975009246"/>
+                    </a:ext>
+                  </a:extLst>
+                </a:gridCol>
+              </a:tblGrid>
+              <a:tr h="379631">
+                <a:tc>
+                  <a:txBody>
+                    <a:bodyPr/>
+                    <a:lstStyle/>
+                    <a:p>
+                      <a:r>
+                        <a:rPr lang="en-US" dirty="0" err="1"/>
+                        <a:t>user_login</a:t>
+                      </a:r>
+                      <a:endParaRPr lang="en-US" dirty="0"/>
+                    </a:p>
+                  </a:txBody>
+                  <a:tcPr/>
+                </a:tc>
+                <a:tc>
+                  <a:txBody>
+                    <a:bodyPr/>
+                    <a:lstStyle/>
+                    <a:p>
+                      <a:r>
+                        <a:rPr lang="en-US" dirty="0"/>
+                        <a:t>Datatype</a:t>
+                      </a:r>
+                    </a:p>
+                  </a:txBody>
+                  <a:tcPr/>
+                </a:tc>
+                <a:extLst>
+                  <a:ext uri="{0D108BD9-81ED-4DB2-BD59-A6C34878D82A}">
+                    <a16:rowId xmlns:a16="http://schemas.microsoft.com/office/drawing/2014/main" val="3282780898"/>
+                  </a:ext>
+                </a:extLst>
+              </a:tr>
+              <a:tr h="621362">
+                <a:tc>
+                  <a:txBody>
+                    <a:bodyPr/>
+                    <a:lstStyle/>
+                    <a:p>
+                      <a:r>
+                        <a:rPr lang="en-US" dirty="0"/>
+                        <a:t>ULID</a:t>
+                      </a:r>
+                    </a:p>
+                  </a:txBody>
+                  <a:tcPr/>
+                </a:tc>
+                <a:tc>
+                  <a:txBody>
+                    <a:bodyPr/>
+                    <a:lstStyle/>
+                    <a:p>
+                      <a:r>
+                        <a:rPr lang="en-US" dirty="0"/>
+                        <a:t>int(Primary)</a:t>
+                      </a:r>
+                    </a:p>
+                  </a:txBody>
+                  <a:tcPr/>
+                </a:tc>
+                <a:extLst>
+                  <a:ext uri="{0D108BD9-81ED-4DB2-BD59-A6C34878D82A}">
+                    <a16:rowId xmlns:a16="http://schemas.microsoft.com/office/drawing/2014/main" val="82321383"/>
+                  </a:ext>
+                </a:extLst>
+              </a:tr>
+              <a:tr h="621362">
+                <a:tc>
+                  <a:txBody>
+                    <a:bodyPr/>
+                    <a:lstStyle/>
+                    <a:p>
+                      <a:r>
+                        <a:rPr lang="en-US" dirty="0"/>
+                        <a:t>username</a:t>
+                      </a:r>
+                    </a:p>
+                  </a:txBody>
+                  <a:tcPr/>
+                </a:tc>
+                <a:tc>
+                  <a:txBody>
+                    <a:bodyPr/>
+                    <a:lstStyle/>
+                    <a:p>
+                      <a:r>
+                        <a:rPr lang="en-US" dirty="0"/>
+                        <a:t>varchar(25)</a:t>
+                      </a:r>
+                    </a:p>
+                  </a:txBody>
+                  <a:tcPr/>
+                </a:tc>
+                <a:extLst>
+                  <a:ext uri="{0D108BD9-81ED-4DB2-BD59-A6C34878D82A}">
+                    <a16:rowId xmlns:a16="http://schemas.microsoft.com/office/drawing/2014/main" val="1883136544"/>
+                  </a:ext>
+                </a:extLst>
+              </a:tr>
+              <a:tr h="621362">
+                <a:tc>
+                  <a:txBody>
+                    <a:bodyPr/>
+                    <a:lstStyle/>
+                    <a:p>
+                      <a:r>
+                        <a:rPr lang="en-US" dirty="0"/>
+                        <a:t>password</a:t>
+                      </a:r>
+                    </a:p>
+                  </a:txBody>
+                  <a:tcPr/>
+                </a:tc>
+                <a:tc>
+                  <a:txBody>
+                    <a:bodyPr/>
+                    <a:lstStyle/>
+                    <a:p>
+                      <a:r>
+                        <a:rPr lang="en-US" dirty="0"/>
+                        <a:t>varchar(25)</a:t>
+                      </a:r>
+                    </a:p>
+                  </a:txBody>
+                  <a:tcPr/>
+                </a:tc>
+                <a:extLst>
+                  <a:ext uri="{0D108BD9-81ED-4DB2-BD59-A6C34878D82A}">
+                    <a16:rowId xmlns:a16="http://schemas.microsoft.com/office/drawing/2014/main" val="2327483014"/>
+                  </a:ext>
+                </a:extLst>
+              </a:tr>
+            </a:tbl>
+          </a:graphicData>
+        </a:graphic>
+      </p:graphicFrame>
+    </p:spTree>
+    <p:extLst>
+      <p:ext uri="{BB962C8B-B14F-4D97-AF65-F5344CB8AC3E}">
+        <p14:creationId xmlns:p14="http://schemas.microsoft.com/office/powerpoint/2010/main" val="2705931009"/>
+      </p:ext>
+    </p:extLst>
+  </p:cSld>
+  <p:clrMapOvr>
+    <a:masterClrMapping/>
+  </p:clrMapOvr>
+</p:sld>
+</file>
+
+<file path=ppt/slides/slide2.xml><?xml version="1.0" encoding="utf-8"?>
+<p:sld xmlns:a="http://schemas.openxmlformats.org/drawingml/2006/main" xmlns:r="http://schemas.openxmlformats.org/officeDocument/2006/relationships" xmlns:p="http://schemas.openxmlformats.org/presentationml/2006/main">
+  <p:cSld>
+    <p:spTree>
+      <p:nvGrpSpPr>
+        <p:cNvPr id="1" name=""/>
+        <p:cNvGrpSpPr/>
+        <p:nvPr/>
+      </p:nvGrpSpPr>
+      <p:grpSpPr>
+        <a:xfrm>
+          <a:off x="0" y="0"/>
+          <a:ext cx="0" cy="0"/>
+          <a:chOff x="0" y="0"/>
+          <a:chExt cx="0" cy="0"/>
+        </a:xfrm>
+      </p:grpSpPr>
+      <p:graphicFrame>
+        <p:nvGraphicFramePr>
+          <p:cNvPr id="5" name="Table 5">
+            <a:extLst>
+              <a:ext uri="{FF2B5EF4-FFF2-40B4-BE49-F238E27FC236}">
+                <a16:creationId xmlns:a16="http://schemas.microsoft.com/office/drawing/2014/main" id="{69983094-636F-4BF8-A382-2E2AB43BC3B2}"/>
+              </a:ext>
+            </a:extLst>
+          </p:cNvPr>
+          <p:cNvGraphicFramePr>
+            <a:graphicFrameLocks noGrp="1"/>
+          </p:cNvGraphicFramePr>
+          <p:nvPr>
+            <p:extLst>
+              <p:ext uri="{D42A27DB-BD31-4B8C-83A1-F6EECF244321}">
+                <p14:modId xmlns:p14="http://schemas.microsoft.com/office/powerpoint/2010/main" val="164211191"/>
               </p:ext>
             </p:extLst>
           </p:nvPr>
@@ -3777,14 +5162,14 @@
           <p:nvPr>
             <p:extLst>
               <p:ext uri="{D42A27DB-BD31-4B8C-83A1-F6EECF244321}">
-                <p14:modId xmlns:p14="http://schemas.microsoft.com/office/powerpoint/2010/main" val="4199150480"/>
+                <p14:modId xmlns:p14="http://schemas.microsoft.com/office/powerpoint/2010/main" val="2875692079"/>
               </p:ext>
             </p:extLst>
           </p:nvPr>
         </p:nvGraphicFramePr>
         <p:xfrm>
-          <a:off x="1195290" y="3426060"/>
-          <a:ext cx="5678846" cy="2926080"/>
+          <a:off x="181832" y="2832170"/>
+          <a:ext cx="4109704" cy="2926080"/>
         </p:xfrm>
         <a:graphic>
           <a:graphicData uri="http://schemas.openxmlformats.org/drawingml/2006/table">
@@ -3793,14 +5178,14 @@
                 <a:tableStyleId>{5C22544A-7EE6-4342-B048-85BDC9FD1C3A}</a:tableStyleId>
               </a:tblPr>
               <a:tblGrid>
-                <a:gridCol w="2839423">
+                <a:gridCol w="2054852">
                   <a:extLst>
                     <a:ext uri="{9D8B030D-6E8A-4147-A177-3AD203B41FA5}">
                       <a16:colId xmlns:a16="http://schemas.microsoft.com/office/drawing/2014/main" val="3269262259"/>
                     </a:ext>
                   </a:extLst>
                 </a:gridCol>
-                <a:gridCol w="2839423">
+                <a:gridCol w="2054852">
                   <a:extLst>
                     <a:ext uri="{9D8B030D-6E8A-4147-A177-3AD203B41FA5}">
                       <a16:colId xmlns:a16="http://schemas.microsoft.com/office/drawing/2014/main" val="524848927"/>
@@ -3808,7 +5193,7 @@
                   </a:extLst>
                 </a:gridCol>
               </a:tblGrid>
-              <a:tr h="345926">
+              <a:tr h="311424">
                 <a:tc>
                   <a:txBody>
                     <a:bodyPr/>
@@ -3842,7 +5227,7 @@
                   </a:ext>
                 </a:extLst>
               </a:tr>
-              <a:tr h="345926">
+              <a:tr h="311424">
                 <a:tc>
                   <a:txBody>
                     <a:bodyPr/>
@@ -3875,7 +5260,7 @@
                   </a:ext>
                 </a:extLst>
               </a:tr>
-              <a:tr h="345926">
+              <a:tr h="311424">
                 <a:tc>
                   <a:txBody>
                     <a:bodyPr/>
@@ -3908,7 +5293,7 @@
                   </a:ext>
                 </a:extLst>
               </a:tr>
-              <a:tr h="345926">
+              <a:tr h="311424">
                 <a:tc>
                   <a:txBody>
                     <a:bodyPr/>
@@ -3942,7 +5327,7 @@
                   </a:ext>
                 </a:extLst>
               </a:tr>
-              <a:tr h="345926">
+              <a:tr h="311424">
                 <a:tc>
                   <a:txBody>
                     <a:bodyPr/>
@@ -3976,7 +5361,7 @@
                   </a:ext>
                 </a:extLst>
               </a:tr>
-              <a:tr h="345926">
+              <a:tr h="311424">
                 <a:tc>
                   <a:txBody>
                     <a:bodyPr/>
@@ -4010,7 +5395,7 @@
                   </a:ext>
                 </a:extLst>
               </a:tr>
-              <a:tr h="345926">
+              <a:tr h="311424">
                 <a:tc>
                   <a:txBody>
                     <a:bodyPr/>
@@ -4044,357 +5429,7 @@
                   </a:ext>
                 </a:extLst>
               </a:tr>
-              <a:tr h="345926">
-                <a:tc>
-                  <a:txBody>
-                    <a:bodyPr/>
-                    <a:lstStyle/>
-                    <a:p>
-                      <a:r>
-                        <a:rPr lang="en-US" dirty="0" err="1"/>
-                        <a:t>is_patient</a:t>
-                      </a:r>
-                      <a:endParaRPr lang="en-US" dirty="0"/>
-                    </a:p>
-                  </a:txBody>
-                  <a:tcPr/>
-                </a:tc>
-                <a:tc>
-                  <a:txBody>
-                    <a:bodyPr/>
-                    <a:lstStyle/>
-                    <a:p>
-                      <a:r>
-                        <a:rPr lang="en-US" dirty="0"/>
-                        <a:t>int(1)</a:t>
-                      </a:r>
-                    </a:p>
-                  </a:txBody>
-                  <a:tcPr/>
-                </a:tc>
-                <a:extLst>
-                  <a:ext uri="{0D108BD9-81ED-4DB2-BD59-A6C34878D82A}">
-                    <a16:rowId xmlns:a16="http://schemas.microsoft.com/office/drawing/2014/main" val="2211955209"/>
-                  </a:ext>
-                </a:extLst>
-              </a:tr>
-            </a:tbl>
-          </a:graphicData>
-        </a:graphic>
-      </p:graphicFrame>
-    </p:spTree>
-    <p:extLst>
-      <p:ext uri="{BB962C8B-B14F-4D97-AF65-F5344CB8AC3E}">
-        <p14:creationId xmlns:p14="http://schemas.microsoft.com/office/powerpoint/2010/main" val="2674089438"/>
-      </p:ext>
-    </p:extLst>
-  </p:cSld>
-  <p:clrMapOvr>
-    <a:masterClrMapping/>
-  </p:clrMapOvr>
-</p:sld>
-</file>
-
-<file path=ppt/slides/slide2.xml><?xml version="1.0" encoding="utf-8"?>
-<p:sld xmlns:a="http://schemas.openxmlformats.org/drawingml/2006/main" xmlns:r="http://schemas.openxmlformats.org/officeDocument/2006/relationships" xmlns:p="http://schemas.openxmlformats.org/presentationml/2006/main">
-  <p:cSld>
-    <p:spTree>
-      <p:nvGrpSpPr>
-        <p:cNvPr id="1" name=""/>
-        <p:cNvGrpSpPr/>
-        <p:nvPr/>
-      </p:nvGrpSpPr>
-      <p:grpSpPr>
-        <a:xfrm>
-          <a:off x="0" y="0"/>
-          <a:ext cx="0" cy="0"/>
-          <a:chOff x="0" y="0"/>
-          <a:chExt cx="0" cy="0"/>
-        </a:xfrm>
-      </p:grpSpPr>
-      <p:graphicFrame>
-        <p:nvGraphicFramePr>
-          <p:cNvPr id="4" name="Table 7">
-            <a:extLst>
-              <a:ext uri="{FF2B5EF4-FFF2-40B4-BE49-F238E27FC236}">
-                <a16:creationId xmlns:a16="http://schemas.microsoft.com/office/drawing/2014/main" id="{99381A0B-82C7-4AB2-942D-B4725FC2259E}"/>
-              </a:ext>
-            </a:extLst>
-          </p:cNvPr>
-          <p:cNvGraphicFramePr>
-            <a:graphicFrameLocks noGrp="1"/>
-          </p:cNvGraphicFramePr>
-          <p:nvPr>
-            <p:extLst>
-              <p:ext uri="{D42A27DB-BD31-4B8C-83A1-F6EECF244321}">
-                <p14:modId xmlns:p14="http://schemas.microsoft.com/office/powerpoint/2010/main" val="2892828703"/>
-              </p:ext>
-            </p:extLst>
-          </p:nvPr>
-        </p:nvGraphicFramePr>
-        <p:xfrm>
-          <a:off x="261840" y="2943460"/>
-          <a:ext cx="5002310" cy="2926080"/>
-        </p:xfrm>
-        <a:graphic>
-          <a:graphicData uri="http://schemas.openxmlformats.org/drawingml/2006/table">
-            <a:tbl>
-              <a:tblPr firstRow="1" bandRow="1">
-                <a:tableStyleId>{5C22544A-7EE6-4342-B048-85BDC9FD1C3A}</a:tableStyleId>
-              </a:tblPr>
-              <a:tblGrid>
-                <a:gridCol w="2501155">
-                  <a:extLst>
-                    <a:ext uri="{9D8B030D-6E8A-4147-A177-3AD203B41FA5}">
-                      <a16:colId xmlns:a16="http://schemas.microsoft.com/office/drawing/2014/main" val="3269262259"/>
-                    </a:ext>
-                  </a:extLst>
-                </a:gridCol>
-                <a:gridCol w="2501155">
-                  <a:extLst>
-                    <a:ext uri="{9D8B030D-6E8A-4147-A177-3AD203B41FA5}">
-                      <a16:colId xmlns:a16="http://schemas.microsoft.com/office/drawing/2014/main" val="524848927"/>
-                    </a:ext>
-                  </a:extLst>
-                </a:gridCol>
-              </a:tblGrid>
-              <a:tr h="363905">
-                <a:tc>
-                  <a:txBody>
-                    <a:bodyPr/>
-                    <a:lstStyle/>
-                    <a:p>
-                      <a:r>
-                        <a:rPr lang="en-US" dirty="0" err="1"/>
-                        <a:t>user_permission</a:t>
-                      </a:r>
-                      <a:endParaRPr lang="en-US" dirty="0"/>
-                    </a:p>
-                  </a:txBody>
-                  <a:tcPr/>
-                </a:tc>
-                <a:tc>
-                  <a:txBody>
-                    <a:bodyPr/>
-                    <a:lstStyle/>
-                    <a:p>
-                      <a:r>
-                        <a:rPr lang="en-US" dirty="0"/>
-                        <a:t>Datatype</a:t>
-                      </a:r>
-                    </a:p>
-                  </a:txBody>
-                  <a:tcPr/>
-                </a:tc>
-                <a:extLst>
-                  <a:ext uri="{0D108BD9-81ED-4DB2-BD59-A6C34878D82A}">
-                    <a16:rowId xmlns:a16="http://schemas.microsoft.com/office/drawing/2014/main" val="4051490614"/>
-                  </a:ext>
-                </a:extLst>
-              </a:tr>
-              <a:tr h="363905">
-                <a:tc>
-                  <a:txBody>
-                    <a:bodyPr/>
-                    <a:lstStyle/>
-                    <a:p>
-                      <a:r>
-                        <a:rPr lang="en-US" dirty="0"/>
-                        <a:t>UPEID</a:t>
-                      </a:r>
-                    </a:p>
-                  </a:txBody>
-                  <a:tcPr/>
-                </a:tc>
-                <a:tc>
-                  <a:txBody>
-                    <a:bodyPr/>
-                    <a:lstStyle/>
-                    <a:p>
-                      <a:r>
-                        <a:rPr lang="en-US" dirty="0"/>
-                        <a:t>int(Primary)</a:t>
-                      </a:r>
-                    </a:p>
-                  </a:txBody>
-                  <a:tcPr/>
-                </a:tc>
-                <a:extLst>
-                  <a:ext uri="{0D108BD9-81ED-4DB2-BD59-A6C34878D82A}">
-                    <a16:rowId xmlns:a16="http://schemas.microsoft.com/office/drawing/2014/main" val="3265774538"/>
-                  </a:ext>
-                </a:extLst>
-              </a:tr>
-              <a:tr h="363905">
-                <a:tc>
-                  <a:txBody>
-                    <a:bodyPr/>
-                    <a:lstStyle/>
-                    <a:p>
-                      <a:r>
-                        <a:rPr lang="en-US" dirty="0"/>
-                        <a:t>ULID</a:t>
-                      </a:r>
-                    </a:p>
-                  </a:txBody>
-                  <a:tcPr/>
-                </a:tc>
-                <a:tc>
-                  <a:txBody>
-                    <a:bodyPr/>
-                    <a:lstStyle/>
-                    <a:p>
-                      <a:r>
-                        <a:rPr lang="en-US" dirty="0"/>
-                        <a:t>int(Foreign)</a:t>
-                      </a:r>
-                    </a:p>
-                  </a:txBody>
-                  <a:tcPr/>
-                </a:tc>
-                <a:extLst>
-                  <a:ext uri="{0D108BD9-81ED-4DB2-BD59-A6C34878D82A}">
-                    <a16:rowId xmlns:a16="http://schemas.microsoft.com/office/drawing/2014/main" val="2903585701"/>
-                  </a:ext>
-                </a:extLst>
-              </a:tr>
-              <a:tr h="363905">
-                <a:tc>
-                  <a:txBody>
-                    <a:bodyPr/>
-                    <a:lstStyle/>
-                    <a:p>
-                      <a:r>
-                        <a:rPr lang="en-US" dirty="0" err="1"/>
-                        <a:t>is_admin</a:t>
-                      </a:r>
-                      <a:endParaRPr lang="en-US" dirty="0"/>
-                    </a:p>
-                  </a:txBody>
-                  <a:tcPr/>
-                </a:tc>
-                <a:tc>
-                  <a:txBody>
-                    <a:bodyPr/>
-                    <a:lstStyle/>
-                    <a:p>
-                      <a:r>
-                        <a:rPr lang="en-US" dirty="0"/>
-                        <a:t>int(1)</a:t>
-                      </a:r>
-                    </a:p>
-                  </a:txBody>
-                  <a:tcPr/>
-                </a:tc>
-                <a:extLst>
-                  <a:ext uri="{0D108BD9-81ED-4DB2-BD59-A6C34878D82A}">
-                    <a16:rowId xmlns:a16="http://schemas.microsoft.com/office/drawing/2014/main" val="783140639"/>
-                  </a:ext>
-                </a:extLst>
-              </a:tr>
-              <a:tr h="363905">
-                <a:tc>
-                  <a:txBody>
-                    <a:bodyPr/>
-                    <a:lstStyle/>
-                    <a:p>
-                      <a:r>
-                        <a:rPr lang="en-US" dirty="0" err="1"/>
-                        <a:t>is_doctor</a:t>
-                      </a:r>
-                      <a:endParaRPr lang="en-US" dirty="0"/>
-                    </a:p>
-                  </a:txBody>
-                  <a:tcPr/>
-                </a:tc>
-                <a:tc>
-                  <a:txBody>
-                    <a:bodyPr/>
-                    <a:lstStyle/>
-                    <a:p>
-                      <a:r>
-                        <a:rPr lang="en-US" dirty="0"/>
-                        <a:t>int(1)</a:t>
-                      </a:r>
-                    </a:p>
-                  </a:txBody>
-                  <a:tcPr/>
-                </a:tc>
-                <a:extLst>
-                  <a:ext uri="{0D108BD9-81ED-4DB2-BD59-A6C34878D82A}">
-                    <a16:rowId xmlns:a16="http://schemas.microsoft.com/office/drawing/2014/main" val="3854957838"/>
-                  </a:ext>
-                </a:extLst>
-              </a:tr>
-              <a:tr h="363905">
-                <a:tc>
-                  <a:txBody>
-                    <a:bodyPr/>
-                    <a:lstStyle/>
-                    <a:p>
-                      <a:r>
-                        <a:rPr lang="en-US" dirty="0" err="1"/>
-                        <a:t>is_vendor</a:t>
-                      </a:r>
-                      <a:endParaRPr lang="en-US" dirty="0"/>
-                    </a:p>
-                  </a:txBody>
-                  <a:tcPr/>
-                </a:tc>
-                <a:tc>
-                  <a:txBody>
-                    <a:bodyPr/>
-                    <a:lstStyle/>
-                    <a:p>
-                      <a:r>
-                        <a:rPr lang="en-US" dirty="0"/>
-                        <a:t>int(1)</a:t>
-                      </a:r>
-                    </a:p>
-                  </a:txBody>
-                  <a:tcPr/>
-                </a:tc>
-                <a:extLst>
-                  <a:ext uri="{0D108BD9-81ED-4DB2-BD59-A6C34878D82A}">
-                    <a16:rowId xmlns:a16="http://schemas.microsoft.com/office/drawing/2014/main" val="1004589524"/>
-                  </a:ext>
-                </a:extLst>
-              </a:tr>
-              <a:tr h="363905">
-                <a:tc>
-                  <a:txBody>
-                    <a:bodyPr/>
-                    <a:lstStyle/>
-                    <a:p>
-                      <a:r>
-                        <a:rPr lang="en-US" dirty="0" err="1"/>
-                        <a:t>is_employee</a:t>
-                      </a:r>
-                      <a:endParaRPr lang="en-US" dirty="0"/>
-                    </a:p>
-                  </a:txBody>
-                  <a:tcPr/>
-                </a:tc>
-                <a:tc>
-                  <a:txBody>
-                    <a:bodyPr/>
-                    <a:lstStyle/>
-                    <a:p>
-                      <a:r>
-                        <a:rPr lang="en-US" dirty="0"/>
-                        <a:t>int(1)</a:t>
-                      </a:r>
-                    </a:p>
-                  </a:txBody>
-                  <a:tcPr/>
-                </a:tc>
-                <a:extLst>
-                  <a:ext uri="{0D108BD9-81ED-4DB2-BD59-A6C34878D82A}">
-                    <a16:rowId xmlns:a16="http://schemas.microsoft.com/office/drawing/2014/main" val="109169413"/>
-                  </a:ext>
-                </a:extLst>
-              </a:tr>
-              <a:tr h="363905">
+              <a:tr h="311424">
                 <a:tc>
                   <a:txBody>
                     <a:bodyPr/>
@@ -4434,10 +5469,10 @@
       </p:graphicFrame>
       <p:graphicFrame>
         <p:nvGraphicFramePr>
-          <p:cNvPr id="5" name="Table 6">
-            <a:extLst>
-              <a:ext uri="{FF2B5EF4-FFF2-40B4-BE49-F238E27FC236}">
-                <a16:creationId xmlns:a16="http://schemas.microsoft.com/office/drawing/2014/main" id="{6CAA39E1-4638-4B3C-9429-9C3908F120DA}"/>
+          <p:cNvPr id="2" name="Table 2">
+            <a:extLst>
+              <a:ext uri="{FF2B5EF4-FFF2-40B4-BE49-F238E27FC236}">
+                <a16:creationId xmlns:a16="http://schemas.microsoft.com/office/drawing/2014/main" id="{BEF0E2AA-C510-465A-BED4-080B5552FA7B}"/>
               </a:ext>
             </a:extLst>
           </p:cNvPr>
@@ -4447,14 +5482,14 @@
           <p:nvPr>
             <p:extLst>
               <p:ext uri="{D42A27DB-BD31-4B8C-83A1-F6EECF244321}">
-                <p14:modId xmlns:p14="http://schemas.microsoft.com/office/powerpoint/2010/main" val="1460033728"/>
+                <p14:modId xmlns:p14="http://schemas.microsoft.com/office/powerpoint/2010/main" val="2522637258"/>
               </p:ext>
             </p:extLst>
           </p:nvPr>
         </p:nvGraphicFramePr>
         <p:xfrm>
-          <a:off x="5930900" y="226064"/>
-          <a:ext cx="4514850" cy="1097280"/>
+          <a:off x="7186930" y="131183"/>
+          <a:ext cx="3944616" cy="2560320"/>
         </p:xfrm>
         <a:graphic>
           <a:graphicData uri="http://schemas.openxmlformats.org/drawingml/2006/table">
@@ -4463,22 +5498,22 @@
                 <a:tableStyleId>{5C22544A-7EE6-4342-B048-85BDC9FD1C3A}</a:tableStyleId>
               </a:tblPr>
               <a:tblGrid>
-                <a:gridCol w="2257425">
+                <a:gridCol w="1972308">
                   <a:extLst>
                     <a:ext uri="{9D8B030D-6E8A-4147-A177-3AD203B41FA5}">
-                      <a16:colId xmlns:a16="http://schemas.microsoft.com/office/drawing/2014/main" val="3335927383"/>
+                      <a16:colId xmlns:a16="http://schemas.microsoft.com/office/drawing/2014/main" val="1405593979"/>
                     </a:ext>
                   </a:extLst>
                 </a:gridCol>
-                <a:gridCol w="2257425">
+                <a:gridCol w="1972308">
                   <a:extLst>
                     <a:ext uri="{9D8B030D-6E8A-4147-A177-3AD203B41FA5}">
-                      <a16:colId xmlns:a16="http://schemas.microsoft.com/office/drawing/2014/main" val="2323929689"/>
+                      <a16:colId xmlns:a16="http://schemas.microsoft.com/office/drawing/2014/main" val="2609837534"/>
                     </a:ext>
                   </a:extLst>
                 </a:gridCol>
               </a:tblGrid>
-              <a:tr h="314960">
+              <a:tr h="356146">
                 <a:tc>
                   <a:txBody>
                     <a:bodyPr/>
@@ -4486,7 +5521,7 @@
                     <a:p>
                       <a:r>
                         <a:rPr lang="en-US" dirty="0" err="1"/>
-                        <a:t>admin_profile</a:t>
+                        <a:t>test_sample</a:t>
                       </a:r>
                       <a:endParaRPr lang="en-US" dirty="0"/>
                     </a:p>
@@ -4508,19 +5543,19 @@
                 </a:tc>
                 <a:extLst>
                   <a:ext uri="{0D108BD9-81ED-4DB2-BD59-A6C34878D82A}">
-                    <a16:rowId xmlns:a16="http://schemas.microsoft.com/office/drawing/2014/main" val="3664504374"/>
+                    <a16:rowId xmlns:a16="http://schemas.microsoft.com/office/drawing/2014/main" val="1559568323"/>
                   </a:ext>
                 </a:extLst>
               </a:tr>
-              <a:tr h="314960">
-                <a:tc>
-                  <a:txBody>
-                    <a:bodyPr/>
-                    <a:lstStyle/>
-                    <a:p>
-                      <a:r>
-                        <a:rPr lang="en-US" dirty="0"/>
-                        <a:t>APID</a:t>
+              <a:tr h="356146">
+                <a:tc>
+                  <a:txBody>
+                    <a:bodyPr/>
+                    <a:lstStyle/>
+                    <a:p>
+                      <a:r>
+                        <a:rPr lang="en-US" dirty="0"/>
+                        <a:t>TID</a:t>
                       </a:r>
                     </a:p>
                   </a:txBody>
@@ -4541,11 +5576,44 @@
                 </a:tc>
                 <a:extLst>
                   <a:ext uri="{0D108BD9-81ED-4DB2-BD59-A6C34878D82A}">
-                    <a16:rowId xmlns:a16="http://schemas.microsoft.com/office/drawing/2014/main" val="3491949966"/>
+                    <a16:rowId xmlns:a16="http://schemas.microsoft.com/office/drawing/2014/main" val="2332115502"/>
                   </a:ext>
                 </a:extLst>
               </a:tr>
-              <a:tr h="314960">
+              <a:tr h="356146">
+                <a:tc>
+                  <a:txBody>
+                    <a:bodyPr/>
+                    <a:lstStyle/>
+                    <a:p>
+                      <a:r>
+                        <a:rPr lang="en-US" dirty="0"/>
+                        <a:t>PPID</a:t>
+                      </a:r>
+                    </a:p>
+                  </a:txBody>
+                  <a:tcPr/>
+                </a:tc>
+                <a:tc>
+                  <a:txBody>
+                    <a:bodyPr/>
+                    <a:lstStyle/>
+                    <a:p>
+                      <a:r>
+                        <a:rPr lang="en-US" dirty="0"/>
+                        <a:t>int(Foreign)</a:t>
+                      </a:r>
+                    </a:p>
+                  </a:txBody>
+                  <a:tcPr/>
+                </a:tc>
+                <a:extLst>
+                  <a:ext uri="{0D108BD9-81ED-4DB2-BD59-A6C34878D82A}">
+                    <a16:rowId xmlns:a16="http://schemas.microsoft.com/office/drawing/2014/main" val="3078326426"/>
+                  </a:ext>
+                </a:extLst>
+              </a:tr>
+              <a:tr h="356146">
                 <a:tc>
                   <a:txBody>
                     <a:bodyPr/>
@@ -4569,13 +5637,34 @@
                         <a:defRPr/>
                       </a:pPr>
                       <a:r>
-                        <a:rPr lang="en-US" dirty="0"/>
-                        <a:t>ULID</a:t>
-                      </a:r>
-                    </a:p>
-                  </a:txBody>
-                  <a:tcPr/>
-                </a:tc>
+                        <a:rPr lang="en-US" dirty="0" err="1"/>
+                        <a:t>serial_number</a:t>
+                      </a:r>
+                      <a:endParaRPr lang="en-US" dirty="0"/>
+                    </a:p>
+                  </a:txBody>
+                  <a:tcPr/>
+                </a:tc>
+                <a:tc>
+                  <a:txBody>
+                    <a:bodyPr/>
+                    <a:lstStyle/>
+                    <a:p>
+                      <a:r>
+                        <a:rPr lang="en-US" dirty="0"/>
+                        <a:t>int(20)</a:t>
+                      </a:r>
+                    </a:p>
+                  </a:txBody>
+                  <a:tcPr/>
+                </a:tc>
+                <a:extLst>
+                  <a:ext uri="{0D108BD9-81ED-4DB2-BD59-A6C34878D82A}">
+                    <a16:rowId xmlns:a16="http://schemas.microsoft.com/office/drawing/2014/main" val="1530392436"/>
+                  </a:ext>
+                </a:extLst>
+              </a:tr>
+              <a:tr h="356146">
                 <a:tc>
                   <a:txBody>
                     <a:bodyPr/>
@@ -4599,8 +5688,22 @@
                         <a:defRPr/>
                       </a:pPr>
                       <a:r>
-                        <a:rPr lang="en-US" dirty="0"/>
-                        <a:t>int(Foreign)</a:t>
+                        <a:rPr lang="en-US" dirty="0" err="1"/>
+                        <a:t>test_date</a:t>
+                      </a:r>
+                      <a:endParaRPr lang="en-US" dirty="0"/>
+                    </a:p>
+                  </a:txBody>
+                  <a:tcPr/>
+                </a:tc>
+                <a:tc>
+                  <a:txBody>
+                    <a:bodyPr/>
+                    <a:lstStyle/>
+                    <a:p>
+                      <a:r>
+                        <a:rPr lang="en-US" dirty="0"/>
+                        <a:t>date</a:t>
                       </a:r>
                     </a:p>
                   </a:txBody>
@@ -4608,128 +5711,11 @@
                 </a:tc>
                 <a:extLst>
                   <a:ext uri="{0D108BD9-81ED-4DB2-BD59-A6C34878D82A}">
-                    <a16:rowId xmlns:a16="http://schemas.microsoft.com/office/drawing/2014/main" val="2153004026"/>
+                    <a16:rowId xmlns:a16="http://schemas.microsoft.com/office/drawing/2014/main" val="1070285285"/>
                   </a:ext>
                 </a:extLst>
               </a:tr>
-            </a:tbl>
-          </a:graphicData>
-        </a:graphic>
-      </p:graphicFrame>
-      <p:graphicFrame>
-        <p:nvGraphicFramePr>
-          <p:cNvPr id="6" name="Table 6">
-            <a:extLst>
-              <a:ext uri="{FF2B5EF4-FFF2-40B4-BE49-F238E27FC236}">
-                <a16:creationId xmlns:a16="http://schemas.microsoft.com/office/drawing/2014/main" id="{3EF18FF3-F121-4385-ACBE-A95063407724}"/>
-              </a:ext>
-            </a:extLst>
-          </p:cNvPr>
-          <p:cNvGraphicFramePr>
-            <a:graphicFrameLocks noGrp="1"/>
-          </p:cNvGraphicFramePr>
-          <p:nvPr>
-            <p:extLst>
-              <p:ext uri="{D42A27DB-BD31-4B8C-83A1-F6EECF244321}">
-                <p14:modId xmlns:p14="http://schemas.microsoft.com/office/powerpoint/2010/main" val="3196896520"/>
-              </p:ext>
-            </p:extLst>
-          </p:nvPr>
-        </p:nvGraphicFramePr>
-        <p:xfrm>
-          <a:off x="5930900" y="1553217"/>
-          <a:ext cx="4514850" cy="1097280"/>
-        </p:xfrm>
-        <a:graphic>
-          <a:graphicData uri="http://schemas.openxmlformats.org/drawingml/2006/table">
-            <a:tbl>
-              <a:tblPr firstRow="1" bandRow="1">
-                <a:tableStyleId>{5C22544A-7EE6-4342-B048-85BDC9FD1C3A}</a:tableStyleId>
-              </a:tblPr>
-              <a:tblGrid>
-                <a:gridCol w="2257425">
-                  <a:extLst>
-                    <a:ext uri="{9D8B030D-6E8A-4147-A177-3AD203B41FA5}">
-                      <a16:colId xmlns:a16="http://schemas.microsoft.com/office/drawing/2014/main" val="3335927383"/>
-                    </a:ext>
-                  </a:extLst>
-                </a:gridCol>
-                <a:gridCol w="2257425">
-                  <a:extLst>
-                    <a:ext uri="{9D8B030D-6E8A-4147-A177-3AD203B41FA5}">
-                      <a16:colId xmlns:a16="http://schemas.microsoft.com/office/drawing/2014/main" val="2323929689"/>
-                    </a:ext>
-                  </a:extLst>
-                </a:gridCol>
-              </a:tblGrid>
-              <a:tr h="314960">
-                <a:tc>
-                  <a:txBody>
-                    <a:bodyPr/>
-                    <a:lstStyle/>
-                    <a:p>
-                      <a:r>
-                        <a:rPr lang="en-US" dirty="0" err="1"/>
-                        <a:t>doctor_profile</a:t>
-                      </a:r>
-                      <a:endParaRPr lang="en-US" dirty="0"/>
-                    </a:p>
-                  </a:txBody>
-                  <a:tcPr/>
-                </a:tc>
-                <a:tc>
-                  <a:txBody>
-                    <a:bodyPr/>
-                    <a:lstStyle/>
-                    <a:p>
-                      <a:r>
-                        <a:rPr lang="en-US" dirty="0"/>
-                        <a:t>Datatype</a:t>
-                      </a:r>
-                    </a:p>
-                  </a:txBody>
-                  <a:tcPr/>
-                </a:tc>
-                <a:extLst>
-                  <a:ext uri="{0D108BD9-81ED-4DB2-BD59-A6C34878D82A}">
-                    <a16:rowId xmlns:a16="http://schemas.microsoft.com/office/drawing/2014/main" val="3664504374"/>
-                  </a:ext>
-                </a:extLst>
-              </a:tr>
-              <a:tr h="314960">
-                <a:tc>
-                  <a:txBody>
-                    <a:bodyPr/>
-                    <a:lstStyle/>
-                    <a:p>
-                      <a:r>
-                        <a:rPr lang="en-US" dirty="0"/>
-                        <a:t>DPID</a:t>
-                      </a:r>
-                    </a:p>
-                  </a:txBody>
-                  <a:tcPr/>
-                </a:tc>
-                <a:tc>
-                  <a:txBody>
-                    <a:bodyPr/>
-                    <a:lstStyle/>
-                    <a:p>
-                      <a:r>
-                        <a:rPr lang="en-US" dirty="0"/>
-                        <a:t>int(Primary)</a:t>
-                      </a:r>
-                    </a:p>
-                  </a:txBody>
-                  <a:tcPr/>
-                </a:tc>
-                <a:extLst>
-                  <a:ext uri="{0D108BD9-81ED-4DB2-BD59-A6C34878D82A}">
-                    <a16:rowId xmlns:a16="http://schemas.microsoft.com/office/drawing/2014/main" val="3491949966"/>
-                  </a:ext>
-                </a:extLst>
-              </a:tr>
-              <a:tr h="314960">
+              <a:tr h="356146">
                 <a:tc>
                   <a:txBody>
                     <a:bodyPr/>
@@ -4754,12 +5740,32 @@
                       </a:pPr>
                       <a:r>
                         <a:rPr lang="en-US" dirty="0"/>
-                        <a:t>ULID</a:t>
-                      </a:r>
-                    </a:p>
-                  </a:txBody>
-                  <a:tcPr/>
-                </a:tc>
+                        <a:t>result</a:t>
+                      </a:r>
+                    </a:p>
+                  </a:txBody>
+                  <a:tcPr/>
+                </a:tc>
+                <a:tc>
+                  <a:txBody>
+                    <a:bodyPr/>
+                    <a:lstStyle/>
+                    <a:p>
+                      <a:r>
+                        <a:rPr lang="en-US" dirty="0"/>
+                        <a:t>int(1)</a:t>
+                      </a:r>
+                    </a:p>
+                  </a:txBody>
+                  <a:tcPr/>
+                </a:tc>
+                <a:extLst>
+                  <a:ext uri="{0D108BD9-81ED-4DB2-BD59-A6C34878D82A}">
+                    <a16:rowId xmlns:a16="http://schemas.microsoft.com/office/drawing/2014/main" val="1531611483"/>
+                  </a:ext>
+                </a:extLst>
+              </a:tr>
+              <a:tr h="356146">
                 <a:tc>
                   <a:txBody>
                     <a:bodyPr/>
@@ -4783,16 +5789,31 @@
                         <a:defRPr/>
                       </a:pPr>
                       <a:r>
-                        <a:rPr lang="en-US" dirty="0"/>
-                        <a:t>int(Foreign)</a:t>
-                      </a:r>
+                        <a:rPr lang="en-US" dirty="0" err="1"/>
+                        <a:t>is_signed</a:t>
+                      </a:r>
+                      <a:endParaRPr lang="en-US" dirty="0"/>
+                    </a:p>
+                  </a:txBody>
+                  <a:tcPr/>
+                </a:tc>
+                <a:tc>
+                  <a:txBody>
+                    <a:bodyPr/>
+                    <a:lstStyle/>
+                    <a:p>
+                      <a:r>
+                        <a:rPr lang="en-US" dirty="0" err="1"/>
+                        <a:t>boolean</a:t>
+                      </a:r>
+                      <a:endParaRPr lang="en-US" dirty="0"/>
                     </a:p>
                   </a:txBody>
                   <a:tcPr/>
                 </a:tc>
                 <a:extLst>
                   <a:ext uri="{0D108BD9-81ED-4DB2-BD59-A6C34878D82A}">
-                    <a16:rowId xmlns:a16="http://schemas.microsoft.com/office/drawing/2014/main" val="2153004026"/>
+                    <a16:rowId xmlns:a16="http://schemas.microsoft.com/office/drawing/2014/main" val="3365059205"/>
                   </a:ext>
                 </a:extLst>
               </a:tr>
@@ -4802,10 +5823,10 @@
       </p:graphicFrame>
       <p:graphicFrame>
         <p:nvGraphicFramePr>
-          <p:cNvPr id="7" name="Table 6">
-            <a:extLst>
-              <a:ext uri="{FF2B5EF4-FFF2-40B4-BE49-F238E27FC236}">
-                <a16:creationId xmlns:a16="http://schemas.microsoft.com/office/drawing/2014/main" id="{17C948A0-06B8-458B-8130-3AC3166ABBC9}"/>
+          <p:cNvPr id="3" name="Table 3">
+            <a:extLst>
+              <a:ext uri="{FF2B5EF4-FFF2-40B4-BE49-F238E27FC236}">
+                <a16:creationId xmlns:a16="http://schemas.microsoft.com/office/drawing/2014/main" id="{CF1BD239-3129-4B28-A9C6-AEC0B6D1C959}"/>
               </a:ext>
             </a:extLst>
           </p:cNvPr>
@@ -4815,14 +5836,14 @@
           <p:nvPr>
             <p:extLst>
               <p:ext uri="{D42A27DB-BD31-4B8C-83A1-F6EECF244321}">
-                <p14:modId xmlns:p14="http://schemas.microsoft.com/office/powerpoint/2010/main" val="2892789240"/>
+                <p14:modId xmlns:p14="http://schemas.microsoft.com/office/powerpoint/2010/main" val="3520182368"/>
               </p:ext>
             </p:extLst>
           </p:nvPr>
         </p:nvGraphicFramePr>
         <p:xfrm>
-          <a:off x="5930900" y="2880370"/>
-          <a:ext cx="4514850" cy="1097280"/>
+          <a:off x="4444104" y="2832170"/>
+          <a:ext cx="3303792" cy="3874354"/>
         </p:xfrm>
         <a:graphic>
           <a:graphicData uri="http://schemas.openxmlformats.org/drawingml/2006/table">
@@ -4831,22 +5852,22 @@
                 <a:tableStyleId>{5C22544A-7EE6-4342-B048-85BDC9FD1C3A}</a:tableStyleId>
               </a:tblPr>
               <a:tblGrid>
-                <a:gridCol w="2257425">
+                <a:gridCol w="1651896">
                   <a:extLst>
                     <a:ext uri="{9D8B030D-6E8A-4147-A177-3AD203B41FA5}">
-                      <a16:colId xmlns:a16="http://schemas.microsoft.com/office/drawing/2014/main" val="3335927383"/>
+                      <a16:colId xmlns:a16="http://schemas.microsoft.com/office/drawing/2014/main" val="2827567037"/>
                     </a:ext>
                   </a:extLst>
                 </a:gridCol>
-                <a:gridCol w="2257425">
+                <a:gridCol w="1651896">
                   <a:extLst>
                     <a:ext uri="{9D8B030D-6E8A-4147-A177-3AD203B41FA5}">
-                      <a16:colId xmlns:a16="http://schemas.microsoft.com/office/drawing/2014/main" val="2323929689"/>
+                      <a16:colId xmlns:a16="http://schemas.microsoft.com/office/drawing/2014/main" val="1583264097"/>
                     </a:ext>
                   </a:extLst>
                 </a:gridCol>
               </a:tblGrid>
-              <a:tr h="314960">
+              <a:tr h="582514">
                 <a:tc>
                   <a:txBody>
                     <a:bodyPr/>
@@ -4854,7 +5875,7 @@
                     <a:p>
                       <a:r>
                         <a:rPr lang="en-US" dirty="0" err="1"/>
-                        <a:t>lab_profile</a:t>
+                        <a:t>patient_profile</a:t>
                       </a:r>
                       <a:endParaRPr lang="en-US" dirty="0"/>
                     </a:p>
@@ -4876,19 +5897,19 @@
                 </a:tc>
                 <a:extLst>
                   <a:ext uri="{0D108BD9-81ED-4DB2-BD59-A6C34878D82A}">
-                    <a16:rowId xmlns:a16="http://schemas.microsoft.com/office/drawing/2014/main" val="3664504374"/>
+                    <a16:rowId xmlns:a16="http://schemas.microsoft.com/office/drawing/2014/main" val="4192483020"/>
                   </a:ext>
                 </a:extLst>
               </a:tr>
-              <a:tr h="314960">
-                <a:tc>
-                  <a:txBody>
-                    <a:bodyPr/>
-                    <a:lstStyle/>
-                    <a:p>
-                      <a:r>
-                        <a:rPr lang="en-US" dirty="0"/>
-                        <a:t>LPID</a:t>
+              <a:tr h="334795">
+                <a:tc>
+                  <a:txBody>
+                    <a:bodyPr/>
+                    <a:lstStyle/>
+                    <a:p>
+                      <a:r>
+                        <a:rPr lang="en-US" dirty="0"/>
+                        <a:t>PPID</a:t>
                       </a:r>
                     </a:p>
                   </a:txBody>
@@ -4909,33 +5930,16 @@
                 </a:tc>
                 <a:extLst>
                   <a:ext uri="{0D108BD9-81ED-4DB2-BD59-A6C34878D82A}">
-                    <a16:rowId xmlns:a16="http://schemas.microsoft.com/office/drawing/2014/main" val="3491949966"/>
+                    <a16:rowId xmlns:a16="http://schemas.microsoft.com/office/drawing/2014/main" val="2894590462"/>
                   </a:ext>
                 </a:extLst>
               </a:tr>
-              <a:tr h="314960">
-                <a:tc>
-                  <a:txBody>
-                    <a:bodyPr/>
-                    <a:lstStyle/>
-                    <a:p>
-                      <a:pPr marL="0" marR="0" lvl="0" indent="0" algn="l" defTabSz="914400" rtl="0" eaLnBrk="1" fontAlgn="auto" latinLnBrk="0" hangingPunct="1">
-                        <a:lnSpc>
-                          <a:spcPct val="100000"/>
-                        </a:lnSpc>
-                        <a:spcBef>
-                          <a:spcPts val="0"/>
-                        </a:spcBef>
-                        <a:spcAft>
-                          <a:spcPts val="0"/>
-                        </a:spcAft>
-                        <a:buClrTx/>
-                        <a:buSzTx/>
-                        <a:buFontTx/>
-                        <a:buNone/>
-                        <a:tabLst/>
-                        <a:defRPr/>
-                      </a:pPr>
+              <a:tr h="334795">
+                <a:tc>
+                  <a:txBody>
+                    <a:bodyPr/>
+                    <a:lstStyle/>
+                    <a:p>
                       <a:r>
                         <a:rPr lang="en-US" dirty="0"/>
                         <a:t>ULID</a:t>
@@ -4949,23 +5953,6 @@
                     <a:bodyPr/>
                     <a:lstStyle/>
                     <a:p>
-                      <a:pPr marL="0" marR="0" lvl="0" indent="0" algn="l" defTabSz="914400" rtl="0" eaLnBrk="1" fontAlgn="auto" latinLnBrk="0" hangingPunct="1">
-                        <a:lnSpc>
-                          <a:spcPct val="100000"/>
-                        </a:lnSpc>
-                        <a:spcBef>
-                          <a:spcPts val="0"/>
-                        </a:spcBef>
-                        <a:spcAft>
-                          <a:spcPts val="0"/>
-                        </a:spcAft>
-                        <a:buClrTx/>
-                        <a:buSzTx/>
-                        <a:buFontTx/>
-                        <a:buNone/>
-                        <a:tabLst/>
-                        <a:defRPr/>
-                      </a:pPr>
                       <a:r>
                         <a:rPr lang="en-US" dirty="0"/>
                         <a:t>int(Foreign)</a:t>
@@ -4976,7 +5963,227 @@
                 </a:tc>
                 <a:extLst>
                   <a:ext uri="{0D108BD9-81ED-4DB2-BD59-A6C34878D82A}">
-                    <a16:rowId xmlns:a16="http://schemas.microsoft.com/office/drawing/2014/main" val="2153004026"/>
+                    <a16:rowId xmlns:a16="http://schemas.microsoft.com/office/drawing/2014/main" val="2249740027"/>
+                  </a:ext>
+                </a:extLst>
+              </a:tr>
+              <a:tr h="334795">
+                <a:tc>
+                  <a:txBody>
+                    <a:bodyPr/>
+                    <a:lstStyle/>
+                    <a:p>
+                      <a:r>
+                        <a:rPr lang="en-US" dirty="0" err="1"/>
+                        <a:t>fname</a:t>
+                      </a:r>
+                      <a:endParaRPr lang="en-US" dirty="0"/>
+                    </a:p>
+                  </a:txBody>
+                  <a:tcPr/>
+                </a:tc>
+                <a:tc>
+                  <a:txBody>
+                    <a:bodyPr/>
+                    <a:lstStyle/>
+                    <a:p>
+                      <a:r>
+                        <a:rPr lang="en-US" dirty="0"/>
+                        <a:t>varchar(25)</a:t>
+                      </a:r>
+                    </a:p>
+                  </a:txBody>
+                  <a:tcPr/>
+                </a:tc>
+                <a:extLst>
+                  <a:ext uri="{0D108BD9-81ED-4DB2-BD59-A6C34878D82A}">
+                    <a16:rowId xmlns:a16="http://schemas.microsoft.com/office/drawing/2014/main" val="3635046711"/>
+                  </a:ext>
+                </a:extLst>
+              </a:tr>
+              <a:tr h="334795">
+                <a:tc>
+                  <a:txBody>
+                    <a:bodyPr/>
+                    <a:lstStyle/>
+                    <a:p>
+                      <a:r>
+                        <a:rPr lang="en-US" dirty="0" err="1"/>
+                        <a:t>lname</a:t>
+                      </a:r>
+                      <a:endParaRPr lang="en-US" dirty="0"/>
+                    </a:p>
+                  </a:txBody>
+                  <a:tcPr/>
+                </a:tc>
+                <a:tc>
+                  <a:txBody>
+                    <a:bodyPr/>
+                    <a:lstStyle/>
+                    <a:p>
+                      <a:r>
+                        <a:rPr lang="en-US" dirty="0"/>
+                        <a:t>varchar(25)</a:t>
+                      </a:r>
+                    </a:p>
+                  </a:txBody>
+                  <a:tcPr/>
+                </a:tc>
+                <a:extLst>
+                  <a:ext uri="{0D108BD9-81ED-4DB2-BD59-A6C34878D82A}">
+                    <a16:rowId xmlns:a16="http://schemas.microsoft.com/office/drawing/2014/main" val="910619137"/>
+                  </a:ext>
+                </a:extLst>
+              </a:tr>
+              <a:tr h="334795">
+                <a:tc>
+                  <a:txBody>
+                    <a:bodyPr/>
+                    <a:lstStyle/>
+                    <a:p>
+                      <a:r>
+                        <a:rPr lang="en-US" dirty="0" err="1"/>
+                        <a:t>addr</a:t>
+                      </a:r>
+                      <a:endParaRPr lang="en-US" dirty="0"/>
+                    </a:p>
+                  </a:txBody>
+                  <a:tcPr/>
+                </a:tc>
+                <a:tc>
+                  <a:txBody>
+                    <a:bodyPr/>
+                    <a:lstStyle/>
+                    <a:p>
+                      <a:endParaRPr lang="en-US" dirty="0"/>
+                    </a:p>
+                  </a:txBody>
+                  <a:tcPr/>
+                </a:tc>
+                <a:extLst>
+                  <a:ext uri="{0D108BD9-81ED-4DB2-BD59-A6C34878D82A}">
+                    <a16:rowId xmlns:a16="http://schemas.microsoft.com/office/drawing/2014/main" val="1781758233"/>
+                  </a:ext>
+                </a:extLst>
+              </a:tr>
+              <a:tr h="334795">
+                <a:tc>
+                  <a:txBody>
+                    <a:bodyPr/>
+                    <a:lstStyle/>
+                    <a:p>
+                      <a:r>
+                        <a:rPr lang="en-US" dirty="0"/>
+                        <a:t>dob</a:t>
+                      </a:r>
+                    </a:p>
+                  </a:txBody>
+                  <a:tcPr/>
+                </a:tc>
+                <a:tc>
+                  <a:txBody>
+                    <a:bodyPr/>
+                    <a:lstStyle/>
+                    <a:p>
+                      <a:endParaRPr lang="en-US" dirty="0"/>
+                    </a:p>
+                  </a:txBody>
+                  <a:tcPr/>
+                </a:tc>
+                <a:extLst>
+                  <a:ext uri="{0D108BD9-81ED-4DB2-BD59-A6C34878D82A}">
+                    <a16:rowId xmlns:a16="http://schemas.microsoft.com/office/drawing/2014/main" val="650162431"/>
+                  </a:ext>
+                </a:extLst>
+              </a:tr>
+              <a:tr h="334795">
+                <a:tc>
+                  <a:txBody>
+                    <a:bodyPr/>
+                    <a:lstStyle/>
+                    <a:p>
+                      <a:r>
+                        <a:rPr lang="en-US" dirty="0" err="1"/>
+                        <a:t>ssn</a:t>
+                      </a:r>
+                      <a:endParaRPr lang="en-US" dirty="0"/>
+                    </a:p>
+                  </a:txBody>
+                  <a:tcPr/>
+                </a:tc>
+                <a:tc>
+                  <a:txBody>
+                    <a:bodyPr/>
+                    <a:lstStyle/>
+                    <a:p>
+                      <a:endParaRPr lang="en-US" dirty="0"/>
+                    </a:p>
+                  </a:txBody>
+                  <a:tcPr/>
+                </a:tc>
+                <a:extLst>
+                  <a:ext uri="{0D108BD9-81ED-4DB2-BD59-A6C34878D82A}">
+                    <a16:rowId xmlns:a16="http://schemas.microsoft.com/office/drawing/2014/main" val="1447632309"/>
+                  </a:ext>
+                </a:extLst>
+              </a:tr>
+              <a:tr h="334795">
+                <a:tc>
+                  <a:txBody>
+                    <a:bodyPr/>
+                    <a:lstStyle/>
+                    <a:p>
+                      <a:r>
+                        <a:rPr lang="en-US" dirty="0"/>
+                        <a:t>username</a:t>
+                      </a:r>
+                    </a:p>
+                  </a:txBody>
+                  <a:tcPr/>
+                </a:tc>
+                <a:tc>
+                  <a:txBody>
+                    <a:bodyPr/>
+                    <a:lstStyle/>
+                    <a:p>
+                      <a:endParaRPr lang="en-US" dirty="0"/>
+                    </a:p>
+                  </a:txBody>
+                  <a:tcPr/>
+                </a:tc>
+                <a:extLst>
+                  <a:ext uri="{0D108BD9-81ED-4DB2-BD59-A6C34878D82A}">
+                    <a16:rowId xmlns:a16="http://schemas.microsoft.com/office/drawing/2014/main" val="2315463434"/>
+                  </a:ext>
+                </a:extLst>
+              </a:tr>
+              <a:tr h="334795">
+                <a:tc>
+                  <a:txBody>
+                    <a:bodyPr/>
+                    <a:lstStyle/>
+                    <a:p>
+                      <a:r>
+                        <a:rPr lang="en-US" dirty="0"/>
+                        <a:t>password</a:t>
+                      </a:r>
+                    </a:p>
+                  </a:txBody>
+                  <a:tcPr/>
+                </a:tc>
+                <a:tc>
+                  <a:txBody>
+                    <a:bodyPr/>
+                    <a:lstStyle/>
+                    <a:p>
+                      <a:endParaRPr lang="en-US" dirty="0"/>
+                    </a:p>
+                  </a:txBody>
+                  <a:tcPr/>
+                </a:tc>
+                <a:extLst>
+                  <a:ext uri="{0D108BD9-81ED-4DB2-BD59-A6C34878D82A}">
+                    <a16:rowId xmlns:a16="http://schemas.microsoft.com/office/drawing/2014/main" val="1180681503"/>
                   </a:ext>
                 </a:extLst>
               </a:tr>
@@ -4986,10 +6193,10 @@
       </p:graphicFrame>
       <p:graphicFrame>
         <p:nvGraphicFramePr>
-          <p:cNvPr id="8" name="Table 6">
-            <a:extLst>
-              <a:ext uri="{FF2B5EF4-FFF2-40B4-BE49-F238E27FC236}">
-                <a16:creationId xmlns:a16="http://schemas.microsoft.com/office/drawing/2014/main" id="{CCF04872-9364-4AE5-B476-D0843BA3BF98}"/>
+          <p:cNvPr id="4" name="Table 7">
+            <a:extLst>
+              <a:ext uri="{FF2B5EF4-FFF2-40B4-BE49-F238E27FC236}">
+                <a16:creationId xmlns:a16="http://schemas.microsoft.com/office/drawing/2014/main" id="{0C1D9BEA-45E8-41F7-BDB7-B0F7FFA0A612}"/>
               </a:ext>
             </a:extLst>
           </p:cNvPr>
@@ -4999,14 +6206,14 @@
           <p:nvPr>
             <p:extLst>
               <p:ext uri="{D42A27DB-BD31-4B8C-83A1-F6EECF244321}">
-                <p14:modId xmlns:p14="http://schemas.microsoft.com/office/powerpoint/2010/main" val="4121165251"/>
+                <p14:modId xmlns:p14="http://schemas.microsoft.com/office/powerpoint/2010/main" val="3510302864"/>
               </p:ext>
             </p:extLst>
           </p:nvPr>
         </p:nvGraphicFramePr>
         <p:xfrm>
-          <a:off x="5930900" y="4207504"/>
-          <a:ext cx="4514850" cy="1097280"/>
+          <a:off x="6466053" y="1411343"/>
+          <a:ext cx="5386370" cy="4880784"/>
         </p:xfrm>
         <a:graphic>
           <a:graphicData uri="http://schemas.openxmlformats.org/drawingml/2006/table">
@@ -5015,22 +6222,22 @@
                 <a:tableStyleId>{5C22544A-7EE6-4342-B048-85BDC9FD1C3A}</a:tableStyleId>
               </a:tblPr>
               <a:tblGrid>
-                <a:gridCol w="2257425">
+                <a:gridCol w="2693185">
                   <a:extLst>
                     <a:ext uri="{9D8B030D-6E8A-4147-A177-3AD203B41FA5}">
-                      <a16:colId xmlns:a16="http://schemas.microsoft.com/office/drawing/2014/main" val="3335927383"/>
+                      <a16:colId xmlns:a16="http://schemas.microsoft.com/office/drawing/2014/main" val="137740285"/>
                     </a:ext>
                   </a:extLst>
                 </a:gridCol>
-                <a:gridCol w="2257425">
+                <a:gridCol w="2693185">
                   <a:extLst>
                     <a:ext uri="{9D8B030D-6E8A-4147-A177-3AD203B41FA5}">
-                      <a16:colId xmlns:a16="http://schemas.microsoft.com/office/drawing/2014/main" val="2323929689"/>
+                      <a16:colId xmlns:a16="http://schemas.microsoft.com/office/drawing/2014/main" val="118291522"/>
                     </a:ext>
                   </a:extLst>
                 </a:gridCol>
               </a:tblGrid>
-              <a:tr h="314960">
+              <a:tr h="813464">
                 <a:tc>
                   <a:txBody>
                     <a:bodyPr/>
@@ -5038,7 +6245,7 @@
                     <a:p>
                       <a:r>
                         <a:rPr lang="en-US" dirty="0" err="1"/>
-                        <a:t>employee_profile</a:t>
+                        <a:t>user_profile</a:t>
                       </a:r>
                       <a:endParaRPr lang="en-US" dirty="0"/>
                     </a:p>
@@ -5060,406 +6267,177 @@
                 </a:tc>
                 <a:extLst>
                   <a:ext uri="{0D108BD9-81ED-4DB2-BD59-A6C34878D82A}">
-                    <a16:rowId xmlns:a16="http://schemas.microsoft.com/office/drawing/2014/main" val="3664504374"/>
+                    <a16:rowId xmlns:a16="http://schemas.microsoft.com/office/drawing/2014/main" val="2996650353"/>
                   </a:ext>
                 </a:extLst>
               </a:tr>
-              <a:tr h="314960">
-                <a:tc>
-                  <a:txBody>
-                    <a:bodyPr/>
-                    <a:lstStyle/>
-                    <a:p>
-                      <a:r>
-                        <a:rPr lang="en-US" dirty="0"/>
-                        <a:t>EPID</a:t>
-                      </a:r>
-                    </a:p>
-                  </a:txBody>
-                  <a:tcPr/>
-                </a:tc>
-                <a:tc>
-                  <a:txBody>
-                    <a:bodyPr/>
-                    <a:lstStyle/>
-                    <a:p>
-                      <a:r>
-                        <a:rPr lang="en-US" dirty="0"/>
-                        <a:t>int(Primary)</a:t>
-                      </a:r>
+              <a:tr h="813464">
+                <a:tc>
+                  <a:txBody>
+                    <a:bodyPr/>
+                    <a:lstStyle/>
+                    <a:p>
+                      <a:r>
+                        <a:rPr lang="en-US" dirty="0"/>
+                        <a:t>UID</a:t>
+                      </a:r>
+                    </a:p>
+                  </a:txBody>
+                  <a:tcPr/>
+                </a:tc>
+                <a:tc>
+                  <a:txBody>
+                    <a:bodyPr/>
+                    <a:lstStyle/>
+                    <a:p>
+                      <a:endParaRPr lang="en-US" dirty="0"/>
                     </a:p>
                   </a:txBody>
                   <a:tcPr/>
                 </a:tc>
                 <a:extLst>
                   <a:ext uri="{0D108BD9-81ED-4DB2-BD59-A6C34878D82A}">
-                    <a16:rowId xmlns:a16="http://schemas.microsoft.com/office/drawing/2014/main" val="3491949966"/>
+                    <a16:rowId xmlns:a16="http://schemas.microsoft.com/office/drawing/2014/main" val="2156130721"/>
                   </a:ext>
                 </a:extLst>
               </a:tr>
-              <a:tr h="314960">
-                <a:tc>
-                  <a:txBody>
-                    <a:bodyPr/>
-                    <a:lstStyle/>
-                    <a:p>
-                      <a:r>
-                        <a:rPr lang="en-US" dirty="0"/>
-                        <a:t>ULID</a:t>
-                      </a:r>
-                    </a:p>
-                  </a:txBody>
-                  <a:tcPr/>
-                </a:tc>
-                <a:tc>
-                  <a:txBody>
-                    <a:bodyPr/>
-                    <a:lstStyle/>
-                    <a:p>
-                      <a:r>
-                        <a:rPr lang="en-US" dirty="0"/>
-                        <a:t>int(Foreign)</a:t>
-                      </a:r>
+              <a:tr h="813464">
+                <a:tc>
+                  <a:txBody>
+                    <a:bodyPr/>
+                    <a:lstStyle/>
+                    <a:p>
+                      <a:r>
+                        <a:rPr lang="en-US" dirty="0" err="1"/>
+                        <a:t>fname</a:t>
+                      </a:r>
+                      <a:r>
+                        <a:rPr lang="en-US" dirty="0"/>
+                        <a:t>/</a:t>
+                      </a:r>
+                      <a:r>
+                        <a:rPr lang="en-US" dirty="0" err="1"/>
+                        <a:t>lname</a:t>
+                      </a:r>
+                      <a:r>
+                        <a:rPr lang="en-US" dirty="0"/>
+                        <a:t>/</a:t>
+                      </a:r>
+                      <a:r>
+                        <a:rPr lang="en-US" dirty="0" err="1"/>
+                        <a:t>addr</a:t>
+                      </a:r>
+                      <a:r>
+                        <a:rPr lang="en-US" dirty="0"/>
+                        <a:t>/dob</a:t>
+                      </a:r>
+                    </a:p>
+                  </a:txBody>
+                  <a:tcPr/>
+                </a:tc>
+                <a:tc>
+                  <a:txBody>
+                    <a:bodyPr/>
+                    <a:lstStyle/>
+                    <a:p>
+                      <a:endParaRPr lang="en-US" dirty="0"/>
                     </a:p>
                   </a:txBody>
                   <a:tcPr/>
                 </a:tc>
                 <a:extLst>
                   <a:ext uri="{0D108BD9-81ED-4DB2-BD59-A6C34878D82A}">
-                    <a16:rowId xmlns:a16="http://schemas.microsoft.com/office/drawing/2014/main" val="2153004026"/>
+                    <a16:rowId xmlns:a16="http://schemas.microsoft.com/office/drawing/2014/main" val="436724252"/>
                   </a:ext>
                 </a:extLst>
               </a:tr>
-            </a:tbl>
-          </a:graphicData>
-        </a:graphic>
-      </p:graphicFrame>
-      <p:graphicFrame>
-        <p:nvGraphicFramePr>
-          <p:cNvPr id="9" name="Table 5">
-            <a:extLst>
-              <a:ext uri="{FF2B5EF4-FFF2-40B4-BE49-F238E27FC236}">
-                <a16:creationId xmlns:a16="http://schemas.microsoft.com/office/drawing/2014/main" id="{69BFE2D6-C326-41EA-808C-421BBD1DA751}"/>
-              </a:ext>
-            </a:extLst>
-          </p:cNvPr>
-          <p:cNvGraphicFramePr>
-            <a:graphicFrameLocks noGrp="1"/>
-          </p:cNvGraphicFramePr>
-          <p:nvPr>
-            <p:extLst>
-              <p:ext uri="{D42A27DB-BD31-4B8C-83A1-F6EECF244321}">
-                <p14:modId xmlns:p14="http://schemas.microsoft.com/office/powerpoint/2010/main" val="1548784349"/>
-              </p:ext>
-            </p:extLst>
-          </p:nvPr>
-        </p:nvGraphicFramePr>
-        <p:xfrm>
-          <a:off x="5930900" y="5534639"/>
-          <a:ext cx="4514850" cy="1097280"/>
-        </p:xfrm>
-        <a:graphic>
-          <a:graphicData uri="http://schemas.openxmlformats.org/drawingml/2006/table">
-            <a:tbl>
-              <a:tblPr firstRow="1" bandRow="1">
-                <a:tableStyleId>{5C22544A-7EE6-4342-B048-85BDC9FD1C3A}</a:tableStyleId>
-              </a:tblPr>
-              <a:tblGrid>
-                <a:gridCol w="2257425">
-                  <a:extLst>
-                    <a:ext uri="{9D8B030D-6E8A-4147-A177-3AD203B41FA5}">
-                      <a16:colId xmlns:a16="http://schemas.microsoft.com/office/drawing/2014/main" val="1377583130"/>
-                    </a:ext>
-                  </a:extLst>
-                </a:gridCol>
-                <a:gridCol w="2257425">
-                  <a:extLst>
-                    <a:ext uri="{9D8B030D-6E8A-4147-A177-3AD203B41FA5}">
-                      <a16:colId xmlns:a16="http://schemas.microsoft.com/office/drawing/2014/main" val="1588082863"/>
-                    </a:ext>
-                  </a:extLst>
-                </a:gridCol>
-              </a:tblGrid>
-              <a:tr h="345871">
-                <a:tc>
-                  <a:txBody>
-                    <a:bodyPr/>
-                    <a:lstStyle/>
-                    <a:p>
-                      <a:r>
-                        <a:rPr lang="en-US" dirty="0" err="1"/>
-                        <a:t>patient_profile</a:t>
-                      </a:r>
+              <a:tr h="813464">
+                <a:tc>
+                  <a:txBody>
+                    <a:bodyPr/>
+                    <a:lstStyle/>
+                    <a:p>
+                      <a:r>
+                        <a:rPr lang="en-US" dirty="0"/>
+                        <a:t>username</a:t>
+                      </a:r>
+                    </a:p>
+                  </a:txBody>
+                  <a:tcPr/>
+                </a:tc>
+                <a:tc>
+                  <a:txBody>
+                    <a:bodyPr/>
+                    <a:lstStyle/>
+                    <a:p>
                       <a:endParaRPr lang="en-US" dirty="0"/>
-                    </a:p>
-                  </a:txBody>
-                  <a:tcPr/>
-                </a:tc>
-                <a:tc>
-                  <a:txBody>
-                    <a:bodyPr/>
-                    <a:lstStyle/>
-                    <a:p>
-                      <a:r>
-                        <a:rPr lang="en-US" dirty="0"/>
-                        <a:t>Datatype</a:t>
-                      </a:r>
                     </a:p>
                   </a:txBody>
                   <a:tcPr/>
                 </a:tc>
                 <a:extLst>
                   <a:ext uri="{0D108BD9-81ED-4DB2-BD59-A6C34878D82A}">
-                    <a16:rowId xmlns:a16="http://schemas.microsoft.com/office/drawing/2014/main" val="3665414442"/>
+                    <a16:rowId xmlns:a16="http://schemas.microsoft.com/office/drawing/2014/main" val="1125359314"/>
                   </a:ext>
                 </a:extLst>
               </a:tr>
-              <a:tr h="345871">
-                <a:tc>
-                  <a:txBody>
-                    <a:bodyPr/>
-                    <a:lstStyle/>
-                    <a:p>
-                      <a:r>
-                        <a:rPr lang="en-US" dirty="0"/>
-                        <a:t>PPID</a:t>
-                      </a:r>
-                    </a:p>
-                  </a:txBody>
-                  <a:tcPr/>
-                </a:tc>
-                <a:tc>
-                  <a:txBody>
-                    <a:bodyPr/>
-                    <a:lstStyle/>
-                    <a:p>
-                      <a:r>
-                        <a:rPr lang="en-US" dirty="0"/>
-                        <a:t>int(Primary)</a:t>
-                      </a:r>
+              <a:tr h="813464">
+                <a:tc>
+                  <a:txBody>
+                    <a:bodyPr/>
+                    <a:lstStyle/>
+                    <a:p>
+                      <a:r>
+                        <a:rPr lang="en-US" dirty="0"/>
+                        <a:t>password</a:t>
+                      </a:r>
+                    </a:p>
+                  </a:txBody>
+                  <a:tcPr/>
+                </a:tc>
+                <a:tc>
+                  <a:txBody>
+                    <a:bodyPr/>
+                    <a:lstStyle/>
+                    <a:p>
+                      <a:endParaRPr lang="en-US" dirty="0"/>
                     </a:p>
                   </a:txBody>
                   <a:tcPr/>
                 </a:tc>
                 <a:extLst>
                   <a:ext uri="{0D108BD9-81ED-4DB2-BD59-A6C34878D82A}">
-                    <a16:rowId xmlns:a16="http://schemas.microsoft.com/office/drawing/2014/main" val="200518"/>
+                    <a16:rowId xmlns:a16="http://schemas.microsoft.com/office/drawing/2014/main" val="3834724830"/>
                   </a:ext>
                 </a:extLst>
               </a:tr>
-              <a:tr h="345871">
-                <a:tc>
-                  <a:txBody>
-                    <a:bodyPr/>
-                    <a:lstStyle/>
-                    <a:p>
-                      <a:r>
-                        <a:rPr lang="en-US" dirty="0"/>
-                        <a:t>ULID</a:t>
-                      </a:r>
-                    </a:p>
-                  </a:txBody>
-                  <a:tcPr/>
-                </a:tc>
-                <a:tc>
-                  <a:txBody>
-                    <a:bodyPr/>
-                    <a:lstStyle/>
-                    <a:p>
-                      <a:r>
-                        <a:rPr lang="en-US" dirty="0"/>
-                        <a:t>int(Foreign)</a:t>
-                      </a:r>
+              <a:tr h="813464">
+                <a:tc>
+                  <a:txBody>
+                    <a:bodyPr/>
+                    <a:lstStyle/>
+                    <a:p>
+                      <a:r>
+                        <a:rPr lang="en-US" dirty="0"/>
+                        <a:t>permission</a:t>
+                      </a:r>
+                    </a:p>
+                  </a:txBody>
+                  <a:tcPr/>
+                </a:tc>
+                <a:tc>
+                  <a:txBody>
+                    <a:bodyPr/>
+                    <a:lstStyle/>
+                    <a:p>
+                      <a:endParaRPr lang="en-US" dirty="0"/>
                     </a:p>
                   </a:txBody>
                   <a:tcPr/>
                 </a:tc>
                 <a:extLst>
                   <a:ext uri="{0D108BD9-81ED-4DB2-BD59-A6C34878D82A}">
-                    <a16:rowId xmlns:a16="http://schemas.microsoft.com/office/drawing/2014/main" val="1326051876"/>
-                  </a:ext>
-                </a:extLst>
-              </a:tr>
-            </a:tbl>
-          </a:graphicData>
-        </a:graphic>
-      </p:graphicFrame>
-      <p:graphicFrame>
-        <p:nvGraphicFramePr>
-          <p:cNvPr id="10" name="Table 5">
-            <a:extLst>
-              <a:ext uri="{FF2B5EF4-FFF2-40B4-BE49-F238E27FC236}">
-                <a16:creationId xmlns:a16="http://schemas.microsoft.com/office/drawing/2014/main" id="{DB8AFA59-E763-4A14-95B9-DD6C010F6D7D}"/>
-              </a:ext>
-            </a:extLst>
-          </p:cNvPr>
-          <p:cNvGraphicFramePr>
-            <a:graphicFrameLocks noGrp="1"/>
-          </p:cNvGraphicFramePr>
-          <p:nvPr>
-            <p:extLst>
-              <p:ext uri="{D42A27DB-BD31-4B8C-83A1-F6EECF244321}">
-                <p14:modId xmlns:p14="http://schemas.microsoft.com/office/powerpoint/2010/main" val="4192257221"/>
-              </p:ext>
-            </p:extLst>
-          </p:nvPr>
-        </p:nvGraphicFramePr>
-        <p:xfrm>
-          <a:off x="277082" y="156583"/>
-          <a:ext cx="3075718" cy="2243717"/>
-        </p:xfrm>
-        <a:graphic>
-          <a:graphicData uri="http://schemas.openxmlformats.org/drawingml/2006/table">
-            <a:tbl>
-              <a:tblPr firstRow="1" bandRow="1">
-                <a:tableStyleId>{5C22544A-7EE6-4342-B048-85BDC9FD1C3A}</a:tableStyleId>
-              </a:tblPr>
-              <a:tblGrid>
-                <a:gridCol w="1537859">
-                  <a:extLst>
-                    <a:ext uri="{9D8B030D-6E8A-4147-A177-3AD203B41FA5}">
-                      <a16:colId xmlns:a16="http://schemas.microsoft.com/office/drawing/2014/main" val="624646341"/>
-                    </a:ext>
-                  </a:extLst>
-                </a:gridCol>
-                <a:gridCol w="1537859">
-                  <a:extLst>
-                    <a:ext uri="{9D8B030D-6E8A-4147-A177-3AD203B41FA5}">
-                      <a16:colId xmlns:a16="http://schemas.microsoft.com/office/drawing/2014/main" val="975009246"/>
-                    </a:ext>
-                  </a:extLst>
-                </a:gridCol>
-              </a:tblGrid>
-              <a:tr h="379631">
-                <a:tc>
-                  <a:txBody>
-                    <a:bodyPr/>
-                    <a:lstStyle/>
-                    <a:p>
-                      <a:r>
-                        <a:rPr lang="en-US" dirty="0" err="1"/>
-                        <a:t>user_login</a:t>
-                      </a:r>
-                      <a:endParaRPr lang="en-US" dirty="0"/>
-                    </a:p>
-                  </a:txBody>
-                  <a:tcPr/>
-                </a:tc>
-                <a:tc>
-                  <a:txBody>
-                    <a:bodyPr/>
-                    <a:lstStyle/>
-                    <a:p>
-                      <a:r>
-                        <a:rPr lang="en-US" dirty="0"/>
-                        <a:t>Datatype</a:t>
-                      </a:r>
-                    </a:p>
-                  </a:txBody>
-                  <a:tcPr/>
-                </a:tc>
-                <a:extLst>
-                  <a:ext uri="{0D108BD9-81ED-4DB2-BD59-A6C34878D82A}">
-                    <a16:rowId xmlns:a16="http://schemas.microsoft.com/office/drawing/2014/main" val="3282780898"/>
-                  </a:ext>
-                </a:extLst>
-              </a:tr>
-              <a:tr h="621362">
-                <a:tc>
-                  <a:txBody>
-                    <a:bodyPr/>
-                    <a:lstStyle/>
-                    <a:p>
-                      <a:r>
-                        <a:rPr lang="en-US" dirty="0"/>
-                        <a:t>ULID</a:t>
-                      </a:r>
-                    </a:p>
-                  </a:txBody>
-                  <a:tcPr/>
-                </a:tc>
-                <a:tc>
-                  <a:txBody>
-                    <a:bodyPr/>
-                    <a:lstStyle/>
-                    <a:p>
-                      <a:r>
-                        <a:rPr lang="en-US" dirty="0"/>
-                        <a:t>int(Primary)</a:t>
-                      </a:r>
-                    </a:p>
-                  </a:txBody>
-                  <a:tcPr/>
-                </a:tc>
-                <a:extLst>
-                  <a:ext uri="{0D108BD9-81ED-4DB2-BD59-A6C34878D82A}">
-                    <a16:rowId xmlns:a16="http://schemas.microsoft.com/office/drawing/2014/main" val="82321383"/>
-                  </a:ext>
-                </a:extLst>
-              </a:tr>
-              <a:tr h="621362">
-                <a:tc>
-                  <a:txBody>
-                    <a:bodyPr/>
-                    <a:lstStyle/>
-                    <a:p>
-                      <a:r>
-                        <a:rPr lang="en-US" dirty="0"/>
-                        <a:t>username</a:t>
-                      </a:r>
-                    </a:p>
-                  </a:txBody>
-                  <a:tcPr/>
-                </a:tc>
-                <a:tc>
-                  <a:txBody>
-                    <a:bodyPr/>
-                    <a:lstStyle/>
-                    <a:p>
-                      <a:r>
-                        <a:rPr lang="en-US" dirty="0"/>
-                        <a:t>varchar(25)</a:t>
-                      </a:r>
-                    </a:p>
-                  </a:txBody>
-                  <a:tcPr/>
-                </a:tc>
-                <a:extLst>
-                  <a:ext uri="{0D108BD9-81ED-4DB2-BD59-A6C34878D82A}">
-                    <a16:rowId xmlns:a16="http://schemas.microsoft.com/office/drawing/2014/main" val="1883136544"/>
-                  </a:ext>
-                </a:extLst>
-              </a:tr>
-              <a:tr h="621362">
-                <a:tc>
-                  <a:txBody>
-                    <a:bodyPr/>
-                    <a:lstStyle/>
-                    <a:p>
-                      <a:r>
-                        <a:rPr lang="en-US" dirty="0"/>
-                        <a:t>password</a:t>
-                      </a:r>
-                    </a:p>
-                  </a:txBody>
-                  <a:tcPr/>
-                </a:tc>
-                <a:tc>
-                  <a:txBody>
-                    <a:bodyPr/>
-                    <a:lstStyle/>
-                    <a:p>
-                      <a:r>
-                        <a:rPr lang="en-US" dirty="0"/>
-                        <a:t>varchar(25)</a:t>
-                      </a:r>
-                    </a:p>
-                  </a:txBody>
-                  <a:tcPr/>
-                </a:tc>
-                <a:extLst>
-                  <a:ext uri="{0D108BD9-81ED-4DB2-BD59-A6C34878D82A}">
-                    <a16:rowId xmlns:a16="http://schemas.microsoft.com/office/drawing/2014/main" val="2327483014"/>
+                    <a16:rowId xmlns:a16="http://schemas.microsoft.com/office/drawing/2014/main" val="2688088394"/>
                   </a:ext>
                 </a:extLst>
               </a:tr>
@@ -5470,7 +6448,7 @@
     </p:spTree>
     <p:extLst>
       <p:ext uri="{BB962C8B-B14F-4D97-AF65-F5344CB8AC3E}">
-        <p14:creationId xmlns:p14="http://schemas.microsoft.com/office/powerpoint/2010/main" val="2705931009"/>
+        <p14:creationId xmlns:p14="http://schemas.microsoft.com/office/powerpoint/2010/main" val="2674089438"/>
       </p:ext>
     </p:extLst>
   </p:cSld>

--- a/docs/tables_demo.pptx
+++ b/docs/tables_demo.pptx
@@ -5,8 +5,9 @@
     <p:sldMasterId id="2147483648" r:id="rId1"/>
   </p:sldMasterIdLst>
   <p:sldIdLst>
-    <p:sldId id="258" r:id="rId2"/>
-    <p:sldId id="256" r:id="rId3"/>
+    <p:sldId id="259" r:id="rId2"/>
+    <p:sldId id="258" r:id="rId3"/>
+    <p:sldId id="256" r:id="rId4"/>
   </p:sldIdLst>
   <p:sldSz cx="12192000" cy="6858000"/>
   <p:notesSz cx="6858000" cy="9144000"/>
@@ -260,7 +261,7 @@
           <a:p>
             <a:fld id="{CBD02765-7D28-47A0-A8BE-DFE17171ECAA}" type="datetimeFigureOut">
               <a:rPr lang="en-US" smtClean="0"/>
-              <a:t>9/28/2021</a:t>
+              <a:t>9/30/2021</a:t>
             </a:fld>
             <a:endParaRPr lang="en-US"/>
           </a:p>
@@ -458,7 +459,7 @@
           <a:p>
             <a:fld id="{CBD02765-7D28-47A0-A8BE-DFE17171ECAA}" type="datetimeFigureOut">
               <a:rPr lang="en-US" smtClean="0"/>
-              <a:t>9/28/2021</a:t>
+              <a:t>9/30/2021</a:t>
             </a:fld>
             <a:endParaRPr lang="en-US"/>
           </a:p>
@@ -666,7 +667,7 @@
           <a:p>
             <a:fld id="{CBD02765-7D28-47A0-A8BE-DFE17171ECAA}" type="datetimeFigureOut">
               <a:rPr lang="en-US" smtClean="0"/>
-              <a:t>9/28/2021</a:t>
+              <a:t>9/30/2021</a:t>
             </a:fld>
             <a:endParaRPr lang="en-US"/>
           </a:p>
@@ -864,7 +865,7 @@
           <a:p>
             <a:fld id="{CBD02765-7D28-47A0-A8BE-DFE17171ECAA}" type="datetimeFigureOut">
               <a:rPr lang="en-US" smtClean="0"/>
-              <a:t>9/28/2021</a:t>
+              <a:t>9/30/2021</a:t>
             </a:fld>
             <a:endParaRPr lang="en-US"/>
           </a:p>
@@ -1139,7 +1140,7 @@
           <a:p>
             <a:fld id="{CBD02765-7D28-47A0-A8BE-DFE17171ECAA}" type="datetimeFigureOut">
               <a:rPr lang="en-US" smtClean="0"/>
-              <a:t>9/28/2021</a:t>
+              <a:t>9/30/2021</a:t>
             </a:fld>
             <a:endParaRPr lang="en-US"/>
           </a:p>
@@ -1404,7 +1405,7 @@
           <a:p>
             <a:fld id="{CBD02765-7D28-47A0-A8BE-DFE17171ECAA}" type="datetimeFigureOut">
               <a:rPr lang="en-US" smtClean="0"/>
-              <a:t>9/28/2021</a:t>
+              <a:t>9/30/2021</a:t>
             </a:fld>
             <a:endParaRPr lang="en-US"/>
           </a:p>
@@ -1816,7 +1817,7 @@
           <a:p>
             <a:fld id="{CBD02765-7D28-47A0-A8BE-DFE17171ECAA}" type="datetimeFigureOut">
               <a:rPr lang="en-US" smtClean="0"/>
-              <a:t>9/28/2021</a:t>
+              <a:t>9/30/2021</a:t>
             </a:fld>
             <a:endParaRPr lang="en-US"/>
           </a:p>
@@ -1957,7 +1958,7 @@
           <a:p>
             <a:fld id="{CBD02765-7D28-47A0-A8BE-DFE17171ECAA}" type="datetimeFigureOut">
               <a:rPr lang="en-US" smtClean="0"/>
-              <a:t>9/28/2021</a:t>
+              <a:t>9/30/2021</a:t>
             </a:fld>
             <a:endParaRPr lang="en-US"/>
           </a:p>
@@ -2070,7 +2071,7 @@
           <a:p>
             <a:fld id="{CBD02765-7D28-47A0-A8BE-DFE17171ECAA}" type="datetimeFigureOut">
               <a:rPr lang="en-US" smtClean="0"/>
-              <a:t>9/28/2021</a:t>
+              <a:t>9/30/2021</a:t>
             </a:fld>
             <a:endParaRPr lang="en-US"/>
           </a:p>
@@ -2381,7 +2382,7 @@
           <a:p>
             <a:fld id="{CBD02765-7D28-47A0-A8BE-DFE17171ECAA}" type="datetimeFigureOut">
               <a:rPr lang="en-US" smtClean="0"/>
-              <a:t>9/28/2021</a:t>
+              <a:t>9/30/2021</a:t>
             </a:fld>
             <a:endParaRPr lang="en-US"/>
           </a:p>
@@ -2669,7 +2670,7 @@
           <a:p>
             <a:fld id="{CBD02765-7D28-47A0-A8BE-DFE17171ECAA}" type="datetimeFigureOut">
               <a:rPr lang="en-US" smtClean="0"/>
-              <a:t>9/28/2021</a:t>
+              <a:t>9/30/2021</a:t>
             </a:fld>
             <a:endParaRPr lang="en-US"/>
           </a:p>
@@ -2910,7 +2911,7 @@
           <a:p>
             <a:fld id="{CBD02765-7D28-47A0-A8BE-DFE17171ECAA}" type="datetimeFigureOut">
               <a:rPr lang="en-US" smtClean="0"/>
-              <a:t>9/28/2021</a:t>
+              <a:t>9/30/2021</a:t>
             </a:fld>
             <a:endParaRPr lang="en-US"/>
           </a:p>
@@ -3327,6 +3328,92 @@
           <a:chExt cx="0" cy="0"/>
         </a:xfrm>
       </p:grpSpPr>
+      <p:sp>
+        <p:nvSpPr>
+          <p:cNvPr id="2" name="Title 1">
+            <a:extLst>
+              <a:ext uri="{FF2B5EF4-FFF2-40B4-BE49-F238E27FC236}">
+                <a16:creationId xmlns:a16="http://schemas.microsoft.com/office/drawing/2014/main" id="{DDFA14EB-F4FF-46AE-9750-EC165E10823E}"/>
+              </a:ext>
+            </a:extLst>
+          </p:cNvPr>
+          <p:cNvSpPr>
+            <a:spLocks noGrp="1"/>
+          </p:cNvSpPr>
+          <p:nvPr>
+            <p:ph type="title"/>
+          </p:nvPr>
+        </p:nvSpPr>
+        <p:spPr/>
+        <p:txBody>
+          <a:bodyPr/>
+          <a:lstStyle/>
+          <a:p>
+            <a:r>
+              <a:rPr lang="en-US" dirty="0"/>
+              <a:t>This old file is getting deprecated</a:t>
+            </a:r>
+          </a:p>
+        </p:txBody>
+      </p:sp>
+      <p:sp>
+        <p:nvSpPr>
+          <p:cNvPr id="3" name="Content Placeholder 2">
+            <a:extLst>
+              <a:ext uri="{FF2B5EF4-FFF2-40B4-BE49-F238E27FC236}">
+                <a16:creationId xmlns:a16="http://schemas.microsoft.com/office/drawing/2014/main" id="{B85A104D-6BBF-4045-AAB7-05738359B0EA}"/>
+              </a:ext>
+            </a:extLst>
+          </p:cNvPr>
+          <p:cNvSpPr>
+            <a:spLocks noGrp="1"/>
+          </p:cNvSpPr>
+          <p:nvPr>
+            <p:ph idx="1"/>
+          </p:nvPr>
+        </p:nvSpPr>
+        <p:spPr/>
+        <p:txBody>
+          <a:bodyPr/>
+          <a:lstStyle/>
+          <a:p>
+            <a:r>
+              <a:rPr lang="en-US" dirty="0"/>
+              <a:t>Soon</a:t>
+            </a:r>
+          </a:p>
+        </p:txBody>
+      </p:sp>
+    </p:spTree>
+    <p:extLst>
+      <p:ext uri="{BB962C8B-B14F-4D97-AF65-F5344CB8AC3E}">
+        <p14:creationId xmlns:p14="http://schemas.microsoft.com/office/powerpoint/2010/main" val="4261863218"/>
+      </p:ext>
+    </p:extLst>
+  </p:cSld>
+  <p:clrMapOvr>
+    <a:masterClrMapping/>
+  </p:clrMapOvr>
+</p:sld>
+</file>
+
+<file path=ppt/slides/slide2.xml><?xml version="1.0" encoding="utf-8"?>
+<p:sld xmlns:a="http://schemas.openxmlformats.org/drawingml/2006/main" xmlns:r="http://schemas.openxmlformats.org/officeDocument/2006/relationships" xmlns:p="http://schemas.openxmlformats.org/presentationml/2006/main">
+  <p:cSld>
+    <p:spTree>
+      <p:nvGrpSpPr>
+        <p:cNvPr id="1" name=""/>
+        <p:cNvGrpSpPr/>
+        <p:nvPr/>
+      </p:nvGrpSpPr>
+      <p:grpSpPr>
+        <a:xfrm>
+          <a:off x="0" y="0"/>
+          <a:ext cx="0" cy="0"/>
+          <a:chOff x="0" y="0"/>
+          <a:chExt cx="0" cy="0"/>
+        </a:xfrm>
+      </p:grpSpPr>
       <p:graphicFrame>
         <p:nvGraphicFramePr>
           <p:cNvPr id="4" name="Table 7">
@@ -4695,7 +4782,7 @@
 </p:sld>
 </file>
 
-<file path=ppt/slides/slide2.xml><?xml version="1.0" encoding="utf-8"?>
+<file path=ppt/slides/slide3.xml><?xml version="1.0" encoding="utf-8"?>
 <p:sld xmlns:a="http://schemas.openxmlformats.org/drawingml/2006/main" xmlns:r="http://schemas.openxmlformats.org/officeDocument/2006/relationships" xmlns:p="http://schemas.openxmlformats.org/presentationml/2006/main">
   <p:cSld>
     <p:spTree>
@@ -6184,260 +6271,6 @@
                 <a:extLst>
                   <a:ext uri="{0D108BD9-81ED-4DB2-BD59-A6C34878D82A}">
                     <a16:rowId xmlns:a16="http://schemas.microsoft.com/office/drawing/2014/main" val="1180681503"/>
-                  </a:ext>
-                </a:extLst>
-              </a:tr>
-            </a:tbl>
-          </a:graphicData>
-        </a:graphic>
-      </p:graphicFrame>
-      <p:graphicFrame>
-        <p:nvGraphicFramePr>
-          <p:cNvPr id="4" name="Table 7">
-            <a:extLst>
-              <a:ext uri="{FF2B5EF4-FFF2-40B4-BE49-F238E27FC236}">
-                <a16:creationId xmlns:a16="http://schemas.microsoft.com/office/drawing/2014/main" id="{0C1D9BEA-45E8-41F7-BDB7-B0F7FFA0A612}"/>
-              </a:ext>
-            </a:extLst>
-          </p:cNvPr>
-          <p:cNvGraphicFramePr>
-            <a:graphicFrameLocks noGrp="1"/>
-          </p:cNvGraphicFramePr>
-          <p:nvPr>
-            <p:extLst>
-              <p:ext uri="{D42A27DB-BD31-4B8C-83A1-F6EECF244321}">
-                <p14:modId xmlns:p14="http://schemas.microsoft.com/office/powerpoint/2010/main" val="3510302864"/>
-              </p:ext>
-            </p:extLst>
-          </p:nvPr>
-        </p:nvGraphicFramePr>
-        <p:xfrm>
-          <a:off x="6466053" y="1411343"/>
-          <a:ext cx="5386370" cy="4880784"/>
-        </p:xfrm>
-        <a:graphic>
-          <a:graphicData uri="http://schemas.openxmlformats.org/drawingml/2006/table">
-            <a:tbl>
-              <a:tblPr firstRow="1" bandRow="1">
-                <a:tableStyleId>{5C22544A-7EE6-4342-B048-85BDC9FD1C3A}</a:tableStyleId>
-              </a:tblPr>
-              <a:tblGrid>
-                <a:gridCol w="2693185">
-                  <a:extLst>
-                    <a:ext uri="{9D8B030D-6E8A-4147-A177-3AD203B41FA5}">
-                      <a16:colId xmlns:a16="http://schemas.microsoft.com/office/drawing/2014/main" val="137740285"/>
-                    </a:ext>
-                  </a:extLst>
-                </a:gridCol>
-                <a:gridCol w="2693185">
-                  <a:extLst>
-                    <a:ext uri="{9D8B030D-6E8A-4147-A177-3AD203B41FA5}">
-                      <a16:colId xmlns:a16="http://schemas.microsoft.com/office/drawing/2014/main" val="118291522"/>
-                    </a:ext>
-                  </a:extLst>
-                </a:gridCol>
-              </a:tblGrid>
-              <a:tr h="813464">
-                <a:tc>
-                  <a:txBody>
-                    <a:bodyPr/>
-                    <a:lstStyle/>
-                    <a:p>
-                      <a:r>
-                        <a:rPr lang="en-US" dirty="0" err="1"/>
-                        <a:t>user_profile</a:t>
-                      </a:r>
-                      <a:endParaRPr lang="en-US" dirty="0"/>
-                    </a:p>
-                  </a:txBody>
-                  <a:tcPr/>
-                </a:tc>
-                <a:tc>
-                  <a:txBody>
-                    <a:bodyPr/>
-                    <a:lstStyle/>
-                    <a:p>
-                      <a:r>
-                        <a:rPr lang="en-US" dirty="0"/>
-                        <a:t>Datatype</a:t>
-                      </a:r>
-                    </a:p>
-                  </a:txBody>
-                  <a:tcPr/>
-                </a:tc>
-                <a:extLst>
-                  <a:ext uri="{0D108BD9-81ED-4DB2-BD59-A6C34878D82A}">
-                    <a16:rowId xmlns:a16="http://schemas.microsoft.com/office/drawing/2014/main" val="2996650353"/>
-                  </a:ext>
-                </a:extLst>
-              </a:tr>
-              <a:tr h="813464">
-                <a:tc>
-                  <a:txBody>
-                    <a:bodyPr/>
-                    <a:lstStyle/>
-                    <a:p>
-                      <a:r>
-                        <a:rPr lang="en-US" dirty="0"/>
-                        <a:t>UID</a:t>
-                      </a:r>
-                    </a:p>
-                  </a:txBody>
-                  <a:tcPr/>
-                </a:tc>
-                <a:tc>
-                  <a:txBody>
-                    <a:bodyPr/>
-                    <a:lstStyle/>
-                    <a:p>
-                      <a:endParaRPr lang="en-US" dirty="0"/>
-                    </a:p>
-                  </a:txBody>
-                  <a:tcPr/>
-                </a:tc>
-                <a:extLst>
-                  <a:ext uri="{0D108BD9-81ED-4DB2-BD59-A6C34878D82A}">
-                    <a16:rowId xmlns:a16="http://schemas.microsoft.com/office/drawing/2014/main" val="2156130721"/>
-                  </a:ext>
-                </a:extLst>
-              </a:tr>
-              <a:tr h="813464">
-                <a:tc>
-                  <a:txBody>
-                    <a:bodyPr/>
-                    <a:lstStyle/>
-                    <a:p>
-                      <a:r>
-                        <a:rPr lang="en-US" dirty="0" err="1"/>
-                        <a:t>fname</a:t>
-                      </a:r>
-                      <a:r>
-                        <a:rPr lang="en-US" dirty="0"/>
-                        <a:t>/</a:t>
-                      </a:r>
-                      <a:r>
-                        <a:rPr lang="en-US" dirty="0" err="1"/>
-                        <a:t>lname</a:t>
-                      </a:r>
-                      <a:r>
-                        <a:rPr lang="en-US" dirty="0"/>
-                        <a:t>/</a:t>
-                      </a:r>
-                      <a:r>
-                        <a:rPr lang="en-US" dirty="0" err="1"/>
-                        <a:t>addr</a:t>
-                      </a:r>
-                      <a:r>
-                        <a:rPr lang="en-US" dirty="0"/>
-                        <a:t>/dob</a:t>
-                      </a:r>
-                    </a:p>
-                  </a:txBody>
-                  <a:tcPr/>
-                </a:tc>
-                <a:tc>
-                  <a:txBody>
-                    <a:bodyPr/>
-                    <a:lstStyle/>
-                    <a:p>
-                      <a:endParaRPr lang="en-US" dirty="0"/>
-                    </a:p>
-                  </a:txBody>
-                  <a:tcPr/>
-                </a:tc>
-                <a:extLst>
-                  <a:ext uri="{0D108BD9-81ED-4DB2-BD59-A6C34878D82A}">
-                    <a16:rowId xmlns:a16="http://schemas.microsoft.com/office/drawing/2014/main" val="436724252"/>
-                  </a:ext>
-                </a:extLst>
-              </a:tr>
-              <a:tr h="813464">
-                <a:tc>
-                  <a:txBody>
-                    <a:bodyPr/>
-                    <a:lstStyle/>
-                    <a:p>
-                      <a:r>
-                        <a:rPr lang="en-US" dirty="0"/>
-                        <a:t>username</a:t>
-                      </a:r>
-                    </a:p>
-                  </a:txBody>
-                  <a:tcPr/>
-                </a:tc>
-                <a:tc>
-                  <a:txBody>
-                    <a:bodyPr/>
-                    <a:lstStyle/>
-                    <a:p>
-                      <a:endParaRPr lang="en-US" dirty="0"/>
-                    </a:p>
-                  </a:txBody>
-                  <a:tcPr/>
-                </a:tc>
-                <a:extLst>
-                  <a:ext uri="{0D108BD9-81ED-4DB2-BD59-A6C34878D82A}">
-                    <a16:rowId xmlns:a16="http://schemas.microsoft.com/office/drawing/2014/main" val="1125359314"/>
-                  </a:ext>
-                </a:extLst>
-              </a:tr>
-              <a:tr h="813464">
-                <a:tc>
-                  <a:txBody>
-                    <a:bodyPr/>
-                    <a:lstStyle/>
-                    <a:p>
-                      <a:r>
-                        <a:rPr lang="en-US" dirty="0"/>
-                        <a:t>password</a:t>
-                      </a:r>
-                    </a:p>
-                  </a:txBody>
-                  <a:tcPr/>
-                </a:tc>
-                <a:tc>
-                  <a:txBody>
-                    <a:bodyPr/>
-                    <a:lstStyle/>
-                    <a:p>
-                      <a:endParaRPr lang="en-US" dirty="0"/>
-                    </a:p>
-                  </a:txBody>
-                  <a:tcPr/>
-                </a:tc>
-                <a:extLst>
-                  <a:ext uri="{0D108BD9-81ED-4DB2-BD59-A6C34878D82A}">
-                    <a16:rowId xmlns:a16="http://schemas.microsoft.com/office/drawing/2014/main" val="3834724830"/>
-                  </a:ext>
-                </a:extLst>
-              </a:tr>
-              <a:tr h="813464">
-                <a:tc>
-                  <a:txBody>
-                    <a:bodyPr/>
-                    <a:lstStyle/>
-                    <a:p>
-                      <a:r>
-                        <a:rPr lang="en-US" dirty="0"/>
-                        <a:t>permission</a:t>
-                      </a:r>
-                    </a:p>
-                  </a:txBody>
-                  <a:tcPr/>
-                </a:tc>
-                <a:tc>
-                  <a:txBody>
-                    <a:bodyPr/>
-                    <a:lstStyle/>
-                    <a:p>
-                      <a:endParaRPr lang="en-US" dirty="0"/>
-                    </a:p>
-                  </a:txBody>
-                  <a:tcPr/>
-                </a:tc>
-                <a:extLst>
-                  <a:ext uri="{0D108BD9-81ED-4DB2-BD59-A6C34878D82A}">
-                    <a16:rowId xmlns:a16="http://schemas.microsoft.com/office/drawing/2014/main" val="2688088394"/>
                   </a:ext>
                 </a:extLst>
               </a:tr>
